--- a/演示PPT.pptx
+++ b/演示PPT.pptx
@@ -5,16 +5,20 @@
     <p:sldMasterId id="2147483648" r:id="rId1"/>
   </p:sldMasterIdLst>
   <p:notesMasterIdLst>
-    <p:notesMasterId r:id="rId9"/>
+    <p:notesMasterId r:id="rId13"/>
   </p:notesMasterIdLst>
   <p:sldIdLst>
     <p:sldId id="261" r:id="rId2"/>
     <p:sldId id="259" r:id="rId3"/>
     <p:sldId id="262" r:id="rId4"/>
     <p:sldId id="258" r:id="rId5"/>
-    <p:sldId id="257" r:id="rId6"/>
-    <p:sldId id="256" r:id="rId7"/>
-    <p:sldId id="260" r:id="rId8"/>
+    <p:sldId id="264" r:id="rId6"/>
+    <p:sldId id="257" r:id="rId7"/>
+    <p:sldId id="265" r:id="rId8"/>
+    <p:sldId id="266" r:id="rId9"/>
+    <p:sldId id="256" r:id="rId10"/>
+    <p:sldId id="260" r:id="rId11"/>
+    <p:sldId id="263" r:id="rId12"/>
   </p:sldIdLst>
   <p:sldSz cx="12192000" cy="6858000"/>
   <p:notesSz cx="6858000" cy="9144000"/>
@@ -214,7 +218,7 @@
           <a:p>
             <a:fld id="{0CC3510D-AAE0-4961-9FDE-9574A08A2549}" type="datetimeFigureOut">
               <a:rPr lang="zh-CN" altLang="en-US" smtClean="0"/>
-              <a:t>2023-06-11</a:t>
+              <a:t>2023-06-12</a:t>
             </a:fld>
             <a:endParaRPr lang="zh-CN" altLang="en-US"/>
           </a:p>
@@ -525,150 +529,6 @@
           <a:bodyPr/>
           <a:lstStyle/>
           <a:p>
-            <a:pPr algn="just"/>
-            <a:r>
-              <a:rPr lang="zh-CN" altLang="zh-CN" sz="1200" kern="100" dirty="0">
-                <a:effectLst/>
-                <a:latin typeface="Consolas" panose="020B0609020204030204" pitchFamily="49" charset="0"/>
-                <a:ea typeface="宋体" panose="02010600030101010101" pitchFamily="2" charset="-122"/>
-                <a:cs typeface="Times New Roman" panose="02020603050405020304" pitchFamily="18" charset="0"/>
-              </a:rPr>
-              <a:t>遗传算法是一种随机全局搜索优化方法。它模拟了自然选择和遗传中发生的复制、交叉</a:t>
-            </a:r>
-            <a:r>
-              <a:rPr lang="en-US" altLang="zh-CN" sz="1200" kern="100" dirty="0">
-                <a:effectLst/>
-                <a:latin typeface="Consolas" panose="020B0609020204030204" pitchFamily="49" charset="0"/>
-                <a:ea typeface="宋体" panose="02010600030101010101" pitchFamily="2" charset="-122"/>
-                <a:cs typeface="Times New Roman" panose="02020603050405020304" pitchFamily="18" charset="0"/>
-              </a:rPr>
-              <a:t>(crossover)</a:t>
-            </a:r>
-            <a:r>
-              <a:rPr lang="zh-CN" altLang="zh-CN" sz="1200" kern="100" dirty="0">
-                <a:effectLst/>
-                <a:latin typeface="Consolas" panose="020B0609020204030204" pitchFamily="49" charset="0"/>
-                <a:ea typeface="宋体" panose="02010600030101010101" pitchFamily="2" charset="-122"/>
-                <a:cs typeface="Times New Roman" panose="02020603050405020304" pitchFamily="18" charset="0"/>
-              </a:rPr>
-              <a:t>和变异</a:t>
-            </a:r>
-            <a:r>
-              <a:rPr lang="en-US" altLang="zh-CN" sz="1200" kern="100" dirty="0">
-                <a:effectLst/>
-                <a:latin typeface="Consolas" panose="020B0609020204030204" pitchFamily="49" charset="0"/>
-                <a:ea typeface="宋体" panose="02010600030101010101" pitchFamily="2" charset="-122"/>
-                <a:cs typeface="Times New Roman" panose="02020603050405020304" pitchFamily="18" charset="0"/>
-              </a:rPr>
-              <a:t>(mutation)</a:t>
-            </a:r>
-            <a:r>
-              <a:rPr lang="zh-CN" altLang="zh-CN" sz="1200" kern="100" dirty="0">
-                <a:effectLst/>
-                <a:latin typeface="Consolas" panose="020B0609020204030204" pitchFamily="49" charset="0"/>
-                <a:ea typeface="宋体" panose="02010600030101010101" pitchFamily="2" charset="-122"/>
-                <a:cs typeface="Times New Roman" panose="02020603050405020304" pitchFamily="18" charset="0"/>
-              </a:rPr>
-              <a:t>等现象，从任一初始种群（</a:t>
-            </a:r>
-            <a:r>
-              <a:rPr lang="en-US" altLang="zh-CN" sz="1200" kern="100" dirty="0">
-                <a:effectLst/>
-                <a:latin typeface="Consolas" panose="020B0609020204030204" pitchFamily="49" charset="0"/>
-                <a:ea typeface="宋体" panose="02010600030101010101" pitchFamily="2" charset="-122"/>
-                <a:cs typeface="Times New Roman" panose="02020603050405020304" pitchFamily="18" charset="0"/>
-              </a:rPr>
-              <a:t>Population</a:t>
-            </a:r>
-            <a:r>
-              <a:rPr lang="zh-CN" altLang="zh-CN" sz="1200" kern="100" dirty="0">
-                <a:effectLst/>
-                <a:latin typeface="Consolas" panose="020B0609020204030204" pitchFamily="49" charset="0"/>
-                <a:ea typeface="宋体" panose="02010600030101010101" pitchFamily="2" charset="-122"/>
-                <a:cs typeface="Times New Roman" panose="02020603050405020304" pitchFamily="18" charset="0"/>
-              </a:rPr>
-              <a:t>）出发，通过随机选择、交叉和变异操作，产生一群更适合环境的个体，使群体进化到搜索空间中越来越好的区域，这样一代一代不断繁衍进化，最后收敛到一群最适应环境的个体（</a:t>
-            </a:r>
-            <a:r>
-              <a:rPr lang="en-US" altLang="zh-CN" sz="1200" kern="100" dirty="0">
-                <a:effectLst/>
-                <a:latin typeface="Consolas" panose="020B0609020204030204" pitchFamily="49" charset="0"/>
-                <a:ea typeface="宋体" panose="02010600030101010101" pitchFamily="2" charset="-122"/>
-                <a:cs typeface="Times New Roman" panose="02020603050405020304" pitchFamily="18" charset="0"/>
-              </a:rPr>
-              <a:t>Individual</a:t>
-            </a:r>
-            <a:r>
-              <a:rPr lang="zh-CN" altLang="zh-CN" sz="1200" kern="100" dirty="0">
-                <a:effectLst/>
-                <a:latin typeface="Consolas" panose="020B0609020204030204" pitchFamily="49" charset="0"/>
-                <a:ea typeface="宋体" panose="02010600030101010101" pitchFamily="2" charset="-122"/>
-                <a:cs typeface="Times New Roman" panose="02020603050405020304" pitchFamily="18" charset="0"/>
-              </a:rPr>
-              <a:t>），从而求得问题的优质解。</a:t>
-            </a:r>
-          </a:p>
-          <a:p>
-            <a:pPr algn="just"/>
-            <a:r>
-              <a:rPr lang="en-US" altLang="zh-CN" sz="1200" kern="100" dirty="0">
-                <a:effectLst/>
-                <a:latin typeface="Consolas" panose="020B0609020204030204" pitchFamily="49" charset="0"/>
-                <a:ea typeface="宋体" panose="02010600030101010101" pitchFamily="2" charset="-122"/>
-                <a:cs typeface="Times New Roman" panose="02020603050405020304" pitchFamily="18" charset="0"/>
-              </a:rPr>
-              <a:t> </a:t>
-            </a:r>
-            <a:endParaRPr lang="zh-CN" altLang="zh-CN" sz="1200" kern="100" dirty="0">
-              <a:effectLst/>
-              <a:latin typeface="Consolas" panose="020B0609020204030204" pitchFamily="49" charset="0"/>
-              <a:ea typeface="宋体" panose="02010600030101010101" pitchFamily="2" charset="-122"/>
-              <a:cs typeface="Times New Roman" panose="02020603050405020304" pitchFamily="18" charset="0"/>
-            </a:endParaRPr>
-          </a:p>
-          <a:p>
-            <a:pPr algn="just"/>
-            <a:r>
-              <a:rPr lang="zh-CN" altLang="zh-CN" sz="1200" kern="100" dirty="0">
-                <a:effectLst/>
-                <a:latin typeface="Consolas" panose="020B0609020204030204" pitchFamily="49" charset="0"/>
-                <a:ea typeface="宋体" panose="02010600030101010101" pitchFamily="2" charset="-122"/>
-                <a:cs typeface="Times New Roman" panose="02020603050405020304" pitchFamily="18" charset="0"/>
-              </a:rPr>
-              <a:t>对于有多个局部最优解的函数，遗传算法不易陷入局部最优解，但是问题维度很高时，遗传算法效果很差。</a:t>
-            </a:r>
-          </a:p>
-          <a:p>
-            <a:pPr algn="just"/>
-            <a:r>
-              <a:rPr lang="en-US" altLang="zh-CN" sz="1200" kern="100" dirty="0">
-                <a:effectLst/>
-                <a:latin typeface="Consolas" panose="020B0609020204030204" pitchFamily="49" charset="0"/>
-                <a:ea typeface="宋体" panose="02010600030101010101" pitchFamily="2" charset="-122"/>
-                <a:cs typeface="Times New Roman" panose="02020603050405020304" pitchFamily="18" charset="0"/>
-              </a:rPr>
-              <a:t> </a:t>
-            </a:r>
-            <a:endParaRPr lang="zh-CN" altLang="zh-CN" sz="1200" kern="100" dirty="0">
-              <a:effectLst/>
-              <a:latin typeface="Consolas" panose="020B0609020204030204" pitchFamily="49" charset="0"/>
-              <a:ea typeface="宋体" panose="02010600030101010101" pitchFamily="2" charset="-122"/>
-              <a:cs typeface="Times New Roman" panose="02020603050405020304" pitchFamily="18" charset="0"/>
-            </a:endParaRPr>
-          </a:p>
-          <a:p>
-            <a:pPr algn="just"/>
-            <a:r>
-              <a:rPr lang="zh-CN" altLang="zh-CN" sz="1200" kern="100" dirty="0">
-                <a:effectLst/>
-                <a:latin typeface="Consolas" panose="020B0609020204030204" pitchFamily="49" charset="0"/>
-                <a:ea typeface="宋体" panose="02010600030101010101" pitchFamily="2" charset="-122"/>
-                <a:cs typeface="Times New Roman" panose="02020603050405020304" pitchFamily="18" charset="0"/>
-              </a:rPr>
-              <a:t>算法流程图如下：</a:t>
-            </a:r>
-          </a:p>
-          <a:p>
             <a:endParaRPr lang="zh-CN" altLang="en-US" dirty="0"/>
           </a:p>
         </p:txBody>
@@ -690,7 +550,7 @@
           <a:p>
             <a:fld id="{8047D45D-3EC4-448C-B446-52506961FDEA}" type="slidenum">
               <a:rPr lang="zh-CN" altLang="en-US" smtClean="0"/>
-              <a:t>4</a:t>
+              <a:t>1</a:t>
             </a:fld>
             <a:endParaRPr lang="zh-CN" altLang="en-US"/>
           </a:p>
@@ -699,7 +559,175 @@
     </p:spTree>
     <p:extLst>
       <p:ext uri="{BB962C8B-B14F-4D97-AF65-F5344CB8AC3E}">
-        <p14:creationId xmlns:p14="http://schemas.microsoft.com/office/powerpoint/2010/main" val="2800448347"/>
+        <p14:creationId xmlns:p14="http://schemas.microsoft.com/office/powerpoint/2010/main" val="4067378770"/>
+      </p:ext>
+    </p:extLst>
+  </p:cSld>
+  <p:clrMapOvr>
+    <a:masterClrMapping/>
+  </p:clrMapOvr>
+</p:notes>
+</file>
+
+<file path=ppt/notesSlides/notesSlide10.xml><?xml version="1.0" encoding="utf-8"?>
+<p:notes xmlns:a="http://schemas.openxmlformats.org/drawingml/2006/main" xmlns:r="http://schemas.openxmlformats.org/officeDocument/2006/relationships" xmlns:p="http://schemas.openxmlformats.org/presentationml/2006/main">
+  <p:cSld>
+    <p:spTree>
+      <p:nvGrpSpPr>
+        <p:cNvPr id="1" name=""/>
+        <p:cNvGrpSpPr/>
+        <p:nvPr/>
+      </p:nvGrpSpPr>
+      <p:grpSpPr>
+        <a:xfrm>
+          <a:off x="0" y="0"/>
+          <a:ext cx="0" cy="0"/>
+          <a:chOff x="0" y="0"/>
+          <a:chExt cx="0" cy="0"/>
+        </a:xfrm>
+      </p:grpSpPr>
+      <p:sp>
+        <p:nvSpPr>
+          <p:cNvPr id="2" name="幻灯片图像占位符 1"/>
+          <p:cNvSpPr>
+            <a:spLocks noGrp="1" noRot="1" noChangeAspect="1"/>
+          </p:cNvSpPr>
+          <p:nvPr>
+            <p:ph type="sldImg"/>
+          </p:nvPr>
+        </p:nvSpPr>
+        <p:spPr/>
+      </p:sp>
+      <p:sp>
+        <p:nvSpPr>
+          <p:cNvPr id="3" name="备注占位符 2"/>
+          <p:cNvSpPr>
+            <a:spLocks noGrp="1"/>
+          </p:cNvSpPr>
+          <p:nvPr>
+            <p:ph type="body" idx="1"/>
+          </p:nvPr>
+        </p:nvSpPr>
+        <p:spPr/>
+        <p:txBody>
+          <a:bodyPr/>
+          <a:lstStyle/>
+          <a:p>
+            <a:endParaRPr lang="zh-CN" altLang="en-US" dirty="0"/>
+          </a:p>
+        </p:txBody>
+      </p:sp>
+      <p:sp>
+        <p:nvSpPr>
+          <p:cNvPr id="4" name="灯片编号占位符 3"/>
+          <p:cNvSpPr>
+            <a:spLocks noGrp="1"/>
+          </p:cNvSpPr>
+          <p:nvPr>
+            <p:ph type="sldNum" sz="quarter" idx="5"/>
+          </p:nvPr>
+        </p:nvSpPr>
+        <p:spPr/>
+        <p:txBody>
+          <a:bodyPr/>
+          <a:lstStyle/>
+          <a:p>
+            <a:fld id="{8047D45D-3EC4-448C-B446-52506961FDEA}" type="slidenum">
+              <a:rPr lang="zh-CN" altLang="en-US" smtClean="0"/>
+              <a:t>10</a:t>
+            </a:fld>
+            <a:endParaRPr lang="zh-CN" altLang="en-US"/>
+          </a:p>
+        </p:txBody>
+      </p:sp>
+    </p:spTree>
+    <p:extLst>
+      <p:ext uri="{BB962C8B-B14F-4D97-AF65-F5344CB8AC3E}">
+        <p14:creationId xmlns:p14="http://schemas.microsoft.com/office/powerpoint/2010/main" val="2439817902"/>
+      </p:ext>
+    </p:extLst>
+  </p:cSld>
+  <p:clrMapOvr>
+    <a:masterClrMapping/>
+  </p:clrMapOvr>
+</p:notes>
+</file>
+
+<file path=ppt/notesSlides/notesSlide11.xml><?xml version="1.0" encoding="utf-8"?>
+<p:notes xmlns:a="http://schemas.openxmlformats.org/drawingml/2006/main" xmlns:r="http://schemas.openxmlformats.org/officeDocument/2006/relationships" xmlns:p="http://schemas.openxmlformats.org/presentationml/2006/main">
+  <p:cSld>
+    <p:spTree>
+      <p:nvGrpSpPr>
+        <p:cNvPr id="1" name=""/>
+        <p:cNvGrpSpPr/>
+        <p:nvPr/>
+      </p:nvGrpSpPr>
+      <p:grpSpPr>
+        <a:xfrm>
+          <a:off x="0" y="0"/>
+          <a:ext cx="0" cy="0"/>
+          <a:chOff x="0" y="0"/>
+          <a:chExt cx="0" cy="0"/>
+        </a:xfrm>
+      </p:grpSpPr>
+      <p:sp>
+        <p:nvSpPr>
+          <p:cNvPr id="2" name="幻灯片图像占位符 1"/>
+          <p:cNvSpPr>
+            <a:spLocks noGrp="1" noRot="1" noChangeAspect="1"/>
+          </p:cNvSpPr>
+          <p:nvPr>
+            <p:ph type="sldImg"/>
+          </p:nvPr>
+        </p:nvSpPr>
+        <p:spPr/>
+      </p:sp>
+      <p:sp>
+        <p:nvSpPr>
+          <p:cNvPr id="3" name="备注占位符 2"/>
+          <p:cNvSpPr>
+            <a:spLocks noGrp="1"/>
+          </p:cNvSpPr>
+          <p:nvPr>
+            <p:ph type="body" idx="1"/>
+          </p:nvPr>
+        </p:nvSpPr>
+        <p:spPr/>
+        <p:txBody>
+          <a:bodyPr/>
+          <a:lstStyle/>
+          <a:p>
+            <a:endParaRPr lang="zh-CN" altLang="en-US" dirty="0"/>
+          </a:p>
+        </p:txBody>
+      </p:sp>
+      <p:sp>
+        <p:nvSpPr>
+          <p:cNvPr id="4" name="灯片编号占位符 3"/>
+          <p:cNvSpPr>
+            <a:spLocks noGrp="1"/>
+          </p:cNvSpPr>
+          <p:nvPr>
+            <p:ph type="sldNum" sz="quarter" idx="5"/>
+          </p:nvPr>
+        </p:nvSpPr>
+        <p:spPr/>
+        <p:txBody>
+          <a:bodyPr/>
+          <a:lstStyle/>
+          <a:p>
+            <a:fld id="{8047D45D-3EC4-448C-B446-52506961FDEA}" type="slidenum">
+              <a:rPr lang="zh-CN" altLang="en-US" smtClean="0"/>
+              <a:t>11</a:t>
+            </a:fld>
+            <a:endParaRPr lang="zh-CN" altLang="en-US"/>
+          </a:p>
+        </p:txBody>
+      </p:sp>
+    </p:spTree>
+    <p:extLst>
+      <p:ext uri="{BB962C8B-B14F-4D97-AF65-F5344CB8AC3E}">
+        <p14:creationId xmlns:p14="http://schemas.microsoft.com/office/powerpoint/2010/main" val="2616306069"/>
       </p:ext>
     </p:extLst>
   </p:cSld>
@@ -753,33 +781,6 @@
           <a:bodyPr/>
           <a:lstStyle/>
           <a:p>
-            <a:r>
-              <a:rPr lang="zh-CN" altLang="en-US" dirty="0"/>
-              <a:t>DE（Differential Evolution）算法与遗传算法类似。</a:t>
-            </a:r>
-          </a:p>
-          <a:p>
-            <a:r>
-              <a:rPr lang="zh-CN" altLang="en-US" dirty="0"/>
-              <a:t>DE 算法的主要思想是在当前种群中随机选择三个个体作为变异操作的参照个体，然后使用差分操作生成新的个体。接着，使用交叉操作将新的个体与原始个体进行融合，生成子代个体。最后，使用选择策略更新种群，使得适应度更高的个体有更大的概率被选择为下一代种群的成员。这样不断迭代，直到满足停止准则为止。</a:t>
-            </a:r>
-          </a:p>
-          <a:p>
-            <a:endParaRPr lang="zh-CN" altLang="en-US" dirty="0"/>
-          </a:p>
-          <a:p>
-            <a:r>
-              <a:rPr lang="zh-CN" altLang="en-US" dirty="0"/>
-              <a:t>同时，</a:t>
-            </a:r>
-          </a:p>
-          <a:p>
-            <a:r>
-              <a:rPr lang="zh-CN" altLang="en-US" dirty="0"/>
-              <a:t>算法中使用了协同，根据dg2的分组在一轮迭代中对所有分组分别进行优化以提高优化效率。</a:t>
-            </a:r>
-          </a:p>
-          <a:p>
             <a:endParaRPr lang="zh-CN" altLang="en-US" dirty="0"/>
           </a:p>
         </p:txBody>
@@ -801,7 +802,344 @@
           <a:p>
             <a:fld id="{8047D45D-3EC4-448C-B446-52506961FDEA}" type="slidenum">
               <a:rPr lang="zh-CN" altLang="en-US" smtClean="0"/>
+              <a:t>2</a:t>
+            </a:fld>
+            <a:endParaRPr lang="zh-CN" altLang="en-US"/>
+          </a:p>
+        </p:txBody>
+      </p:sp>
+    </p:spTree>
+    <p:extLst>
+      <p:ext uri="{BB962C8B-B14F-4D97-AF65-F5344CB8AC3E}">
+        <p14:creationId xmlns:p14="http://schemas.microsoft.com/office/powerpoint/2010/main" val="2954066964"/>
+      </p:ext>
+    </p:extLst>
+  </p:cSld>
+  <p:clrMapOvr>
+    <a:masterClrMapping/>
+  </p:clrMapOvr>
+</p:notes>
+</file>
+
+<file path=ppt/notesSlides/notesSlide3.xml><?xml version="1.0" encoding="utf-8"?>
+<p:notes xmlns:a="http://schemas.openxmlformats.org/drawingml/2006/main" xmlns:r="http://schemas.openxmlformats.org/officeDocument/2006/relationships" xmlns:p="http://schemas.openxmlformats.org/presentationml/2006/main">
+  <p:cSld>
+    <p:spTree>
+      <p:nvGrpSpPr>
+        <p:cNvPr id="1" name=""/>
+        <p:cNvGrpSpPr/>
+        <p:nvPr/>
+      </p:nvGrpSpPr>
+      <p:grpSpPr>
+        <a:xfrm>
+          <a:off x="0" y="0"/>
+          <a:ext cx="0" cy="0"/>
+          <a:chOff x="0" y="0"/>
+          <a:chExt cx="0" cy="0"/>
+        </a:xfrm>
+      </p:grpSpPr>
+      <p:sp>
+        <p:nvSpPr>
+          <p:cNvPr id="2" name="幻灯片图像占位符 1"/>
+          <p:cNvSpPr>
+            <a:spLocks noGrp="1" noRot="1" noChangeAspect="1"/>
+          </p:cNvSpPr>
+          <p:nvPr>
+            <p:ph type="sldImg"/>
+          </p:nvPr>
+        </p:nvSpPr>
+        <p:spPr/>
+      </p:sp>
+      <p:sp>
+        <p:nvSpPr>
+          <p:cNvPr id="3" name="备注占位符 2"/>
+          <p:cNvSpPr>
+            <a:spLocks noGrp="1"/>
+          </p:cNvSpPr>
+          <p:nvPr>
+            <p:ph type="body" idx="1"/>
+          </p:nvPr>
+        </p:nvSpPr>
+        <p:spPr/>
+        <p:txBody>
+          <a:bodyPr/>
+          <a:lstStyle/>
+          <a:p>
+            <a:endParaRPr lang="zh-CN" altLang="en-US" dirty="0"/>
+          </a:p>
+        </p:txBody>
+      </p:sp>
+      <p:sp>
+        <p:nvSpPr>
+          <p:cNvPr id="4" name="灯片编号占位符 3"/>
+          <p:cNvSpPr>
+            <a:spLocks noGrp="1"/>
+          </p:cNvSpPr>
+          <p:nvPr>
+            <p:ph type="sldNum" sz="quarter" idx="5"/>
+          </p:nvPr>
+        </p:nvSpPr>
+        <p:spPr/>
+        <p:txBody>
+          <a:bodyPr/>
+          <a:lstStyle/>
+          <a:p>
+            <a:fld id="{8047D45D-3EC4-448C-B446-52506961FDEA}" type="slidenum">
+              <a:rPr lang="zh-CN" altLang="en-US" smtClean="0"/>
+              <a:t>3</a:t>
+            </a:fld>
+            <a:endParaRPr lang="zh-CN" altLang="en-US"/>
+          </a:p>
+        </p:txBody>
+      </p:sp>
+    </p:spTree>
+    <p:extLst>
+      <p:ext uri="{BB962C8B-B14F-4D97-AF65-F5344CB8AC3E}">
+        <p14:creationId xmlns:p14="http://schemas.microsoft.com/office/powerpoint/2010/main" val="3777781070"/>
+      </p:ext>
+    </p:extLst>
+  </p:cSld>
+  <p:clrMapOvr>
+    <a:masterClrMapping/>
+  </p:clrMapOvr>
+</p:notes>
+</file>
+
+<file path=ppt/notesSlides/notesSlide4.xml><?xml version="1.0" encoding="utf-8"?>
+<p:notes xmlns:a="http://schemas.openxmlformats.org/drawingml/2006/main" xmlns:r="http://schemas.openxmlformats.org/officeDocument/2006/relationships" xmlns:p="http://schemas.openxmlformats.org/presentationml/2006/main">
+  <p:cSld>
+    <p:spTree>
+      <p:nvGrpSpPr>
+        <p:cNvPr id="1" name=""/>
+        <p:cNvGrpSpPr/>
+        <p:nvPr/>
+      </p:nvGrpSpPr>
+      <p:grpSpPr>
+        <a:xfrm>
+          <a:off x="0" y="0"/>
+          <a:ext cx="0" cy="0"/>
+          <a:chOff x="0" y="0"/>
+          <a:chExt cx="0" cy="0"/>
+        </a:xfrm>
+      </p:grpSpPr>
+      <p:sp>
+        <p:nvSpPr>
+          <p:cNvPr id="2" name="幻灯片图像占位符 1"/>
+          <p:cNvSpPr>
+            <a:spLocks noGrp="1" noRot="1" noChangeAspect="1"/>
+          </p:cNvSpPr>
+          <p:nvPr>
+            <p:ph type="sldImg"/>
+          </p:nvPr>
+        </p:nvSpPr>
+        <p:spPr/>
+      </p:sp>
+      <p:sp>
+        <p:nvSpPr>
+          <p:cNvPr id="3" name="备注占位符 2"/>
+          <p:cNvSpPr>
+            <a:spLocks noGrp="1"/>
+          </p:cNvSpPr>
+          <p:nvPr>
+            <p:ph type="body" idx="1"/>
+          </p:nvPr>
+        </p:nvSpPr>
+        <p:spPr/>
+        <p:txBody>
+          <a:bodyPr/>
+          <a:lstStyle/>
+          <a:p>
+            <a:pPr algn="just"/>
+            <a:endParaRPr lang="zh-CN" altLang="en-US" dirty="0"/>
+          </a:p>
+        </p:txBody>
+      </p:sp>
+      <p:sp>
+        <p:nvSpPr>
+          <p:cNvPr id="4" name="灯片编号占位符 3"/>
+          <p:cNvSpPr>
+            <a:spLocks noGrp="1"/>
+          </p:cNvSpPr>
+          <p:nvPr>
+            <p:ph type="sldNum" sz="quarter" idx="5"/>
+          </p:nvPr>
+        </p:nvSpPr>
+        <p:spPr/>
+        <p:txBody>
+          <a:bodyPr/>
+          <a:lstStyle/>
+          <a:p>
+            <a:fld id="{8047D45D-3EC4-448C-B446-52506961FDEA}" type="slidenum">
+              <a:rPr lang="zh-CN" altLang="en-US" smtClean="0"/>
+              <a:t>4</a:t>
+            </a:fld>
+            <a:endParaRPr lang="zh-CN" altLang="en-US"/>
+          </a:p>
+        </p:txBody>
+      </p:sp>
+    </p:spTree>
+    <p:extLst>
+      <p:ext uri="{BB962C8B-B14F-4D97-AF65-F5344CB8AC3E}">
+        <p14:creationId xmlns:p14="http://schemas.microsoft.com/office/powerpoint/2010/main" val="2800448347"/>
+      </p:ext>
+    </p:extLst>
+  </p:cSld>
+  <p:clrMapOvr>
+    <a:masterClrMapping/>
+  </p:clrMapOvr>
+</p:notes>
+</file>
+
+<file path=ppt/notesSlides/notesSlide5.xml><?xml version="1.0" encoding="utf-8"?>
+<p:notes xmlns:a="http://schemas.openxmlformats.org/drawingml/2006/main" xmlns:r="http://schemas.openxmlformats.org/officeDocument/2006/relationships" xmlns:p="http://schemas.openxmlformats.org/presentationml/2006/main">
+  <p:cSld>
+    <p:spTree>
+      <p:nvGrpSpPr>
+        <p:cNvPr id="1" name=""/>
+        <p:cNvGrpSpPr/>
+        <p:nvPr/>
+      </p:nvGrpSpPr>
+      <p:grpSpPr>
+        <a:xfrm>
+          <a:off x="0" y="0"/>
+          <a:ext cx="0" cy="0"/>
+          <a:chOff x="0" y="0"/>
+          <a:chExt cx="0" cy="0"/>
+        </a:xfrm>
+      </p:grpSpPr>
+      <p:sp>
+        <p:nvSpPr>
+          <p:cNvPr id="2" name="幻灯片图像占位符 1"/>
+          <p:cNvSpPr>
+            <a:spLocks noGrp="1" noRot="1" noChangeAspect="1"/>
+          </p:cNvSpPr>
+          <p:nvPr>
+            <p:ph type="sldImg"/>
+          </p:nvPr>
+        </p:nvSpPr>
+        <p:spPr/>
+      </p:sp>
+      <p:sp>
+        <p:nvSpPr>
+          <p:cNvPr id="3" name="备注占位符 2"/>
+          <p:cNvSpPr>
+            <a:spLocks noGrp="1"/>
+          </p:cNvSpPr>
+          <p:nvPr>
+            <p:ph type="body" idx="1"/>
+          </p:nvPr>
+        </p:nvSpPr>
+        <p:spPr/>
+        <p:txBody>
+          <a:bodyPr/>
+          <a:lstStyle/>
+          <a:p>
+            <a:endParaRPr lang="zh-CN" altLang="en-US" dirty="0"/>
+          </a:p>
+        </p:txBody>
+      </p:sp>
+      <p:sp>
+        <p:nvSpPr>
+          <p:cNvPr id="4" name="灯片编号占位符 3"/>
+          <p:cNvSpPr>
+            <a:spLocks noGrp="1"/>
+          </p:cNvSpPr>
+          <p:nvPr>
+            <p:ph type="sldNum" sz="quarter" idx="5"/>
+          </p:nvPr>
+        </p:nvSpPr>
+        <p:spPr/>
+        <p:txBody>
+          <a:bodyPr/>
+          <a:lstStyle/>
+          <a:p>
+            <a:fld id="{8047D45D-3EC4-448C-B446-52506961FDEA}" type="slidenum">
+              <a:rPr lang="zh-CN" altLang="en-US" smtClean="0"/>
               <a:t>5</a:t>
+            </a:fld>
+            <a:endParaRPr lang="zh-CN" altLang="en-US"/>
+          </a:p>
+        </p:txBody>
+      </p:sp>
+    </p:spTree>
+    <p:extLst>
+      <p:ext uri="{BB962C8B-B14F-4D97-AF65-F5344CB8AC3E}">
+        <p14:creationId xmlns:p14="http://schemas.microsoft.com/office/powerpoint/2010/main" val="1811198765"/>
+      </p:ext>
+    </p:extLst>
+  </p:cSld>
+  <p:clrMapOvr>
+    <a:masterClrMapping/>
+  </p:clrMapOvr>
+</p:notes>
+</file>
+
+<file path=ppt/notesSlides/notesSlide6.xml><?xml version="1.0" encoding="utf-8"?>
+<p:notes xmlns:a="http://schemas.openxmlformats.org/drawingml/2006/main" xmlns:r="http://schemas.openxmlformats.org/officeDocument/2006/relationships" xmlns:p="http://schemas.openxmlformats.org/presentationml/2006/main">
+  <p:cSld>
+    <p:spTree>
+      <p:nvGrpSpPr>
+        <p:cNvPr id="1" name=""/>
+        <p:cNvGrpSpPr/>
+        <p:nvPr/>
+      </p:nvGrpSpPr>
+      <p:grpSpPr>
+        <a:xfrm>
+          <a:off x="0" y="0"/>
+          <a:ext cx="0" cy="0"/>
+          <a:chOff x="0" y="0"/>
+          <a:chExt cx="0" cy="0"/>
+        </a:xfrm>
+      </p:grpSpPr>
+      <p:sp>
+        <p:nvSpPr>
+          <p:cNvPr id="2" name="幻灯片图像占位符 1"/>
+          <p:cNvSpPr>
+            <a:spLocks noGrp="1" noRot="1" noChangeAspect="1"/>
+          </p:cNvSpPr>
+          <p:nvPr>
+            <p:ph type="sldImg"/>
+          </p:nvPr>
+        </p:nvSpPr>
+        <p:spPr/>
+      </p:sp>
+      <p:sp>
+        <p:nvSpPr>
+          <p:cNvPr id="3" name="备注占位符 2"/>
+          <p:cNvSpPr>
+            <a:spLocks noGrp="1"/>
+          </p:cNvSpPr>
+          <p:nvPr>
+            <p:ph type="body" idx="1"/>
+          </p:nvPr>
+        </p:nvSpPr>
+        <p:spPr/>
+        <p:txBody>
+          <a:bodyPr/>
+          <a:lstStyle/>
+          <a:p>
+            <a:endParaRPr lang="zh-CN" altLang="en-US" dirty="0"/>
+          </a:p>
+        </p:txBody>
+      </p:sp>
+      <p:sp>
+        <p:nvSpPr>
+          <p:cNvPr id="4" name="灯片编号占位符 3"/>
+          <p:cNvSpPr>
+            <a:spLocks noGrp="1"/>
+          </p:cNvSpPr>
+          <p:nvPr>
+            <p:ph type="sldNum" sz="quarter" idx="5"/>
+          </p:nvPr>
+        </p:nvSpPr>
+        <p:spPr/>
+        <p:txBody>
+          <a:bodyPr/>
+          <a:lstStyle/>
+          <a:p>
+            <a:fld id="{8047D45D-3EC4-448C-B446-52506961FDEA}" type="slidenum">
+              <a:rPr lang="zh-CN" altLang="en-US" smtClean="0"/>
+              <a:t>6</a:t>
             </a:fld>
             <a:endParaRPr lang="zh-CN" altLang="en-US"/>
           </a:p>
@@ -811,6 +1149,264 @@
     <p:extLst>
       <p:ext uri="{BB962C8B-B14F-4D97-AF65-F5344CB8AC3E}">
         <p14:creationId xmlns:p14="http://schemas.microsoft.com/office/powerpoint/2010/main" val="1266107612"/>
+      </p:ext>
+    </p:extLst>
+  </p:cSld>
+  <p:clrMapOvr>
+    <a:masterClrMapping/>
+  </p:clrMapOvr>
+</p:notes>
+</file>
+
+<file path=ppt/notesSlides/notesSlide7.xml><?xml version="1.0" encoding="utf-8"?>
+<p:notes xmlns:a="http://schemas.openxmlformats.org/drawingml/2006/main" xmlns:r="http://schemas.openxmlformats.org/officeDocument/2006/relationships" xmlns:p="http://schemas.openxmlformats.org/presentationml/2006/main">
+  <p:cSld>
+    <p:spTree>
+      <p:nvGrpSpPr>
+        <p:cNvPr id="1" name=""/>
+        <p:cNvGrpSpPr/>
+        <p:nvPr/>
+      </p:nvGrpSpPr>
+      <p:grpSpPr>
+        <a:xfrm>
+          <a:off x="0" y="0"/>
+          <a:ext cx="0" cy="0"/>
+          <a:chOff x="0" y="0"/>
+          <a:chExt cx="0" cy="0"/>
+        </a:xfrm>
+      </p:grpSpPr>
+      <p:sp>
+        <p:nvSpPr>
+          <p:cNvPr id="2" name="幻灯片图像占位符 1"/>
+          <p:cNvSpPr>
+            <a:spLocks noGrp="1" noRot="1" noChangeAspect="1"/>
+          </p:cNvSpPr>
+          <p:nvPr>
+            <p:ph type="sldImg"/>
+          </p:nvPr>
+        </p:nvSpPr>
+        <p:spPr/>
+      </p:sp>
+      <p:sp>
+        <p:nvSpPr>
+          <p:cNvPr id="3" name="备注占位符 2"/>
+          <p:cNvSpPr>
+            <a:spLocks noGrp="1"/>
+          </p:cNvSpPr>
+          <p:nvPr>
+            <p:ph type="body" idx="1"/>
+          </p:nvPr>
+        </p:nvSpPr>
+        <p:spPr/>
+        <p:txBody>
+          <a:bodyPr/>
+          <a:lstStyle/>
+          <a:p>
+            <a:endParaRPr lang="zh-CN" altLang="en-US" dirty="0"/>
+          </a:p>
+        </p:txBody>
+      </p:sp>
+      <p:sp>
+        <p:nvSpPr>
+          <p:cNvPr id="4" name="灯片编号占位符 3"/>
+          <p:cNvSpPr>
+            <a:spLocks noGrp="1"/>
+          </p:cNvSpPr>
+          <p:nvPr>
+            <p:ph type="sldNum" sz="quarter" idx="5"/>
+          </p:nvPr>
+        </p:nvSpPr>
+        <p:spPr/>
+        <p:txBody>
+          <a:bodyPr/>
+          <a:lstStyle/>
+          <a:p>
+            <a:fld id="{8047D45D-3EC4-448C-B446-52506961FDEA}" type="slidenum">
+              <a:rPr lang="zh-CN" altLang="en-US" smtClean="0"/>
+              <a:t>7</a:t>
+            </a:fld>
+            <a:endParaRPr lang="zh-CN" altLang="en-US"/>
+          </a:p>
+        </p:txBody>
+      </p:sp>
+    </p:spTree>
+    <p:extLst>
+      <p:ext uri="{BB962C8B-B14F-4D97-AF65-F5344CB8AC3E}">
+        <p14:creationId xmlns:p14="http://schemas.microsoft.com/office/powerpoint/2010/main" val="1723820798"/>
+      </p:ext>
+    </p:extLst>
+  </p:cSld>
+  <p:clrMapOvr>
+    <a:masterClrMapping/>
+  </p:clrMapOvr>
+</p:notes>
+</file>
+
+<file path=ppt/notesSlides/notesSlide8.xml><?xml version="1.0" encoding="utf-8"?>
+<p:notes xmlns:a="http://schemas.openxmlformats.org/drawingml/2006/main" xmlns:r="http://schemas.openxmlformats.org/officeDocument/2006/relationships" xmlns:p="http://schemas.openxmlformats.org/presentationml/2006/main">
+  <p:cSld>
+    <p:spTree>
+      <p:nvGrpSpPr>
+        <p:cNvPr id="1" name=""/>
+        <p:cNvGrpSpPr/>
+        <p:nvPr/>
+      </p:nvGrpSpPr>
+      <p:grpSpPr>
+        <a:xfrm>
+          <a:off x="0" y="0"/>
+          <a:ext cx="0" cy="0"/>
+          <a:chOff x="0" y="0"/>
+          <a:chExt cx="0" cy="0"/>
+        </a:xfrm>
+      </p:grpSpPr>
+      <p:sp>
+        <p:nvSpPr>
+          <p:cNvPr id="2" name="幻灯片图像占位符 1"/>
+          <p:cNvSpPr>
+            <a:spLocks noGrp="1" noRot="1" noChangeAspect="1"/>
+          </p:cNvSpPr>
+          <p:nvPr>
+            <p:ph type="sldImg"/>
+          </p:nvPr>
+        </p:nvSpPr>
+        <p:spPr/>
+      </p:sp>
+      <p:sp>
+        <p:nvSpPr>
+          <p:cNvPr id="3" name="备注占位符 2"/>
+          <p:cNvSpPr>
+            <a:spLocks noGrp="1"/>
+          </p:cNvSpPr>
+          <p:nvPr>
+            <p:ph type="body" idx="1"/>
+          </p:nvPr>
+        </p:nvSpPr>
+        <p:spPr/>
+        <p:txBody>
+          <a:bodyPr/>
+          <a:lstStyle/>
+          <a:p>
+            <a:pPr algn="just"/>
+            <a:endParaRPr lang="zh-CN" altLang="zh-CN" sz="1200" kern="100" dirty="0">
+              <a:effectLst/>
+              <a:latin typeface="Consolas" panose="020B0609020204030204" pitchFamily="49" charset="0"/>
+              <a:ea typeface="宋体" panose="02010600030101010101" pitchFamily="2" charset="-122"/>
+              <a:cs typeface="Times New Roman" panose="02020603050405020304" pitchFamily="18" charset="0"/>
+            </a:endParaRPr>
+          </a:p>
+        </p:txBody>
+      </p:sp>
+      <p:sp>
+        <p:nvSpPr>
+          <p:cNvPr id="4" name="灯片编号占位符 3"/>
+          <p:cNvSpPr>
+            <a:spLocks noGrp="1"/>
+          </p:cNvSpPr>
+          <p:nvPr>
+            <p:ph type="sldNum" sz="quarter" idx="5"/>
+          </p:nvPr>
+        </p:nvSpPr>
+        <p:spPr/>
+        <p:txBody>
+          <a:bodyPr/>
+          <a:lstStyle/>
+          <a:p>
+            <a:fld id="{8047D45D-3EC4-448C-B446-52506961FDEA}" type="slidenum">
+              <a:rPr lang="zh-CN" altLang="en-US" smtClean="0"/>
+              <a:t>8</a:t>
+            </a:fld>
+            <a:endParaRPr lang="zh-CN" altLang="en-US"/>
+          </a:p>
+        </p:txBody>
+      </p:sp>
+    </p:spTree>
+    <p:extLst>
+      <p:ext uri="{BB962C8B-B14F-4D97-AF65-F5344CB8AC3E}">
+        <p14:creationId xmlns:p14="http://schemas.microsoft.com/office/powerpoint/2010/main" val="3366921517"/>
+      </p:ext>
+    </p:extLst>
+  </p:cSld>
+  <p:clrMapOvr>
+    <a:masterClrMapping/>
+  </p:clrMapOvr>
+</p:notes>
+</file>
+
+<file path=ppt/notesSlides/notesSlide9.xml><?xml version="1.0" encoding="utf-8"?>
+<p:notes xmlns:a="http://schemas.openxmlformats.org/drawingml/2006/main" xmlns:r="http://schemas.openxmlformats.org/officeDocument/2006/relationships" xmlns:p="http://schemas.openxmlformats.org/presentationml/2006/main">
+  <p:cSld>
+    <p:spTree>
+      <p:nvGrpSpPr>
+        <p:cNvPr id="1" name=""/>
+        <p:cNvGrpSpPr/>
+        <p:nvPr/>
+      </p:nvGrpSpPr>
+      <p:grpSpPr>
+        <a:xfrm>
+          <a:off x="0" y="0"/>
+          <a:ext cx="0" cy="0"/>
+          <a:chOff x="0" y="0"/>
+          <a:chExt cx="0" cy="0"/>
+        </a:xfrm>
+      </p:grpSpPr>
+      <p:sp>
+        <p:nvSpPr>
+          <p:cNvPr id="2" name="幻灯片图像占位符 1"/>
+          <p:cNvSpPr>
+            <a:spLocks noGrp="1" noRot="1" noChangeAspect="1"/>
+          </p:cNvSpPr>
+          <p:nvPr>
+            <p:ph type="sldImg"/>
+          </p:nvPr>
+        </p:nvSpPr>
+        <p:spPr/>
+      </p:sp>
+      <p:sp>
+        <p:nvSpPr>
+          <p:cNvPr id="3" name="备注占位符 2"/>
+          <p:cNvSpPr>
+            <a:spLocks noGrp="1"/>
+          </p:cNvSpPr>
+          <p:nvPr>
+            <p:ph type="body" idx="1"/>
+          </p:nvPr>
+        </p:nvSpPr>
+        <p:spPr/>
+        <p:txBody>
+          <a:bodyPr/>
+          <a:lstStyle/>
+          <a:p>
+            <a:endParaRPr lang="zh-CN" altLang="en-US" dirty="0"/>
+          </a:p>
+        </p:txBody>
+      </p:sp>
+      <p:sp>
+        <p:nvSpPr>
+          <p:cNvPr id="4" name="灯片编号占位符 3"/>
+          <p:cNvSpPr>
+            <a:spLocks noGrp="1"/>
+          </p:cNvSpPr>
+          <p:nvPr>
+            <p:ph type="sldNum" sz="quarter" idx="5"/>
+          </p:nvPr>
+        </p:nvSpPr>
+        <p:spPr/>
+        <p:txBody>
+          <a:bodyPr/>
+          <a:lstStyle/>
+          <a:p>
+            <a:fld id="{8047D45D-3EC4-448C-B446-52506961FDEA}" type="slidenum">
+              <a:rPr lang="zh-CN" altLang="en-US" smtClean="0"/>
+              <a:t>9</a:t>
+            </a:fld>
+            <a:endParaRPr lang="zh-CN" altLang="en-US"/>
+          </a:p>
+        </p:txBody>
+      </p:sp>
+    </p:spTree>
+    <p:extLst>
+      <p:ext uri="{BB962C8B-B14F-4D97-AF65-F5344CB8AC3E}">
+        <p14:creationId xmlns:p14="http://schemas.microsoft.com/office/powerpoint/2010/main" val="3790579823"/>
       </p:ext>
     </p:extLst>
   </p:cSld>
@@ -967,7 +1563,7 @@
           <a:p>
             <a:fld id="{0224BB93-04C5-4D80-8AE5-3405253A6027}" type="datetimeFigureOut">
               <a:rPr lang="zh-CN" altLang="en-US" smtClean="0"/>
-              <a:t>2023-06-11</a:t>
+              <a:t>2023-06-12</a:t>
             </a:fld>
             <a:endParaRPr lang="zh-CN" altLang="en-US"/>
           </a:p>
@@ -1165,7 +1761,7 @@
           <a:p>
             <a:fld id="{0224BB93-04C5-4D80-8AE5-3405253A6027}" type="datetimeFigureOut">
               <a:rPr lang="zh-CN" altLang="en-US" smtClean="0"/>
-              <a:t>2023-06-11</a:t>
+              <a:t>2023-06-12</a:t>
             </a:fld>
             <a:endParaRPr lang="zh-CN" altLang="en-US"/>
           </a:p>
@@ -1373,7 +1969,7 @@
           <a:p>
             <a:fld id="{0224BB93-04C5-4D80-8AE5-3405253A6027}" type="datetimeFigureOut">
               <a:rPr lang="zh-CN" altLang="en-US" smtClean="0"/>
-              <a:t>2023-06-11</a:t>
+              <a:t>2023-06-12</a:t>
             </a:fld>
             <a:endParaRPr lang="zh-CN" altLang="en-US"/>
           </a:p>
@@ -1571,7 +2167,7 @@
           <a:p>
             <a:fld id="{0224BB93-04C5-4D80-8AE5-3405253A6027}" type="datetimeFigureOut">
               <a:rPr lang="zh-CN" altLang="en-US" smtClean="0"/>
-              <a:t>2023-06-11</a:t>
+              <a:t>2023-06-12</a:t>
             </a:fld>
             <a:endParaRPr lang="zh-CN" altLang="en-US"/>
           </a:p>
@@ -1846,7 +2442,7 @@
           <a:p>
             <a:fld id="{0224BB93-04C5-4D80-8AE5-3405253A6027}" type="datetimeFigureOut">
               <a:rPr lang="zh-CN" altLang="en-US" smtClean="0"/>
-              <a:t>2023-06-11</a:t>
+              <a:t>2023-06-12</a:t>
             </a:fld>
             <a:endParaRPr lang="zh-CN" altLang="en-US"/>
           </a:p>
@@ -2111,7 +2707,7 @@
           <a:p>
             <a:fld id="{0224BB93-04C5-4D80-8AE5-3405253A6027}" type="datetimeFigureOut">
               <a:rPr lang="zh-CN" altLang="en-US" smtClean="0"/>
-              <a:t>2023-06-11</a:t>
+              <a:t>2023-06-12</a:t>
             </a:fld>
             <a:endParaRPr lang="zh-CN" altLang="en-US"/>
           </a:p>
@@ -2523,7 +3119,7 @@
           <a:p>
             <a:fld id="{0224BB93-04C5-4D80-8AE5-3405253A6027}" type="datetimeFigureOut">
               <a:rPr lang="zh-CN" altLang="en-US" smtClean="0"/>
-              <a:t>2023-06-11</a:t>
+              <a:t>2023-06-12</a:t>
             </a:fld>
             <a:endParaRPr lang="zh-CN" altLang="en-US"/>
           </a:p>
@@ -2664,7 +3260,7 @@
           <a:p>
             <a:fld id="{0224BB93-04C5-4D80-8AE5-3405253A6027}" type="datetimeFigureOut">
               <a:rPr lang="zh-CN" altLang="en-US" smtClean="0"/>
-              <a:t>2023-06-11</a:t>
+              <a:t>2023-06-12</a:t>
             </a:fld>
             <a:endParaRPr lang="zh-CN" altLang="en-US"/>
           </a:p>
@@ -2777,7 +3373,7 @@
           <a:p>
             <a:fld id="{0224BB93-04C5-4D80-8AE5-3405253A6027}" type="datetimeFigureOut">
               <a:rPr lang="zh-CN" altLang="en-US" smtClean="0"/>
-              <a:t>2023-06-11</a:t>
+              <a:t>2023-06-12</a:t>
             </a:fld>
             <a:endParaRPr lang="zh-CN" altLang="en-US"/>
           </a:p>
@@ -3088,7 +3684,7 @@
           <a:p>
             <a:fld id="{0224BB93-04C5-4D80-8AE5-3405253A6027}" type="datetimeFigureOut">
               <a:rPr lang="zh-CN" altLang="en-US" smtClean="0"/>
-              <a:t>2023-06-11</a:t>
+              <a:t>2023-06-12</a:t>
             </a:fld>
             <a:endParaRPr lang="zh-CN" altLang="en-US"/>
           </a:p>
@@ -3376,7 +3972,7 @@
           <a:p>
             <a:fld id="{0224BB93-04C5-4D80-8AE5-3405253A6027}" type="datetimeFigureOut">
               <a:rPr lang="zh-CN" altLang="en-US" smtClean="0"/>
-              <a:t>2023-06-11</a:t>
+              <a:t>2023-06-12</a:t>
             </a:fld>
             <a:endParaRPr lang="zh-CN" altLang="en-US"/>
           </a:p>
@@ -3617,7 +4213,7 @@
           <a:p>
             <a:fld id="{0224BB93-04C5-4D80-8AE5-3405253A6027}" type="datetimeFigureOut">
               <a:rPr lang="zh-CN" altLang="en-US" smtClean="0"/>
-              <a:t>2023-06-11</a:t>
+              <a:t>2023-06-12</a:t>
             </a:fld>
             <a:endParaRPr lang="zh-CN" altLang="en-US"/>
           </a:p>
@@ -3713,6 +4309,37 @@
           </a:p>
         </p:txBody>
       </p:sp>
+      <p:pic>
+        <p:nvPicPr>
+          <p:cNvPr id="7" name="Picture 12">
+            <a:extLst>
+              <a:ext uri="{FF2B5EF4-FFF2-40B4-BE49-F238E27FC236}">
+                <a16:creationId xmlns:a16="http://schemas.microsoft.com/office/drawing/2014/main" id="{D266B93A-74E6-2896-F293-824CB703817D}"/>
+              </a:ext>
+            </a:extLst>
+          </p:cNvPr>
+          <p:cNvPicPr>
+            <a:picLocks noChangeAspect="1"/>
+          </p:cNvPicPr>
+          <p:nvPr userDrawn="1"/>
+        </p:nvPicPr>
+        <p:blipFill>
+          <a:blip r:embed="rId13"/>
+          <a:srcRect/>
+          <a:stretch>
+            <a:fillRect/>
+          </a:stretch>
+        </p:blipFill>
+        <p:spPr>
+          <a:xfrm>
+            <a:off x="11219904" y="122959"/>
+            <a:ext cx="881839" cy="875925"/>
+          </a:xfrm>
+          <a:prstGeom prst="rect">
+            <a:avLst/>
+          </a:prstGeom>
+        </p:spPr>
+      </p:pic>
     </p:spTree>
     <p:extLst>
       <p:ext uri="{BB962C8B-B14F-4D97-AF65-F5344CB8AC3E}">
@@ -4052,6 +4679,50 @@
       </p:grpSpPr>
       <p:sp>
         <p:nvSpPr>
+          <p:cNvPr id="6" name="矩形 5">
+            <a:extLst>
+              <a:ext uri="{FF2B5EF4-FFF2-40B4-BE49-F238E27FC236}">
+                <a16:creationId xmlns:a16="http://schemas.microsoft.com/office/drawing/2014/main" id="{CD3E5F7A-3E8C-4BAB-C48F-F194BBDCAEA2}"/>
+              </a:ext>
+            </a:extLst>
+          </p:cNvPr>
+          <p:cNvSpPr/>
+          <p:nvPr/>
+        </p:nvSpPr>
+        <p:spPr>
+          <a:xfrm>
+            <a:off x="0" y="1265274"/>
+            <a:ext cx="12192000" cy="1818168"/>
+          </a:xfrm>
+          <a:prstGeom prst="rect">
+            <a:avLst/>
+          </a:prstGeom>
+        </p:spPr>
+        <p:style>
+          <a:lnRef idx="0">
+            <a:schemeClr val="accent1"/>
+          </a:lnRef>
+          <a:fillRef idx="3">
+            <a:schemeClr val="accent1"/>
+          </a:fillRef>
+          <a:effectRef idx="3">
+            <a:schemeClr val="accent1"/>
+          </a:effectRef>
+          <a:fontRef idx="minor">
+            <a:schemeClr val="lt1"/>
+          </a:fontRef>
+        </p:style>
+        <p:txBody>
+          <a:bodyPr rtlCol="0" anchor="ctr"/>
+          <a:lstStyle/>
+          <a:p>
+            <a:pPr algn="ctr"/>
+            <a:endParaRPr lang="zh-CN" altLang="en-US"/>
+          </a:p>
+        </p:txBody>
+      </p:sp>
+      <p:sp>
+        <p:nvSpPr>
           <p:cNvPr id="4" name="文本框 3">
             <a:extLst>
               <a:ext uri="{FF2B5EF4-FFF2-40B4-BE49-F238E27FC236}">
@@ -4064,8 +4735,8 @@
         </p:nvSpPr>
         <p:spPr>
           <a:xfrm>
-            <a:off x="1584251" y="3944679"/>
-            <a:ext cx="5955476" cy="369332"/>
+            <a:off x="1515259" y="3421460"/>
+            <a:ext cx="9161482" cy="523220"/>
           </a:xfrm>
           <a:prstGeom prst="rect">
             <a:avLst/>
@@ -4079,9 +4750,96 @@
           <a:lstStyle/>
           <a:p>
             <a:r>
-              <a:rPr lang="zh-CN" altLang="en-US" dirty="0"/>
+              <a:rPr lang="zh-CN" altLang="en-US" sz="2800" b="1" dirty="0">
+                <a:latin typeface="微软雅黑" panose="020B0503020204020204" pitchFamily="34" charset="-122"/>
+                <a:ea typeface="微软雅黑" panose="020B0503020204020204" pitchFamily="34" charset="-122"/>
+              </a:rPr>
               <a:t>第六小组：谢维聪，郑锦辉，丘晓枫，欧阳雅捷，李锐广</a:t>
             </a:r>
+          </a:p>
+        </p:txBody>
+      </p:sp>
+      <p:sp>
+        <p:nvSpPr>
+          <p:cNvPr id="3" name="文本框 2">
+            <a:extLst>
+              <a:ext uri="{FF2B5EF4-FFF2-40B4-BE49-F238E27FC236}">
+                <a16:creationId xmlns:a16="http://schemas.microsoft.com/office/drawing/2014/main" id="{5C75EBD5-95E4-8AE9-A119-4EC621946546}"/>
+              </a:ext>
+            </a:extLst>
+          </p:cNvPr>
+          <p:cNvSpPr txBox="1"/>
+          <p:nvPr/>
+        </p:nvSpPr>
+        <p:spPr>
+          <a:xfrm>
+            <a:off x="463689" y="1343661"/>
+            <a:ext cx="11264622" cy="1569660"/>
+          </a:xfrm>
+          <a:prstGeom prst="rect">
+            <a:avLst/>
+          </a:prstGeom>
+          <a:noFill/>
+        </p:spPr>
+        <p:txBody>
+          <a:bodyPr wrap="none" rtlCol="0">
+            <a:spAutoFit/>
+          </a:bodyPr>
+          <a:lstStyle/>
+          <a:p>
+            <a:r>
+              <a:rPr lang="zh-CN" altLang="en-US" sz="9600" b="1" dirty="0">
+                <a:solidFill>
+                  <a:schemeClr val="bg1"/>
+                </a:solidFill>
+                <a:latin typeface="微软雅黑" panose="020B0503020204020204" pitchFamily="34" charset="-122"/>
+                <a:ea typeface="微软雅黑" panose="020B0503020204020204" pitchFamily="34" charset="-122"/>
+              </a:rPr>
+              <a:t>人工智能大实验报告</a:t>
+            </a:r>
+          </a:p>
+        </p:txBody>
+      </p:sp>
+      <p:sp>
+        <p:nvSpPr>
+          <p:cNvPr id="7" name="文本框 6">
+            <a:extLst>
+              <a:ext uri="{FF2B5EF4-FFF2-40B4-BE49-F238E27FC236}">
+                <a16:creationId xmlns:a16="http://schemas.microsoft.com/office/drawing/2014/main" id="{4F07CC05-93CE-B176-9828-4E9C95407671}"/>
+              </a:ext>
+            </a:extLst>
+          </p:cNvPr>
+          <p:cNvSpPr txBox="1"/>
+          <p:nvPr/>
+        </p:nvSpPr>
+        <p:spPr>
+          <a:xfrm>
+            <a:off x="10409274" y="6396335"/>
+            <a:ext cx="1782726" cy="461665"/>
+          </a:xfrm>
+          <a:prstGeom prst="rect">
+            <a:avLst/>
+          </a:prstGeom>
+          <a:noFill/>
+        </p:spPr>
+        <p:txBody>
+          <a:bodyPr wrap="square" rtlCol="0">
+            <a:spAutoFit/>
+          </a:bodyPr>
+          <a:lstStyle/>
+          <a:p>
+            <a:pPr algn="ctr"/>
+            <a:r>
+              <a:rPr lang="en-US" altLang="zh-CN" sz="2400" dirty="0">
+                <a:latin typeface="微软雅黑" panose="020B0503020204020204" pitchFamily="34" charset="-122"/>
+                <a:ea typeface="微软雅黑" panose="020B0503020204020204" pitchFamily="34" charset="-122"/>
+              </a:rPr>
+              <a:t>2023/6/12</a:t>
+            </a:r>
+            <a:endParaRPr lang="zh-CN" altLang="en-US" sz="2400" dirty="0">
+              <a:latin typeface="微软雅黑" panose="020B0503020204020204" pitchFamily="34" charset="-122"/>
+              <a:ea typeface="微软雅黑" panose="020B0503020204020204" pitchFamily="34" charset="-122"/>
+            </a:endParaRPr>
           </a:p>
         </p:txBody>
       </p:sp>
@@ -4089,6 +4847,559 @@
     <p:extLst>
       <p:ext uri="{BB962C8B-B14F-4D97-AF65-F5344CB8AC3E}">
         <p14:creationId xmlns:p14="http://schemas.microsoft.com/office/powerpoint/2010/main" val="69729712"/>
+      </p:ext>
+    </p:extLst>
+  </p:cSld>
+  <p:clrMapOvr>
+    <a:masterClrMapping/>
+  </p:clrMapOvr>
+</p:sld>
+</file>
+
+<file path=ppt/slides/slide10.xml><?xml version="1.0" encoding="utf-8"?>
+<p:sld xmlns:a="http://schemas.openxmlformats.org/drawingml/2006/main" xmlns:r="http://schemas.openxmlformats.org/officeDocument/2006/relationships" xmlns:p="http://schemas.openxmlformats.org/presentationml/2006/main">
+  <p:cSld>
+    <p:spTree>
+      <p:nvGrpSpPr>
+        <p:cNvPr id="1" name=""/>
+        <p:cNvGrpSpPr/>
+        <p:nvPr/>
+      </p:nvGrpSpPr>
+      <p:grpSpPr>
+        <a:xfrm>
+          <a:off x="0" y="0"/>
+          <a:ext cx="0" cy="0"/>
+          <a:chOff x="0" y="0"/>
+          <a:chExt cx="0" cy="0"/>
+        </a:xfrm>
+      </p:grpSpPr>
+      <p:pic>
+        <p:nvPicPr>
+          <p:cNvPr id="3" name="图片 2">
+            <a:extLst>
+              <a:ext uri="{FF2B5EF4-FFF2-40B4-BE49-F238E27FC236}">
+                <a16:creationId xmlns:a16="http://schemas.microsoft.com/office/drawing/2014/main" id="{4369FAFF-645B-9164-A330-B125A1F23332}"/>
+              </a:ext>
+            </a:extLst>
+          </p:cNvPr>
+          <p:cNvPicPr>
+            <a:picLocks noChangeAspect="1"/>
+          </p:cNvPicPr>
+          <p:nvPr/>
+        </p:nvPicPr>
+        <p:blipFill>
+          <a:blip r:embed="rId3">
+            <a:extLst>
+              <a:ext uri="{28A0092B-C50C-407E-A947-70E740481C1C}">
+                <a14:useLocalDpi xmlns:a14="http://schemas.microsoft.com/office/drawing/2010/main" val="0"/>
+              </a:ext>
+            </a:extLst>
+          </a:blip>
+          <a:stretch>
+            <a:fillRect/>
+          </a:stretch>
+        </p:blipFill>
+        <p:spPr>
+          <a:xfrm>
+            <a:off x="1818775" y="969456"/>
+            <a:ext cx="8554449" cy="5642112"/>
+          </a:xfrm>
+          <a:prstGeom prst="rect">
+            <a:avLst/>
+          </a:prstGeom>
+        </p:spPr>
+      </p:pic>
+      <p:sp>
+        <p:nvSpPr>
+          <p:cNvPr id="4" name="文本框 3">
+            <a:extLst>
+              <a:ext uri="{FF2B5EF4-FFF2-40B4-BE49-F238E27FC236}">
+                <a16:creationId xmlns:a16="http://schemas.microsoft.com/office/drawing/2014/main" id="{524A9884-5E7F-C205-9CB7-FC00C83BA3A8}"/>
+              </a:ext>
+            </a:extLst>
+          </p:cNvPr>
+          <p:cNvSpPr txBox="1"/>
+          <p:nvPr/>
+        </p:nvSpPr>
+        <p:spPr>
+          <a:xfrm>
+            <a:off x="542259" y="174640"/>
+            <a:ext cx="6023343" cy="461665"/>
+          </a:xfrm>
+          <a:prstGeom prst="rect">
+            <a:avLst/>
+          </a:prstGeom>
+          <a:noFill/>
+        </p:spPr>
+        <p:txBody>
+          <a:bodyPr wrap="square">
+            <a:spAutoFit/>
+          </a:bodyPr>
+          <a:lstStyle/>
+          <a:p>
+            <a:r>
+              <a:rPr lang="zh-CN" altLang="en-US" sz="2400" dirty="0">
+                <a:latin typeface="微软雅黑" panose="020B0503020204020204" pitchFamily="34" charset="-122"/>
+                <a:ea typeface="微软雅黑" panose="020B0503020204020204" pitchFamily="34" charset="-122"/>
+              </a:rPr>
+              <a:t>实验结果</a:t>
+            </a:r>
+          </a:p>
+        </p:txBody>
+      </p:sp>
+      <p:sp>
+        <p:nvSpPr>
+          <p:cNvPr id="5" name="矩形 4">
+            <a:extLst>
+              <a:ext uri="{FF2B5EF4-FFF2-40B4-BE49-F238E27FC236}">
+                <a16:creationId xmlns:a16="http://schemas.microsoft.com/office/drawing/2014/main" id="{1EAAEC00-5311-D36F-71BA-671987BFBFF2}"/>
+              </a:ext>
+            </a:extLst>
+          </p:cNvPr>
+          <p:cNvSpPr/>
+          <p:nvPr/>
+        </p:nvSpPr>
+        <p:spPr>
+          <a:xfrm>
+            <a:off x="542260" y="645546"/>
+            <a:ext cx="7931889" cy="74427"/>
+          </a:xfrm>
+          <a:prstGeom prst="rect">
+            <a:avLst/>
+          </a:prstGeom>
+        </p:spPr>
+        <p:style>
+          <a:lnRef idx="2">
+            <a:schemeClr val="accent1">
+              <a:shade val="50000"/>
+            </a:schemeClr>
+          </a:lnRef>
+          <a:fillRef idx="1">
+            <a:schemeClr val="accent1"/>
+          </a:fillRef>
+          <a:effectRef idx="0">
+            <a:schemeClr val="accent1"/>
+          </a:effectRef>
+          <a:fontRef idx="minor">
+            <a:schemeClr val="lt1"/>
+          </a:fontRef>
+        </p:style>
+        <p:txBody>
+          <a:bodyPr rtlCol="0" anchor="ctr"/>
+          <a:lstStyle/>
+          <a:p>
+            <a:pPr algn="ctr"/>
+            <a:endParaRPr lang="zh-CN" altLang="en-US">
+              <a:latin typeface="微软雅黑" panose="020B0503020204020204" pitchFamily="34" charset="-122"/>
+              <a:ea typeface="微软雅黑" panose="020B0503020204020204" pitchFamily="34" charset="-122"/>
+            </a:endParaRPr>
+          </a:p>
+        </p:txBody>
+      </p:sp>
+      <p:grpSp>
+        <p:nvGrpSpPr>
+          <p:cNvPr id="2" name="组合 1">
+            <a:extLst>
+              <a:ext uri="{FF2B5EF4-FFF2-40B4-BE49-F238E27FC236}">
+                <a16:creationId xmlns:a16="http://schemas.microsoft.com/office/drawing/2014/main" id="{01FCD92E-5C0E-E0E1-DAA7-FD7B669C3FF5}"/>
+              </a:ext>
+            </a:extLst>
+          </p:cNvPr>
+          <p:cNvGrpSpPr/>
+          <p:nvPr/>
+        </p:nvGrpSpPr>
+        <p:grpSpPr>
+          <a:xfrm>
+            <a:off x="193210" y="258030"/>
+            <a:ext cx="312473" cy="289950"/>
+            <a:chOff x="193210" y="258030"/>
+            <a:chExt cx="312473" cy="289950"/>
+          </a:xfrm>
+        </p:grpSpPr>
+        <p:sp>
+          <p:nvSpPr>
+            <p:cNvPr id="6" name="矩形 5">
+              <a:extLst>
+                <a:ext uri="{FF2B5EF4-FFF2-40B4-BE49-F238E27FC236}">
+                  <a16:creationId xmlns:a16="http://schemas.microsoft.com/office/drawing/2014/main" id="{44F8938A-56F1-7BDE-D32D-5E35E40EA1F5}"/>
+                </a:ext>
+              </a:extLst>
+            </p:cNvPr>
+            <p:cNvSpPr/>
+            <p:nvPr/>
+          </p:nvSpPr>
+          <p:spPr>
+            <a:xfrm>
+              <a:off x="329917" y="384883"/>
+              <a:ext cx="175766" cy="163097"/>
+            </a:xfrm>
+            <a:prstGeom prst="rect">
+              <a:avLst/>
+            </a:prstGeom>
+            <a:ln>
+              <a:noFill/>
+            </a:ln>
+          </p:spPr>
+          <p:style>
+            <a:lnRef idx="2">
+              <a:schemeClr val="accent1">
+                <a:shade val="50000"/>
+              </a:schemeClr>
+            </a:lnRef>
+            <a:fillRef idx="1">
+              <a:schemeClr val="accent1"/>
+            </a:fillRef>
+            <a:effectRef idx="0">
+              <a:schemeClr val="accent1"/>
+            </a:effectRef>
+            <a:fontRef idx="minor">
+              <a:schemeClr val="lt1"/>
+            </a:fontRef>
+          </p:style>
+          <p:txBody>
+            <a:bodyPr rtlCol="0" anchor="ctr"/>
+            <a:lstStyle/>
+            <a:p>
+              <a:pPr algn="ctr"/>
+              <a:endParaRPr lang="zh-CN" altLang="en-US"/>
+            </a:p>
+          </p:txBody>
+        </p:sp>
+        <p:sp>
+          <p:nvSpPr>
+            <p:cNvPr id="7" name="矩形 6">
+              <a:extLst>
+                <a:ext uri="{FF2B5EF4-FFF2-40B4-BE49-F238E27FC236}">
+                  <a16:creationId xmlns:a16="http://schemas.microsoft.com/office/drawing/2014/main" id="{D62EA4CE-61F9-30FE-3CF2-5E4F7E6879A8}"/>
+                </a:ext>
+              </a:extLst>
+            </p:cNvPr>
+            <p:cNvSpPr/>
+            <p:nvPr/>
+          </p:nvSpPr>
+          <p:spPr>
+            <a:xfrm>
+              <a:off x="193210" y="258030"/>
+              <a:ext cx="136707" cy="126853"/>
+            </a:xfrm>
+            <a:prstGeom prst="rect">
+              <a:avLst/>
+            </a:prstGeom>
+            <a:solidFill>
+              <a:schemeClr val="accent1">
+                <a:lumMod val="75000"/>
+              </a:schemeClr>
+            </a:solidFill>
+            <a:ln>
+              <a:noFill/>
+            </a:ln>
+          </p:spPr>
+          <p:style>
+            <a:lnRef idx="2">
+              <a:schemeClr val="accent1">
+                <a:shade val="50000"/>
+              </a:schemeClr>
+            </a:lnRef>
+            <a:fillRef idx="1">
+              <a:schemeClr val="accent1"/>
+            </a:fillRef>
+            <a:effectRef idx="0">
+              <a:schemeClr val="accent1"/>
+            </a:effectRef>
+            <a:fontRef idx="minor">
+              <a:schemeClr val="lt1"/>
+            </a:fontRef>
+          </p:style>
+          <p:txBody>
+            <a:bodyPr rtlCol="0" anchor="ctr"/>
+            <a:lstStyle/>
+            <a:p>
+              <a:pPr algn="ctr"/>
+              <a:endParaRPr lang="zh-CN" altLang="en-US"/>
+            </a:p>
+          </p:txBody>
+        </p:sp>
+      </p:grpSp>
+    </p:spTree>
+    <p:extLst>
+      <p:ext uri="{BB962C8B-B14F-4D97-AF65-F5344CB8AC3E}">
+        <p14:creationId xmlns:p14="http://schemas.microsoft.com/office/powerpoint/2010/main" val="1310167881"/>
+      </p:ext>
+    </p:extLst>
+  </p:cSld>
+  <p:clrMapOvr>
+    <a:masterClrMapping/>
+  </p:clrMapOvr>
+</p:sld>
+</file>
+
+<file path=ppt/slides/slide11.xml><?xml version="1.0" encoding="utf-8"?>
+<p:sld xmlns:a="http://schemas.openxmlformats.org/drawingml/2006/main" xmlns:r="http://schemas.openxmlformats.org/officeDocument/2006/relationships" xmlns:p="http://schemas.openxmlformats.org/presentationml/2006/main">
+  <p:cSld>
+    <p:spTree>
+      <p:nvGrpSpPr>
+        <p:cNvPr id="1" name=""/>
+        <p:cNvGrpSpPr/>
+        <p:nvPr/>
+      </p:nvGrpSpPr>
+      <p:grpSpPr>
+        <a:xfrm>
+          <a:off x="0" y="0"/>
+          <a:ext cx="0" cy="0"/>
+          <a:chOff x="0" y="0"/>
+          <a:chExt cx="0" cy="0"/>
+        </a:xfrm>
+      </p:grpSpPr>
+      <p:sp>
+        <p:nvSpPr>
+          <p:cNvPr id="4" name="文本框 3">
+            <a:extLst>
+              <a:ext uri="{FF2B5EF4-FFF2-40B4-BE49-F238E27FC236}">
+                <a16:creationId xmlns:a16="http://schemas.microsoft.com/office/drawing/2014/main" id="{524A9884-5E7F-C205-9CB7-FC00C83BA3A8}"/>
+              </a:ext>
+            </a:extLst>
+          </p:cNvPr>
+          <p:cNvSpPr txBox="1"/>
+          <p:nvPr/>
+        </p:nvSpPr>
+        <p:spPr>
+          <a:xfrm>
+            <a:off x="542259" y="174640"/>
+            <a:ext cx="6023343" cy="461665"/>
+          </a:xfrm>
+          <a:prstGeom prst="rect">
+            <a:avLst/>
+          </a:prstGeom>
+          <a:noFill/>
+        </p:spPr>
+        <p:txBody>
+          <a:bodyPr wrap="square">
+            <a:spAutoFit/>
+          </a:bodyPr>
+          <a:lstStyle/>
+          <a:p>
+            <a:r>
+              <a:rPr lang="zh-CN" altLang="en-US" sz="2400" dirty="0">
+                <a:latin typeface="微软雅黑" panose="020B0503020204020204" pitchFamily="34" charset="-122"/>
+                <a:ea typeface="微软雅黑" panose="020B0503020204020204" pitchFamily="34" charset="-122"/>
+              </a:rPr>
+              <a:t>实验结果对比分析</a:t>
+            </a:r>
+          </a:p>
+        </p:txBody>
+      </p:sp>
+      <p:sp>
+        <p:nvSpPr>
+          <p:cNvPr id="5" name="矩形 4">
+            <a:extLst>
+              <a:ext uri="{FF2B5EF4-FFF2-40B4-BE49-F238E27FC236}">
+                <a16:creationId xmlns:a16="http://schemas.microsoft.com/office/drawing/2014/main" id="{1EAAEC00-5311-D36F-71BA-671987BFBFF2}"/>
+              </a:ext>
+            </a:extLst>
+          </p:cNvPr>
+          <p:cNvSpPr/>
+          <p:nvPr/>
+        </p:nvSpPr>
+        <p:spPr>
+          <a:xfrm>
+            <a:off x="542260" y="645546"/>
+            <a:ext cx="7931889" cy="74427"/>
+          </a:xfrm>
+          <a:prstGeom prst="rect">
+            <a:avLst/>
+          </a:prstGeom>
+        </p:spPr>
+        <p:style>
+          <a:lnRef idx="2">
+            <a:schemeClr val="accent1">
+              <a:shade val="50000"/>
+            </a:schemeClr>
+          </a:lnRef>
+          <a:fillRef idx="1">
+            <a:schemeClr val="accent1"/>
+          </a:fillRef>
+          <a:effectRef idx="0">
+            <a:schemeClr val="accent1"/>
+          </a:effectRef>
+          <a:fontRef idx="minor">
+            <a:schemeClr val="lt1"/>
+          </a:fontRef>
+        </p:style>
+        <p:txBody>
+          <a:bodyPr rtlCol="0" anchor="ctr"/>
+          <a:lstStyle/>
+          <a:p>
+            <a:pPr algn="ctr"/>
+            <a:endParaRPr lang="zh-CN" altLang="en-US">
+              <a:latin typeface="微软雅黑" panose="020B0503020204020204" pitchFamily="34" charset="-122"/>
+              <a:ea typeface="微软雅黑" panose="020B0503020204020204" pitchFamily="34" charset="-122"/>
+            </a:endParaRPr>
+          </a:p>
+        </p:txBody>
+      </p:sp>
+      <p:pic>
+        <p:nvPicPr>
+          <p:cNvPr id="6" name="图片 5">
+            <a:extLst>
+              <a:ext uri="{FF2B5EF4-FFF2-40B4-BE49-F238E27FC236}">
+                <a16:creationId xmlns:a16="http://schemas.microsoft.com/office/drawing/2014/main" id="{077F44F4-1965-4D63-866F-DB1BEDB02DC5}"/>
+              </a:ext>
+            </a:extLst>
+          </p:cNvPr>
+          <p:cNvPicPr>
+            <a:picLocks noChangeAspect="1"/>
+          </p:cNvPicPr>
+          <p:nvPr/>
+        </p:nvPicPr>
+        <p:blipFill rotWithShape="1">
+          <a:blip r:embed="rId3">
+            <a:extLst>
+              <a:ext uri="{28A0092B-C50C-407E-A947-70E740481C1C}">
+                <a14:useLocalDpi xmlns:a14="http://schemas.microsoft.com/office/drawing/2010/main" val="0"/>
+              </a:ext>
+            </a:extLst>
+          </a:blip>
+          <a:srcRect l="402" t="9803" r="1039" b="1956"/>
+          <a:stretch/>
+        </p:blipFill>
+        <p:spPr>
+          <a:xfrm>
+            <a:off x="1685109" y="1017689"/>
+            <a:ext cx="8765178" cy="5356985"/>
+          </a:xfrm>
+          <a:prstGeom prst="rect">
+            <a:avLst/>
+          </a:prstGeom>
+        </p:spPr>
+      </p:pic>
+      <p:grpSp>
+        <p:nvGrpSpPr>
+          <p:cNvPr id="2" name="组合 1">
+            <a:extLst>
+              <a:ext uri="{FF2B5EF4-FFF2-40B4-BE49-F238E27FC236}">
+                <a16:creationId xmlns:a16="http://schemas.microsoft.com/office/drawing/2014/main" id="{B5BEC589-B983-3236-BA42-B63F8CC2A1B8}"/>
+              </a:ext>
+            </a:extLst>
+          </p:cNvPr>
+          <p:cNvGrpSpPr/>
+          <p:nvPr/>
+        </p:nvGrpSpPr>
+        <p:grpSpPr>
+          <a:xfrm>
+            <a:off x="193210" y="258030"/>
+            <a:ext cx="312473" cy="289950"/>
+            <a:chOff x="193210" y="258030"/>
+            <a:chExt cx="312473" cy="289950"/>
+          </a:xfrm>
+        </p:grpSpPr>
+        <p:sp>
+          <p:nvSpPr>
+            <p:cNvPr id="3" name="矩形 2">
+              <a:extLst>
+                <a:ext uri="{FF2B5EF4-FFF2-40B4-BE49-F238E27FC236}">
+                  <a16:creationId xmlns:a16="http://schemas.microsoft.com/office/drawing/2014/main" id="{81A66202-443C-F324-B5A9-7F10EFF7AD8E}"/>
+                </a:ext>
+              </a:extLst>
+            </p:cNvPr>
+            <p:cNvSpPr/>
+            <p:nvPr/>
+          </p:nvSpPr>
+          <p:spPr>
+            <a:xfrm>
+              <a:off x="329917" y="384883"/>
+              <a:ext cx="175766" cy="163097"/>
+            </a:xfrm>
+            <a:prstGeom prst="rect">
+              <a:avLst/>
+            </a:prstGeom>
+            <a:ln>
+              <a:noFill/>
+            </a:ln>
+          </p:spPr>
+          <p:style>
+            <a:lnRef idx="2">
+              <a:schemeClr val="accent1">
+                <a:shade val="50000"/>
+              </a:schemeClr>
+            </a:lnRef>
+            <a:fillRef idx="1">
+              <a:schemeClr val="accent1"/>
+            </a:fillRef>
+            <a:effectRef idx="0">
+              <a:schemeClr val="accent1"/>
+            </a:effectRef>
+            <a:fontRef idx="minor">
+              <a:schemeClr val="lt1"/>
+            </a:fontRef>
+          </p:style>
+          <p:txBody>
+            <a:bodyPr rtlCol="0" anchor="ctr"/>
+            <a:lstStyle/>
+            <a:p>
+              <a:pPr algn="ctr"/>
+              <a:endParaRPr lang="zh-CN" altLang="en-US"/>
+            </a:p>
+          </p:txBody>
+        </p:sp>
+        <p:sp>
+          <p:nvSpPr>
+            <p:cNvPr id="7" name="矩形 6">
+              <a:extLst>
+                <a:ext uri="{FF2B5EF4-FFF2-40B4-BE49-F238E27FC236}">
+                  <a16:creationId xmlns:a16="http://schemas.microsoft.com/office/drawing/2014/main" id="{96C53F38-47ED-1104-DF17-9AE7DA063D13}"/>
+                </a:ext>
+              </a:extLst>
+            </p:cNvPr>
+            <p:cNvSpPr/>
+            <p:nvPr/>
+          </p:nvSpPr>
+          <p:spPr>
+            <a:xfrm>
+              <a:off x="193210" y="258030"/>
+              <a:ext cx="136707" cy="126853"/>
+            </a:xfrm>
+            <a:prstGeom prst="rect">
+              <a:avLst/>
+            </a:prstGeom>
+            <a:solidFill>
+              <a:schemeClr val="accent1">
+                <a:lumMod val="75000"/>
+              </a:schemeClr>
+            </a:solidFill>
+            <a:ln>
+              <a:noFill/>
+            </a:ln>
+          </p:spPr>
+          <p:style>
+            <a:lnRef idx="2">
+              <a:schemeClr val="accent1">
+                <a:shade val="50000"/>
+              </a:schemeClr>
+            </a:lnRef>
+            <a:fillRef idx="1">
+              <a:schemeClr val="accent1"/>
+            </a:fillRef>
+            <a:effectRef idx="0">
+              <a:schemeClr val="accent1"/>
+            </a:effectRef>
+            <a:fontRef idx="minor">
+              <a:schemeClr val="lt1"/>
+            </a:fontRef>
+          </p:style>
+          <p:txBody>
+            <a:bodyPr rtlCol="0" anchor="ctr"/>
+            <a:lstStyle/>
+            <a:p>
+              <a:pPr algn="ctr"/>
+              <a:endParaRPr lang="zh-CN" altLang="en-US"/>
+            </a:p>
+          </p:txBody>
+        </p:sp>
+      </p:grpSp>
+    </p:spTree>
+    <p:extLst>
+      <p:ext uri="{BB962C8B-B14F-4D97-AF65-F5344CB8AC3E}">
+        <p14:creationId xmlns:p14="http://schemas.microsoft.com/office/powerpoint/2010/main" val="3448090886"/>
       </p:ext>
     </p:extLst>
   </p:cSld>
@@ -4115,36 +5426,6 @@
           <a:chExt cx="0" cy="0"/>
         </a:xfrm>
       </p:grpSpPr>
-      <p:pic>
-        <p:nvPicPr>
-          <p:cNvPr id="2" name="图片 1">
-            <a:extLst>
-              <a:ext uri="{FF2B5EF4-FFF2-40B4-BE49-F238E27FC236}">
-                <a16:creationId xmlns:a16="http://schemas.microsoft.com/office/drawing/2014/main" id="{AE0BB4EB-8F8C-6200-1F8A-0FA3761E330E}"/>
-              </a:ext>
-            </a:extLst>
-          </p:cNvPr>
-          <p:cNvPicPr>
-            <a:picLocks noChangeAspect="1"/>
-          </p:cNvPicPr>
-          <p:nvPr/>
-        </p:nvPicPr>
-        <p:blipFill>
-          <a:blip r:embed="rId2"/>
-          <a:stretch>
-            <a:fillRect/>
-          </a:stretch>
-        </p:blipFill>
-        <p:spPr>
-          <a:xfrm>
-            <a:off x="0" y="1074368"/>
-            <a:ext cx="12192000" cy="5783632"/>
-          </a:xfrm>
-          <a:prstGeom prst="rect">
-            <a:avLst/>
-          </a:prstGeom>
-        </p:spPr>
-      </p:pic>
       <p:sp>
         <p:nvSpPr>
           <p:cNvPr id="3" name="文本框 2">
@@ -4160,7 +5441,7 @@
         <p:spPr>
           <a:xfrm>
             <a:off x="542259" y="174640"/>
-            <a:ext cx="6023343" cy="461665"/>
+            <a:ext cx="9189570" cy="461665"/>
           </a:xfrm>
           <a:prstGeom prst="rect">
             <a:avLst/>
@@ -4185,7 +5466,21 @@
                 <a:latin typeface="微软雅黑" panose="020B0503020204020204" pitchFamily="34" charset="-122"/>
                 <a:ea typeface="微软雅黑" panose="020B0503020204020204" pitchFamily="34" charset="-122"/>
               </a:rPr>
-              <a:t>合作开发</a:t>
+              <a:t>合作开发（</a:t>
+            </a:r>
+            <a:r>
+              <a:rPr lang="en-US" altLang="zh-CN" sz="2400" dirty="0">
+                <a:latin typeface="微软雅黑" panose="020B0503020204020204" pitchFamily="34" charset="-122"/>
+                <a:ea typeface="微软雅黑" panose="020B0503020204020204" pitchFamily="34" charset="-122"/>
+              </a:rPr>
+              <a:t>https://github.com/ezrealcong/AI_experiment</a:t>
+            </a:r>
+            <a:r>
+              <a:rPr lang="zh-CN" altLang="en-US" sz="2400" dirty="0">
+                <a:latin typeface="微软雅黑" panose="020B0503020204020204" pitchFamily="34" charset="-122"/>
+                <a:ea typeface="微软雅黑" panose="020B0503020204020204" pitchFamily="34" charset="-122"/>
+              </a:rPr>
+              <a:t>）</a:t>
             </a:r>
           </a:p>
         </p:txBody>
@@ -4239,6 +5534,213 @@
           </a:p>
         </p:txBody>
       </p:sp>
+      <p:sp>
+        <p:nvSpPr>
+          <p:cNvPr id="5" name="文本框 4">
+            <a:extLst>
+              <a:ext uri="{FF2B5EF4-FFF2-40B4-BE49-F238E27FC236}">
+                <a16:creationId xmlns:a16="http://schemas.microsoft.com/office/drawing/2014/main" id="{EF1ABE72-2280-7589-F8E3-B3B4911A8756}"/>
+              </a:ext>
+            </a:extLst>
+          </p:cNvPr>
+          <p:cNvSpPr txBox="1"/>
+          <p:nvPr/>
+        </p:nvSpPr>
+        <p:spPr>
+          <a:xfrm>
+            <a:off x="3785911" y="6212454"/>
+            <a:ext cx="4620176" cy="369332"/>
+          </a:xfrm>
+          <a:prstGeom prst="rect">
+            <a:avLst/>
+          </a:prstGeom>
+          <a:noFill/>
+        </p:spPr>
+        <p:txBody>
+          <a:bodyPr wrap="none" rtlCol="0">
+            <a:spAutoFit/>
+          </a:bodyPr>
+          <a:lstStyle/>
+          <a:p>
+            <a:pPr algn="ctr"/>
+            <a:r>
+              <a:rPr lang="zh-CN" altLang="en-US" dirty="0">
+                <a:latin typeface="微软雅黑" panose="020B0503020204020204" pitchFamily="34" charset="-122"/>
+                <a:ea typeface="微软雅黑" panose="020B0503020204020204" pitchFamily="34" charset="-122"/>
+              </a:rPr>
+              <a:t>小组成员使用</a:t>
+            </a:r>
+            <a:r>
+              <a:rPr lang="en-US" altLang="zh-CN" dirty="0">
+                <a:latin typeface="微软雅黑" panose="020B0503020204020204" pitchFamily="34" charset="-122"/>
+                <a:ea typeface="微软雅黑" panose="020B0503020204020204" pitchFamily="34" charset="-122"/>
+              </a:rPr>
+              <a:t>Git</a:t>
+            </a:r>
+            <a:r>
+              <a:rPr lang="zh-CN" altLang="en-US" dirty="0">
+                <a:latin typeface="微软雅黑" panose="020B0503020204020204" pitchFamily="34" charset="-122"/>
+                <a:ea typeface="微软雅黑" panose="020B0503020204020204" pitchFamily="34" charset="-122"/>
+              </a:rPr>
+              <a:t>来进行团队开发和版本管理</a:t>
+            </a:r>
+          </a:p>
+        </p:txBody>
+      </p:sp>
+      <p:pic>
+        <p:nvPicPr>
+          <p:cNvPr id="6" name="图片 5">
+            <a:extLst>
+              <a:ext uri="{FF2B5EF4-FFF2-40B4-BE49-F238E27FC236}">
+                <a16:creationId xmlns:a16="http://schemas.microsoft.com/office/drawing/2014/main" id="{E90BB05E-776B-AC15-9A1E-8C16068D2CE9}"/>
+              </a:ext>
+            </a:extLst>
+          </p:cNvPr>
+          <p:cNvPicPr>
+            <a:picLocks noChangeAspect="1"/>
+          </p:cNvPicPr>
+          <p:nvPr/>
+        </p:nvPicPr>
+        <p:blipFill>
+          <a:blip r:embed="rId3"/>
+          <a:stretch>
+            <a:fillRect/>
+          </a:stretch>
+        </p:blipFill>
+        <p:spPr>
+          <a:xfrm>
+            <a:off x="696522" y="1042239"/>
+            <a:ext cx="10798955" cy="5086547"/>
+          </a:xfrm>
+          <a:prstGeom prst="rect">
+            <a:avLst/>
+          </a:prstGeom>
+        </p:spPr>
+      </p:pic>
+      <p:grpSp>
+        <p:nvGrpSpPr>
+          <p:cNvPr id="9" name="组合 8">
+            <a:extLst>
+              <a:ext uri="{FF2B5EF4-FFF2-40B4-BE49-F238E27FC236}">
+                <a16:creationId xmlns:a16="http://schemas.microsoft.com/office/drawing/2014/main" id="{14B397E1-0B16-FA2A-7E78-7772A5C68431}"/>
+              </a:ext>
+            </a:extLst>
+          </p:cNvPr>
+          <p:cNvGrpSpPr/>
+          <p:nvPr/>
+        </p:nvGrpSpPr>
+        <p:grpSpPr>
+          <a:xfrm>
+            <a:off x="193210" y="258030"/>
+            <a:ext cx="312473" cy="289950"/>
+            <a:chOff x="193210" y="258030"/>
+            <a:chExt cx="312473" cy="289950"/>
+          </a:xfrm>
+        </p:grpSpPr>
+        <p:sp>
+          <p:nvSpPr>
+            <p:cNvPr id="7" name="矩形 6">
+              <a:extLst>
+                <a:ext uri="{FF2B5EF4-FFF2-40B4-BE49-F238E27FC236}">
+                  <a16:creationId xmlns:a16="http://schemas.microsoft.com/office/drawing/2014/main" id="{6FBFFE4D-5546-3007-0EEB-C9C8D89A950D}"/>
+                </a:ext>
+              </a:extLst>
+            </p:cNvPr>
+            <p:cNvSpPr/>
+            <p:nvPr/>
+          </p:nvSpPr>
+          <p:spPr>
+            <a:xfrm>
+              <a:off x="329917" y="384883"/>
+              <a:ext cx="175766" cy="163097"/>
+            </a:xfrm>
+            <a:prstGeom prst="rect">
+              <a:avLst/>
+            </a:prstGeom>
+            <a:ln>
+              <a:noFill/>
+            </a:ln>
+          </p:spPr>
+          <p:style>
+            <a:lnRef idx="2">
+              <a:schemeClr val="accent1">
+                <a:shade val="50000"/>
+              </a:schemeClr>
+            </a:lnRef>
+            <a:fillRef idx="1">
+              <a:schemeClr val="accent1"/>
+            </a:fillRef>
+            <a:effectRef idx="0">
+              <a:schemeClr val="accent1"/>
+            </a:effectRef>
+            <a:fontRef idx="minor">
+              <a:schemeClr val="lt1"/>
+            </a:fontRef>
+          </p:style>
+          <p:txBody>
+            <a:bodyPr rtlCol="0" anchor="ctr"/>
+            <a:lstStyle/>
+            <a:p>
+              <a:pPr algn="ctr"/>
+              <a:endParaRPr lang="zh-CN" altLang="en-US"/>
+            </a:p>
+          </p:txBody>
+        </p:sp>
+        <p:sp>
+          <p:nvSpPr>
+            <p:cNvPr id="8" name="矩形 7">
+              <a:extLst>
+                <a:ext uri="{FF2B5EF4-FFF2-40B4-BE49-F238E27FC236}">
+                  <a16:creationId xmlns:a16="http://schemas.microsoft.com/office/drawing/2014/main" id="{FC902F7E-F05E-E767-B556-7D77BD062443}"/>
+                </a:ext>
+              </a:extLst>
+            </p:cNvPr>
+            <p:cNvSpPr/>
+            <p:nvPr/>
+          </p:nvSpPr>
+          <p:spPr>
+            <a:xfrm>
+              <a:off x="193210" y="258030"/>
+              <a:ext cx="136707" cy="126853"/>
+            </a:xfrm>
+            <a:prstGeom prst="rect">
+              <a:avLst/>
+            </a:prstGeom>
+            <a:solidFill>
+              <a:schemeClr val="accent1">
+                <a:lumMod val="75000"/>
+              </a:schemeClr>
+            </a:solidFill>
+            <a:ln>
+              <a:noFill/>
+            </a:ln>
+          </p:spPr>
+          <p:style>
+            <a:lnRef idx="2">
+              <a:schemeClr val="accent1">
+                <a:shade val="50000"/>
+              </a:schemeClr>
+            </a:lnRef>
+            <a:fillRef idx="1">
+              <a:schemeClr val="accent1"/>
+            </a:fillRef>
+            <a:effectRef idx="0">
+              <a:schemeClr val="accent1"/>
+            </a:effectRef>
+            <a:fontRef idx="minor">
+              <a:schemeClr val="lt1"/>
+            </a:fontRef>
+          </p:style>
+          <p:txBody>
+            <a:bodyPr rtlCol="0" anchor="ctr"/>
+            <a:lstStyle/>
+            <a:p>
+              <a:pPr algn="ctr"/>
+              <a:endParaRPr lang="zh-CN" altLang="en-US"/>
+            </a:p>
+          </p:txBody>
+        </p:sp>
+      </p:grpSp>
     </p:spTree>
     <p:extLst>
       <p:ext uri="{BB962C8B-B14F-4D97-AF65-F5344CB8AC3E}">
@@ -4302,21 +5804,7 @@
                 <a:latin typeface="微软雅黑" panose="020B0503020204020204" pitchFamily="34" charset="-122"/>
                 <a:ea typeface="微软雅黑" panose="020B0503020204020204" pitchFamily="34" charset="-122"/>
               </a:rPr>
-              <a:t>遗传算法（</a:t>
-            </a:r>
-            <a:r>
-              <a:rPr lang="en-US" altLang="zh-CN" sz="2400" dirty="0">
-                <a:latin typeface="微软雅黑" panose="020B0503020204020204" pitchFamily="34" charset="-122"/>
-                <a:ea typeface="微软雅黑" panose="020B0503020204020204" pitchFamily="34" charset="-122"/>
-              </a:rPr>
-              <a:t>GA, Genetic Algorithm</a:t>
-            </a:r>
-            <a:r>
-              <a:rPr lang="zh-CN" altLang="en-US" sz="2400" dirty="0">
-                <a:latin typeface="微软雅黑" panose="020B0503020204020204" pitchFamily="34" charset="-122"/>
-                <a:ea typeface="微软雅黑" panose="020B0503020204020204" pitchFamily="34" charset="-122"/>
-              </a:rPr>
-              <a:t>）</a:t>
+              <a:t>算法</a:t>
             </a:r>
           </a:p>
         </p:txBody>
@@ -4384,8 +5872,8 @@
         </p:nvSpPr>
         <p:spPr>
           <a:xfrm>
-            <a:off x="2179673" y="1713819"/>
-            <a:ext cx="5146159" cy="1029382"/>
+            <a:off x="900222" y="1746951"/>
+            <a:ext cx="5146159" cy="1609643"/>
           </a:xfrm>
           <a:prstGeom prst="roundRect">
             <a:avLst/>
@@ -4411,26 +5899,30 @@
           <a:p>
             <a:pPr algn="ctr"/>
             <a:r>
-              <a:rPr lang="zh-CN" altLang="en-US" sz="1800" dirty="0">
-                <a:latin typeface="微软雅黑" panose="020B0503020204020204" pitchFamily="34" charset="-122"/>
-                <a:ea typeface="微软雅黑" panose="020B0503020204020204" pitchFamily="34" charset="-122"/>
-              </a:rPr>
-              <a:t>遗传算法（</a:t>
-            </a:r>
-            <a:r>
-              <a:rPr lang="en-US" altLang="zh-CN" sz="1800" dirty="0">
+              <a:rPr lang="zh-CN" altLang="en-US" sz="2800" b="1" dirty="0">
+                <a:latin typeface="微软雅黑" panose="020B0503020204020204" pitchFamily="34" charset="-122"/>
+                <a:ea typeface="微软雅黑" panose="020B0503020204020204" pitchFamily="34" charset="-122"/>
+              </a:rPr>
+              <a:t>遗传算法</a:t>
+            </a:r>
+            <a:endParaRPr lang="en-US" altLang="zh-CN" sz="2800" b="1" dirty="0">
+              <a:latin typeface="微软雅黑" panose="020B0503020204020204" pitchFamily="34" charset="-122"/>
+              <a:ea typeface="微软雅黑" panose="020B0503020204020204" pitchFamily="34" charset="-122"/>
+            </a:endParaRPr>
+          </a:p>
+          <a:p>
+            <a:pPr algn="ctr"/>
+            <a:r>
+              <a:rPr lang="en-US" altLang="zh-CN" sz="2800" b="1" dirty="0">
                 <a:latin typeface="微软雅黑" panose="020B0503020204020204" pitchFamily="34" charset="-122"/>
                 <a:ea typeface="微软雅黑" panose="020B0503020204020204" pitchFamily="34" charset="-122"/>
               </a:rPr>
               <a:t>GA, Genetic Algorithm</a:t>
             </a:r>
-            <a:r>
-              <a:rPr lang="zh-CN" altLang="en-US" sz="1800" dirty="0">
-                <a:latin typeface="微软雅黑" panose="020B0503020204020204" pitchFamily="34" charset="-122"/>
-                <a:ea typeface="微软雅黑" panose="020B0503020204020204" pitchFamily="34" charset="-122"/>
-              </a:rPr>
-              <a:t>）</a:t>
-            </a:r>
+            <a:endParaRPr lang="zh-CN" altLang="en-US" sz="2800" b="1" dirty="0">
+              <a:latin typeface="微软雅黑" panose="020B0503020204020204" pitchFamily="34" charset="-122"/>
+              <a:ea typeface="微软雅黑" panose="020B0503020204020204" pitchFamily="34" charset="-122"/>
+            </a:endParaRPr>
           </a:p>
         </p:txBody>
       </p:sp>
@@ -4448,8 +5940,8 @@
         </p:nvSpPr>
         <p:spPr>
           <a:xfrm>
-            <a:off x="2179672" y="2622902"/>
-            <a:ext cx="5146159" cy="1029382"/>
+            <a:off x="6145621" y="1747394"/>
+            <a:ext cx="5146159" cy="1609200"/>
           </a:xfrm>
           <a:prstGeom prst="roundRect">
             <a:avLst/>
@@ -4473,26 +5965,41 @@
           <a:bodyPr rtlCol="0" anchor="ctr"/>
           <a:lstStyle/>
           <a:p>
-            <a:r>
-              <a:rPr lang="zh-CN" altLang="en-US" sz="1800" dirty="0">
-                <a:latin typeface="微软雅黑" panose="020B0503020204020204" pitchFamily="34" charset="-122"/>
-                <a:ea typeface="微软雅黑" panose="020B0503020204020204" pitchFamily="34" charset="-122"/>
-              </a:rPr>
-              <a:t>差分进化算法（DE</a:t>
-            </a:r>
-            <a:r>
-              <a:rPr lang="en-US" altLang="zh-CN" sz="1800" dirty="0">
+            <a:pPr algn="ctr"/>
+            <a:r>
+              <a:rPr lang="zh-CN" altLang="en-US" sz="2800" b="1" dirty="0">
+                <a:latin typeface="微软雅黑" panose="020B0503020204020204" pitchFamily="34" charset="-122"/>
+                <a:ea typeface="微软雅黑" panose="020B0503020204020204" pitchFamily="34" charset="-122"/>
+              </a:rPr>
+              <a:t>差分进化</a:t>
+            </a:r>
+            <a:endParaRPr lang="en-US" altLang="zh-CN" sz="2800" b="1" dirty="0">
+              <a:latin typeface="微软雅黑" panose="020B0503020204020204" pitchFamily="34" charset="-122"/>
+              <a:ea typeface="微软雅黑" panose="020B0503020204020204" pitchFamily="34" charset="-122"/>
+            </a:endParaRPr>
+          </a:p>
+          <a:p>
+            <a:pPr algn="ctr"/>
+            <a:r>
+              <a:rPr lang="zh-CN" altLang="en-US" sz="2800" b="1" dirty="0">
+                <a:latin typeface="微软雅黑" panose="020B0503020204020204" pitchFamily="34" charset="-122"/>
+                <a:ea typeface="微软雅黑" panose="020B0503020204020204" pitchFamily="34" charset="-122"/>
+              </a:rPr>
+              <a:t>DE</a:t>
+            </a:r>
+            <a:r>
+              <a:rPr lang="en-US" altLang="zh-CN" sz="2800" b="1" dirty="0">
                 <a:latin typeface="微软雅黑" panose="020B0503020204020204" pitchFamily="34" charset="-122"/>
                 <a:ea typeface="微软雅黑" panose="020B0503020204020204" pitchFamily="34" charset="-122"/>
               </a:rPr>
               <a:t>, </a:t>
             </a:r>
             <a:r>
-              <a:rPr lang="zh-CN" altLang="en-US" sz="1800" dirty="0">
-                <a:latin typeface="微软雅黑" panose="020B0503020204020204" pitchFamily="34" charset="-122"/>
-                <a:ea typeface="微软雅黑" panose="020B0503020204020204" pitchFamily="34" charset="-122"/>
-              </a:rPr>
-              <a:t>Differential Evolution）</a:t>
+              <a:rPr lang="zh-CN" altLang="en-US" sz="2800" b="1" dirty="0">
+                <a:latin typeface="微软雅黑" panose="020B0503020204020204" pitchFamily="34" charset="-122"/>
+                <a:ea typeface="微软雅黑" panose="020B0503020204020204" pitchFamily="34" charset="-122"/>
+              </a:rPr>
+              <a:t>Differential Evolution</a:t>
             </a:r>
           </a:p>
         </p:txBody>
@@ -4511,8 +6018,8 @@
         </p:nvSpPr>
         <p:spPr>
           <a:xfrm>
-            <a:off x="2395867" y="3661396"/>
-            <a:ext cx="5146159" cy="1029382"/>
+            <a:off x="900221" y="3522336"/>
+            <a:ext cx="5146159" cy="1609200"/>
           </a:xfrm>
           <a:prstGeom prst="roundRect">
             <a:avLst/>
@@ -4536,24 +6043,223 @@
           <a:bodyPr rtlCol="0" anchor="ctr"/>
           <a:lstStyle/>
           <a:p>
-            <a:r>
-              <a:rPr lang="zh-CN" altLang="en-US" sz="1800" dirty="0">
-                <a:latin typeface="微软雅黑" panose="020B0503020204020204" pitchFamily="34" charset="-122"/>
-                <a:ea typeface="微软雅黑" panose="020B0503020204020204" pitchFamily="34" charset="-122"/>
-              </a:rPr>
-              <a:t>基于贡献度的协同进化（</a:t>
-            </a:r>
-            <a:r>
-              <a:rPr lang="en-US" altLang="zh-CN" sz="1800" dirty="0">
-                <a:latin typeface="微软雅黑" panose="020B0503020204020204" pitchFamily="34" charset="-122"/>
-                <a:ea typeface="微软雅黑" panose="020B0503020204020204" pitchFamily="34" charset="-122"/>
-              </a:rPr>
-              <a:t>CCFR, ?</a:t>
-            </a:r>
-            <a:endParaRPr lang="zh-CN" altLang="en-US" dirty="0"/>
-          </a:p>
-        </p:txBody>
-      </p:sp>
+            <a:pPr algn="ctr"/>
+            <a:r>
+              <a:rPr lang="zh-CN" altLang="en-US" sz="2800" b="1" dirty="0">
+                <a:latin typeface="微软雅黑" panose="020B0503020204020204" pitchFamily="34" charset="-122"/>
+                <a:ea typeface="微软雅黑" panose="020B0503020204020204" pitchFamily="34" charset="-122"/>
+              </a:rPr>
+              <a:t>基于贡献度的协同进化</a:t>
+            </a:r>
+            <a:endParaRPr lang="en-US" altLang="zh-CN" sz="2800" b="1" dirty="0">
+              <a:latin typeface="微软雅黑" panose="020B0503020204020204" pitchFamily="34" charset="-122"/>
+              <a:ea typeface="微软雅黑" panose="020B0503020204020204" pitchFamily="34" charset="-122"/>
+            </a:endParaRPr>
+          </a:p>
+          <a:p>
+            <a:pPr algn="ctr"/>
+            <a:r>
+              <a:rPr lang="en-US" altLang="zh-CN" sz="2800" b="1" dirty="0">
+                <a:latin typeface="微软雅黑" panose="020B0503020204020204" pitchFamily="34" charset="-122"/>
+                <a:ea typeface="微软雅黑" panose="020B0503020204020204" pitchFamily="34" charset="-122"/>
+              </a:rPr>
+              <a:t>CCFR</a:t>
+            </a:r>
+            <a:endParaRPr lang="zh-CN" altLang="en-US" sz="2800" b="1" dirty="0">
+              <a:latin typeface="微软雅黑" panose="020B0503020204020204" pitchFamily="34" charset="-122"/>
+              <a:ea typeface="微软雅黑" panose="020B0503020204020204" pitchFamily="34" charset="-122"/>
+            </a:endParaRPr>
+          </a:p>
+        </p:txBody>
+      </p:sp>
+      <p:sp>
+        <p:nvSpPr>
+          <p:cNvPr id="4" name="矩形: 圆角 3">
+            <a:extLst>
+              <a:ext uri="{FF2B5EF4-FFF2-40B4-BE49-F238E27FC236}">
+                <a16:creationId xmlns:a16="http://schemas.microsoft.com/office/drawing/2014/main" id="{49885893-F88F-0C67-D1AF-4165BAB52371}"/>
+              </a:ext>
+            </a:extLst>
+          </p:cNvPr>
+          <p:cNvSpPr/>
+          <p:nvPr/>
+        </p:nvSpPr>
+        <p:spPr>
+          <a:xfrm>
+            <a:off x="6145620" y="3522336"/>
+            <a:ext cx="5146159" cy="1609200"/>
+          </a:xfrm>
+          <a:prstGeom prst="roundRect">
+            <a:avLst/>
+          </a:prstGeom>
+        </p:spPr>
+        <p:style>
+          <a:lnRef idx="1">
+            <a:schemeClr val="accent5"/>
+          </a:lnRef>
+          <a:fillRef idx="2">
+            <a:schemeClr val="accent5"/>
+          </a:fillRef>
+          <a:effectRef idx="1">
+            <a:schemeClr val="accent5"/>
+          </a:effectRef>
+          <a:fontRef idx="minor">
+            <a:schemeClr val="dk1"/>
+          </a:fontRef>
+        </p:style>
+        <p:txBody>
+          <a:bodyPr rtlCol="0" anchor="ctr"/>
+          <a:lstStyle/>
+          <a:p>
+            <a:pPr algn="ctr"/>
+            <a:r>
+              <a:rPr lang="en-US" altLang="zh-CN" sz="2800" b="1" dirty="0">
+                <a:latin typeface="微软雅黑" panose="020B0503020204020204" pitchFamily="34" charset="-122"/>
+                <a:ea typeface="微软雅黑" panose="020B0503020204020204" pitchFamily="34" charset="-122"/>
+              </a:rPr>
+              <a:t>DG2</a:t>
+            </a:r>
+          </a:p>
+          <a:p>
+            <a:pPr algn="ctr"/>
+            <a:r>
+              <a:rPr lang="en-US" altLang="zh-CN" sz="2800" b="1" dirty="0">
+                <a:latin typeface="微软雅黑" panose="020B0503020204020204" pitchFamily="34" charset="-122"/>
+                <a:ea typeface="微软雅黑" panose="020B0503020204020204" pitchFamily="34" charset="-122"/>
+              </a:rPr>
+              <a:t>Differential Grouping</a:t>
+            </a:r>
+            <a:endParaRPr lang="zh-CN" altLang="en-US" sz="2800" b="1" dirty="0">
+              <a:latin typeface="微软雅黑" panose="020B0503020204020204" pitchFamily="34" charset="-122"/>
+              <a:ea typeface="微软雅黑" panose="020B0503020204020204" pitchFamily="34" charset="-122"/>
+            </a:endParaRPr>
+          </a:p>
+        </p:txBody>
+      </p:sp>
+      <p:grpSp>
+        <p:nvGrpSpPr>
+          <p:cNvPr id="5" name="组合 4">
+            <a:extLst>
+              <a:ext uri="{FF2B5EF4-FFF2-40B4-BE49-F238E27FC236}">
+                <a16:creationId xmlns:a16="http://schemas.microsoft.com/office/drawing/2014/main" id="{36F273C0-6BE9-2F98-DD8F-9CF2A980FBDA}"/>
+              </a:ext>
+            </a:extLst>
+          </p:cNvPr>
+          <p:cNvGrpSpPr/>
+          <p:nvPr/>
+        </p:nvGrpSpPr>
+        <p:grpSpPr>
+          <a:xfrm>
+            <a:off x="193210" y="258030"/>
+            <a:ext cx="312473" cy="289950"/>
+            <a:chOff x="193210" y="258030"/>
+            <a:chExt cx="312473" cy="289950"/>
+          </a:xfrm>
+        </p:grpSpPr>
+        <p:sp>
+          <p:nvSpPr>
+            <p:cNvPr id="6" name="矩形 5">
+              <a:extLst>
+                <a:ext uri="{FF2B5EF4-FFF2-40B4-BE49-F238E27FC236}">
+                  <a16:creationId xmlns:a16="http://schemas.microsoft.com/office/drawing/2014/main" id="{FFF1CA55-346E-6A72-653F-9981BA6B1DE3}"/>
+                </a:ext>
+              </a:extLst>
+            </p:cNvPr>
+            <p:cNvSpPr/>
+            <p:nvPr/>
+          </p:nvSpPr>
+          <p:spPr>
+            <a:xfrm>
+              <a:off x="329917" y="384883"/>
+              <a:ext cx="175766" cy="163097"/>
+            </a:xfrm>
+            <a:prstGeom prst="rect">
+              <a:avLst/>
+            </a:prstGeom>
+            <a:ln>
+              <a:noFill/>
+            </a:ln>
+          </p:spPr>
+          <p:style>
+            <a:lnRef idx="2">
+              <a:schemeClr val="accent1">
+                <a:shade val="50000"/>
+              </a:schemeClr>
+            </a:lnRef>
+            <a:fillRef idx="1">
+              <a:schemeClr val="accent1"/>
+            </a:fillRef>
+            <a:effectRef idx="0">
+              <a:schemeClr val="accent1"/>
+            </a:effectRef>
+            <a:fontRef idx="minor">
+              <a:schemeClr val="lt1"/>
+            </a:fontRef>
+          </p:style>
+          <p:txBody>
+            <a:bodyPr rtlCol="0" anchor="ctr"/>
+            <a:lstStyle/>
+            <a:p>
+              <a:pPr algn="ctr"/>
+              <a:endParaRPr lang="zh-CN" altLang="en-US"/>
+            </a:p>
+          </p:txBody>
+        </p:sp>
+        <p:sp>
+          <p:nvSpPr>
+            <p:cNvPr id="7" name="矩形 6">
+              <a:extLst>
+                <a:ext uri="{FF2B5EF4-FFF2-40B4-BE49-F238E27FC236}">
+                  <a16:creationId xmlns:a16="http://schemas.microsoft.com/office/drawing/2014/main" id="{4FAA4DA7-5F0E-4AAF-DE1D-C529984AE472}"/>
+                </a:ext>
+              </a:extLst>
+            </p:cNvPr>
+            <p:cNvSpPr/>
+            <p:nvPr/>
+          </p:nvSpPr>
+          <p:spPr>
+            <a:xfrm>
+              <a:off x="193210" y="258030"/>
+              <a:ext cx="136707" cy="126853"/>
+            </a:xfrm>
+            <a:prstGeom prst="rect">
+              <a:avLst/>
+            </a:prstGeom>
+            <a:solidFill>
+              <a:schemeClr val="accent1">
+                <a:lumMod val="75000"/>
+              </a:schemeClr>
+            </a:solidFill>
+            <a:ln>
+              <a:noFill/>
+            </a:ln>
+          </p:spPr>
+          <p:style>
+            <a:lnRef idx="2">
+              <a:schemeClr val="accent1">
+                <a:shade val="50000"/>
+              </a:schemeClr>
+            </a:lnRef>
+            <a:fillRef idx="1">
+              <a:schemeClr val="accent1"/>
+            </a:fillRef>
+            <a:effectRef idx="0">
+              <a:schemeClr val="accent1"/>
+            </a:effectRef>
+            <a:fontRef idx="minor">
+              <a:schemeClr val="lt1"/>
+            </a:fontRef>
+          </p:style>
+          <p:txBody>
+            <a:bodyPr rtlCol="0" anchor="ctr"/>
+            <a:lstStyle/>
+            <a:p>
+              <a:pPr algn="ctr"/>
+              <a:endParaRPr lang="zh-CN" altLang="en-US"/>
+            </a:p>
+          </p:txBody>
+        </p:sp>
+      </p:grpSp>
     </p:spTree>
     <p:extLst>
       <p:ext uri="{BB962C8B-B14F-4D97-AF65-F5344CB8AC3E}">
@@ -4635,7 +6341,7 @@
         <p:spPr>
           <a:xfrm>
             <a:off x="6305117" y="1002846"/>
-            <a:ext cx="5553741" cy="3269613"/>
+            <a:ext cx="5553741" cy="5539465"/>
           </a:xfrm>
           <a:prstGeom prst="rect">
             <a:avLst/>
@@ -4650,7 +6356,7 @@
           <a:p>
             <a:pPr marL="285750" indent="-285750">
               <a:lnSpc>
-                <a:spcPct val="150000"/>
+                <a:spcPct val="200000"/>
               </a:lnSpc>
               <a:buFont typeface="Arial" panose="020B0604020202020204" pitchFamily="34" charset="0"/>
               <a:buChar char="•"/>
@@ -4672,7 +6378,7 @@
           <a:p>
             <a:pPr marL="285750" indent="-285750">
               <a:lnSpc>
-                <a:spcPct val="150000"/>
+                <a:spcPct val="200000"/>
               </a:lnSpc>
               <a:buFont typeface="Arial" panose="020B0604020202020204" pitchFamily="34" charset="0"/>
               <a:buChar char="•"/>
@@ -4732,19 +6438,19 @@
           <a:p>
             <a:pPr marL="285750" indent="-285750">
               <a:lnSpc>
-                <a:spcPct val="150000"/>
+                <a:spcPct val="200000"/>
               </a:lnSpc>
               <a:buFont typeface="Arial" panose="020B0604020202020204" pitchFamily="34" charset="0"/>
               <a:buChar char="•"/>
             </a:pPr>
             <a:r>
-              <a:rPr lang="zh-CN" altLang="zh-CN" sz="2000" kern="100" dirty="0">
-                <a:effectLst/>
-                <a:latin typeface="微软雅黑" panose="020B0503020204020204" pitchFamily="34" charset="-122"/>
-                <a:ea typeface="微软雅黑" panose="020B0503020204020204" pitchFamily="34" charset="-122"/>
-                <a:cs typeface="Times New Roman" panose="02020603050405020304" pitchFamily="18" charset="0"/>
-              </a:rPr>
-              <a:t>使群体进化到搜索空间中越来越好的区域</a:t>
+              <a:rPr lang="zh-CN" altLang="en-US" sz="2000" kern="100" dirty="0">
+                <a:effectLst/>
+                <a:latin typeface="微软雅黑" panose="020B0503020204020204" pitchFamily="34" charset="-122"/>
+                <a:ea typeface="微软雅黑" panose="020B0503020204020204" pitchFamily="34" charset="-122"/>
+                <a:cs typeface="Times New Roman" panose="02020603050405020304" pitchFamily="18" charset="0"/>
+              </a:rPr>
+              <a:t>通过随机选择、交叉和变异操作，产生一群更适合环境的个体</a:t>
             </a:r>
             <a:endParaRPr lang="en-US" altLang="zh-CN" sz="2000" kern="100" dirty="0">
               <a:effectLst/>
@@ -4756,7 +6462,7 @@
           <a:p>
             <a:pPr marL="285750" indent="-285750">
               <a:lnSpc>
-                <a:spcPct val="150000"/>
+                <a:spcPct val="200000"/>
               </a:lnSpc>
               <a:buFont typeface="Arial" panose="020B0604020202020204" pitchFamily="34" charset="0"/>
               <a:buChar char="•"/>
@@ -4768,6 +6474,30 @@
                 <a:ea typeface="微软雅黑" panose="020B0503020204020204" pitchFamily="34" charset="-122"/>
                 <a:cs typeface="Times New Roman" panose="02020603050405020304" pitchFamily="18" charset="0"/>
               </a:rPr>
+              <a:t>使群体进化到搜索空间中越来越好的区域</a:t>
+            </a:r>
+            <a:endParaRPr lang="en-US" altLang="zh-CN" sz="2000" kern="100" dirty="0">
+              <a:effectLst/>
+              <a:latin typeface="微软雅黑" panose="020B0503020204020204" pitchFamily="34" charset="-122"/>
+              <a:ea typeface="微软雅黑" panose="020B0503020204020204" pitchFamily="34" charset="-122"/>
+              <a:cs typeface="Times New Roman" panose="02020603050405020304" pitchFamily="18" charset="0"/>
+            </a:endParaRPr>
+          </a:p>
+          <a:p>
+            <a:pPr marL="285750" indent="-285750">
+              <a:lnSpc>
+                <a:spcPct val="200000"/>
+              </a:lnSpc>
+              <a:buFont typeface="Arial" panose="020B0604020202020204" pitchFamily="34" charset="0"/>
+              <a:buChar char="•"/>
+            </a:pPr>
+            <a:r>
+              <a:rPr lang="zh-CN" altLang="zh-CN" sz="2000" kern="100" dirty="0">
+                <a:effectLst/>
+                <a:latin typeface="微软雅黑" panose="020B0503020204020204" pitchFamily="34" charset="-122"/>
+                <a:ea typeface="微软雅黑" panose="020B0503020204020204" pitchFamily="34" charset="-122"/>
+                <a:cs typeface="Times New Roman" panose="02020603050405020304" pitchFamily="18" charset="0"/>
+              </a:rPr>
               <a:t>一代一代不断繁衍进化，最后收敛到一群最适应环境的个体（</a:t>
             </a:r>
             <a:r>
@@ -4792,62 +6522,6 @@
               <a:latin typeface="微软雅黑" panose="020B0503020204020204" pitchFamily="34" charset="-122"/>
               <a:ea typeface="微软雅黑" panose="020B0503020204020204" pitchFamily="34" charset="-122"/>
             </a:endParaRPr>
-          </a:p>
-        </p:txBody>
-      </p:sp>
-      <p:sp>
-        <p:nvSpPr>
-          <p:cNvPr id="16" name="文本框 15">
-            <a:extLst>
-              <a:ext uri="{FF2B5EF4-FFF2-40B4-BE49-F238E27FC236}">
-                <a16:creationId xmlns:a16="http://schemas.microsoft.com/office/drawing/2014/main" id="{56EF31B8-0CB6-4E7E-4274-E160193858BE}"/>
-              </a:ext>
-            </a:extLst>
-          </p:cNvPr>
-          <p:cNvSpPr txBox="1"/>
-          <p:nvPr/>
-        </p:nvSpPr>
-        <p:spPr>
-          <a:xfrm>
-            <a:off x="6565602" y="4654769"/>
-            <a:ext cx="5293255" cy="1200329"/>
-          </a:xfrm>
-          <a:prstGeom prst="rect">
-            <a:avLst/>
-          </a:prstGeom>
-          <a:noFill/>
-        </p:spPr>
-        <p:txBody>
-          <a:bodyPr wrap="square">
-            <a:spAutoFit/>
-          </a:bodyPr>
-          <a:lstStyle/>
-          <a:p>
-            <a:pPr algn="just"/>
-            <a:r>
-              <a:rPr lang="en-US" altLang="zh-CN" sz="2400" kern="100" dirty="0">
-                <a:solidFill>
-                  <a:srgbClr val="FF0000"/>
-                </a:solidFill>
-                <a:effectLst/>
-                <a:latin typeface="微软雅黑" panose="020B0503020204020204" pitchFamily="34" charset="-122"/>
-                <a:ea typeface="微软雅黑" panose="020B0503020204020204" pitchFamily="34" charset="-122"/>
-                <a:cs typeface="Times New Roman" panose="02020603050405020304" pitchFamily="18" charset="0"/>
-              </a:rPr>
-              <a:t>       </a:t>
-            </a:r>
-            <a:r>
-              <a:rPr lang="zh-CN" altLang="zh-CN" sz="2400" kern="100" dirty="0">
-                <a:solidFill>
-                  <a:srgbClr val="FF0000"/>
-                </a:solidFill>
-                <a:effectLst/>
-                <a:latin typeface="微软雅黑" panose="020B0503020204020204" pitchFamily="34" charset="-122"/>
-                <a:ea typeface="微软雅黑" panose="020B0503020204020204" pitchFamily="34" charset="-122"/>
-                <a:cs typeface="Times New Roman" panose="02020603050405020304" pitchFamily="18" charset="0"/>
-              </a:rPr>
-              <a:t>对于有多个局部最优解的函数，遗传算法不易陷入局部最优解，但是问题维度很高时，遗传算法效果很差。</a:t>
-            </a:r>
           </a:p>
         </p:txBody>
       </p:sp>
@@ -4952,6 +6626,130 @@
           </a:p>
         </p:txBody>
       </p:sp>
+      <p:grpSp>
+        <p:nvGrpSpPr>
+          <p:cNvPr id="2" name="组合 1">
+            <a:extLst>
+              <a:ext uri="{FF2B5EF4-FFF2-40B4-BE49-F238E27FC236}">
+                <a16:creationId xmlns:a16="http://schemas.microsoft.com/office/drawing/2014/main" id="{9DDDFD4B-C9BB-D56E-68FA-30A06AC1529F}"/>
+              </a:ext>
+            </a:extLst>
+          </p:cNvPr>
+          <p:cNvGrpSpPr/>
+          <p:nvPr/>
+        </p:nvGrpSpPr>
+        <p:grpSpPr>
+          <a:xfrm>
+            <a:off x="193210" y="258030"/>
+            <a:ext cx="312473" cy="289950"/>
+            <a:chOff x="193210" y="258030"/>
+            <a:chExt cx="312473" cy="289950"/>
+          </a:xfrm>
+        </p:grpSpPr>
+        <p:sp>
+          <p:nvSpPr>
+            <p:cNvPr id="3" name="矩形 2">
+              <a:extLst>
+                <a:ext uri="{FF2B5EF4-FFF2-40B4-BE49-F238E27FC236}">
+                  <a16:creationId xmlns:a16="http://schemas.microsoft.com/office/drawing/2014/main" id="{A038340A-5584-F3B2-A8A7-941EEB411CEF}"/>
+                </a:ext>
+              </a:extLst>
+            </p:cNvPr>
+            <p:cNvSpPr/>
+            <p:nvPr/>
+          </p:nvSpPr>
+          <p:spPr>
+            <a:xfrm>
+              <a:off x="329917" y="384883"/>
+              <a:ext cx="175766" cy="163097"/>
+            </a:xfrm>
+            <a:prstGeom prst="rect">
+              <a:avLst/>
+            </a:prstGeom>
+            <a:ln>
+              <a:noFill/>
+            </a:ln>
+          </p:spPr>
+          <p:style>
+            <a:lnRef idx="2">
+              <a:schemeClr val="accent1">
+                <a:shade val="50000"/>
+              </a:schemeClr>
+            </a:lnRef>
+            <a:fillRef idx="1">
+              <a:schemeClr val="accent1"/>
+            </a:fillRef>
+            <a:effectRef idx="0">
+              <a:schemeClr val="accent1"/>
+            </a:effectRef>
+            <a:fontRef idx="minor">
+              <a:schemeClr val="lt1"/>
+            </a:fontRef>
+          </p:style>
+          <p:txBody>
+            <a:bodyPr rtlCol="0" anchor="ctr"/>
+            <a:lstStyle/>
+            <a:p>
+              <a:pPr algn="ctr"/>
+              <a:endParaRPr lang="zh-CN" altLang="en-US"/>
+            </a:p>
+          </p:txBody>
+        </p:sp>
+        <p:sp>
+          <p:nvSpPr>
+            <p:cNvPr id="4" name="矩形 3">
+              <a:extLst>
+                <a:ext uri="{FF2B5EF4-FFF2-40B4-BE49-F238E27FC236}">
+                  <a16:creationId xmlns:a16="http://schemas.microsoft.com/office/drawing/2014/main" id="{BD8E59A3-927C-20CE-E39C-08B3A9D27428}"/>
+                </a:ext>
+              </a:extLst>
+            </p:cNvPr>
+            <p:cNvSpPr/>
+            <p:nvPr/>
+          </p:nvSpPr>
+          <p:spPr>
+            <a:xfrm>
+              <a:off x="193210" y="258030"/>
+              <a:ext cx="136707" cy="126853"/>
+            </a:xfrm>
+            <a:prstGeom prst="rect">
+              <a:avLst/>
+            </a:prstGeom>
+            <a:solidFill>
+              <a:schemeClr val="accent1">
+                <a:lumMod val="75000"/>
+              </a:schemeClr>
+            </a:solidFill>
+            <a:ln>
+              <a:noFill/>
+            </a:ln>
+          </p:spPr>
+          <p:style>
+            <a:lnRef idx="2">
+              <a:schemeClr val="accent1">
+                <a:shade val="50000"/>
+              </a:schemeClr>
+            </a:lnRef>
+            <a:fillRef idx="1">
+              <a:schemeClr val="accent1"/>
+            </a:fillRef>
+            <a:effectRef idx="0">
+              <a:schemeClr val="accent1"/>
+            </a:effectRef>
+            <a:fontRef idx="minor">
+              <a:schemeClr val="lt1"/>
+            </a:fontRef>
+          </p:style>
+          <p:txBody>
+            <a:bodyPr rtlCol="0" anchor="ctr"/>
+            <a:lstStyle/>
+            <a:p>
+              <a:pPr algn="ctr"/>
+              <a:endParaRPr lang="zh-CN" altLang="en-US"/>
+            </a:p>
+          </p:txBody>
+        </p:sp>
+      </p:grpSp>
     </p:spTree>
     <p:extLst>
       <p:ext uri="{BB962C8B-B14F-4D97-AF65-F5344CB8AC3E}">
@@ -4982,6 +6780,413 @@
           <a:chExt cx="0" cy="0"/>
         </a:xfrm>
       </p:grpSpPr>
+      <p:pic>
+        <p:nvPicPr>
+          <p:cNvPr id="5" name="图片 4">
+            <a:extLst>
+              <a:ext uri="{FF2B5EF4-FFF2-40B4-BE49-F238E27FC236}">
+                <a16:creationId xmlns:a16="http://schemas.microsoft.com/office/drawing/2014/main" id="{336AD6BE-2F75-F84A-C972-259A5491DC3E}"/>
+              </a:ext>
+            </a:extLst>
+          </p:cNvPr>
+          <p:cNvPicPr>
+            <a:picLocks noChangeAspect="1"/>
+          </p:cNvPicPr>
+          <p:nvPr/>
+        </p:nvPicPr>
+        <p:blipFill>
+          <a:blip r:embed="rId3" cstate="print">
+            <a:extLst>
+              <a:ext uri="{28A0092B-C50C-407E-A947-70E740481C1C}">
+                <a14:useLocalDpi xmlns:a14="http://schemas.microsoft.com/office/drawing/2010/main" val="0"/>
+              </a:ext>
+            </a:extLst>
+          </a:blip>
+          <a:stretch>
+            <a:fillRect/>
+          </a:stretch>
+        </p:blipFill>
+        <p:spPr>
+          <a:xfrm>
+            <a:off x="944905" y="952723"/>
+            <a:ext cx="4941979" cy="5600036"/>
+          </a:xfrm>
+          <a:prstGeom prst="rect">
+            <a:avLst/>
+          </a:prstGeom>
+        </p:spPr>
+      </p:pic>
+      <p:sp>
+        <p:nvSpPr>
+          <p:cNvPr id="16" name="文本框 15">
+            <a:extLst>
+              <a:ext uri="{FF2B5EF4-FFF2-40B4-BE49-F238E27FC236}">
+                <a16:creationId xmlns:a16="http://schemas.microsoft.com/office/drawing/2014/main" id="{56EF31B8-0CB6-4E7E-4274-E160193858BE}"/>
+              </a:ext>
+            </a:extLst>
+          </p:cNvPr>
+          <p:cNvSpPr txBox="1"/>
+          <p:nvPr/>
+        </p:nvSpPr>
+        <p:spPr>
+          <a:xfrm>
+            <a:off x="6305118" y="1036056"/>
+            <a:ext cx="5592715" cy="1569660"/>
+          </a:xfrm>
+          <a:prstGeom prst="rect">
+            <a:avLst/>
+          </a:prstGeom>
+          <a:noFill/>
+        </p:spPr>
+        <p:txBody>
+          <a:bodyPr wrap="square">
+            <a:spAutoFit/>
+          </a:bodyPr>
+          <a:lstStyle/>
+          <a:p>
+            <a:pPr algn="just"/>
+            <a:r>
+              <a:rPr lang="en-US" altLang="zh-CN" sz="2400" kern="100" dirty="0">
+                <a:solidFill>
+                  <a:srgbClr val="FF0000"/>
+                </a:solidFill>
+                <a:effectLst/>
+                <a:latin typeface="微软雅黑" panose="020B0503020204020204" pitchFamily="34" charset="-122"/>
+                <a:ea typeface="微软雅黑" panose="020B0503020204020204" pitchFamily="34" charset="-122"/>
+                <a:cs typeface="Times New Roman" panose="02020603050405020304" pitchFamily="18" charset="0"/>
+              </a:rPr>
+              <a:t>       </a:t>
+            </a:r>
+            <a:r>
+              <a:rPr lang="zh-CN" altLang="zh-CN" sz="2400" kern="100" dirty="0">
+                <a:solidFill>
+                  <a:srgbClr val="FF0000"/>
+                </a:solidFill>
+                <a:effectLst/>
+                <a:latin typeface="微软雅黑" panose="020B0503020204020204" pitchFamily="34" charset="-122"/>
+                <a:ea typeface="微软雅黑" panose="020B0503020204020204" pitchFamily="34" charset="-122"/>
+                <a:cs typeface="Times New Roman" panose="02020603050405020304" pitchFamily="18" charset="0"/>
+              </a:rPr>
+              <a:t>对于有多个局部最优解的函数，遗传算法不易陷入局部最优解，但是问题维度很高时，遗传算法效果很差</a:t>
+            </a:r>
+            <a:r>
+              <a:rPr lang="zh-CN" altLang="en-US" sz="2400" kern="100" dirty="0">
+                <a:solidFill>
+                  <a:srgbClr val="FF0000"/>
+                </a:solidFill>
+                <a:effectLst/>
+                <a:latin typeface="微软雅黑" panose="020B0503020204020204" pitchFamily="34" charset="-122"/>
+                <a:ea typeface="微软雅黑" panose="020B0503020204020204" pitchFamily="34" charset="-122"/>
+                <a:cs typeface="Times New Roman" panose="02020603050405020304" pitchFamily="18" charset="0"/>
+              </a:rPr>
+              <a:t>，会过早收敛，如下图</a:t>
+            </a:r>
+            <a:r>
+              <a:rPr lang="zh-CN" altLang="zh-CN" sz="2400" kern="100" dirty="0">
+                <a:solidFill>
+                  <a:srgbClr val="FF0000"/>
+                </a:solidFill>
+                <a:effectLst/>
+                <a:latin typeface="微软雅黑" panose="020B0503020204020204" pitchFamily="34" charset="-122"/>
+                <a:ea typeface="微软雅黑" panose="020B0503020204020204" pitchFamily="34" charset="-122"/>
+                <a:cs typeface="Times New Roman" panose="02020603050405020304" pitchFamily="18" charset="0"/>
+              </a:rPr>
+              <a:t>。</a:t>
+            </a:r>
+          </a:p>
+        </p:txBody>
+      </p:sp>
+      <p:sp>
+        <p:nvSpPr>
+          <p:cNvPr id="17" name="文本框 16">
+            <a:extLst>
+              <a:ext uri="{FF2B5EF4-FFF2-40B4-BE49-F238E27FC236}">
+                <a16:creationId xmlns:a16="http://schemas.microsoft.com/office/drawing/2014/main" id="{5F6CC7AA-0584-7EA6-C21E-39B0CBCBD1A1}"/>
+              </a:ext>
+            </a:extLst>
+          </p:cNvPr>
+          <p:cNvSpPr txBox="1"/>
+          <p:nvPr/>
+        </p:nvSpPr>
+        <p:spPr>
+          <a:xfrm>
+            <a:off x="542259" y="174640"/>
+            <a:ext cx="6023343" cy="461665"/>
+          </a:xfrm>
+          <a:prstGeom prst="rect">
+            <a:avLst/>
+          </a:prstGeom>
+          <a:noFill/>
+        </p:spPr>
+        <p:txBody>
+          <a:bodyPr wrap="square">
+            <a:spAutoFit/>
+          </a:bodyPr>
+          <a:lstStyle/>
+          <a:p>
+            <a:r>
+              <a:rPr lang="zh-CN" altLang="en-US" sz="2400" dirty="0">
+                <a:latin typeface="微软雅黑" panose="020B0503020204020204" pitchFamily="34" charset="-122"/>
+                <a:ea typeface="微软雅黑" panose="020B0503020204020204" pitchFamily="34" charset="-122"/>
+              </a:rPr>
+              <a:t>遗传算法（</a:t>
+            </a:r>
+            <a:r>
+              <a:rPr lang="en-US" altLang="zh-CN" sz="2400" dirty="0">
+                <a:latin typeface="微软雅黑" panose="020B0503020204020204" pitchFamily="34" charset="-122"/>
+                <a:ea typeface="微软雅黑" panose="020B0503020204020204" pitchFamily="34" charset="-122"/>
+              </a:rPr>
+              <a:t>GA, Genetic Algorithm</a:t>
+            </a:r>
+            <a:r>
+              <a:rPr lang="zh-CN" altLang="en-US" sz="2400" dirty="0">
+                <a:latin typeface="微软雅黑" panose="020B0503020204020204" pitchFamily="34" charset="-122"/>
+                <a:ea typeface="微软雅黑" panose="020B0503020204020204" pitchFamily="34" charset="-122"/>
+              </a:rPr>
+              <a:t>）</a:t>
+            </a:r>
+          </a:p>
+        </p:txBody>
+      </p:sp>
+      <p:sp>
+        <p:nvSpPr>
+          <p:cNvPr id="18" name="矩形 17">
+            <a:extLst>
+              <a:ext uri="{FF2B5EF4-FFF2-40B4-BE49-F238E27FC236}">
+                <a16:creationId xmlns:a16="http://schemas.microsoft.com/office/drawing/2014/main" id="{9040B3CA-C74F-AF35-FE09-FBA47C41B23F}"/>
+              </a:ext>
+            </a:extLst>
+          </p:cNvPr>
+          <p:cNvSpPr/>
+          <p:nvPr/>
+        </p:nvSpPr>
+        <p:spPr>
+          <a:xfrm>
+            <a:off x="542260" y="645546"/>
+            <a:ext cx="7931889" cy="74427"/>
+          </a:xfrm>
+          <a:prstGeom prst="rect">
+            <a:avLst/>
+          </a:prstGeom>
+        </p:spPr>
+        <p:style>
+          <a:lnRef idx="2">
+            <a:schemeClr val="accent1">
+              <a:shade val="50000"/>
+            </a:schemeClr>
+          </a:lnRef>
+          <a:fillRef idx="1">
+            <a:schemeClr val="accent1"/>
+          </a:fillRef>
+          <a:effectRef idx="0">
+            <a:schemeClr val="accent1"/>
+          </a:effectRef>
+          <a:fontRef idx="minor">
+            <a:schemeClr val="lt1"/>
+          </a:fontRef>
+        </p:style>
+        <p:txBody>
+          <a:bodyPr rtlCol="0" anchor="ctr"/>
+          <a:lstStyle/>
+          <a:p>
+            <a:pPr algn="ctr"/>
+            <a:endParaRPr lang="zh-CN" altLang="en-US">
+              <a:latin typeface="微软雅黑" panose="020B0503020204020204" pitchFamily="34" charset="-122"/>
+              <a:ea typeface="微软雅黑" panose="020B0503020204020204" pitchFamily="34" charset="-122"/>
+            </a:endParaRPr>
+          </a:p>
+        </p:txBody>
+      </p:sp>
+      <p:pic>
+        <p:nvPicPr>
+          <p:cNvPr id="2" name="图片 1">
+            <a:extLst>
+              <a:ext uri="{FF2B5EF4-FFF2-40B4-BE49-F238E27FC236}">
+                <a16:creationId xmlns:a16="http://schemas.microsoft.com/office/drawing/2014/main" id="{7B565B8D-B0DA-F7EB-759F-F02470A014E1}"/>
+              </a:ext>
+            </a:extLst>
+          </p:cNvPr>
+          <p:cNvPicPr>
+            <a:picLocks noChangeAspect="1"/>
+          </p:cNvPicPr>
+          <p:nvPr/>
+        </p:nvPicPr>
+        <p:blipFill>
+          <a:blip r:embed="rId4">
+            <a:extLst>
+              <a:ext uri="{28A0092B-C50C-407E-A947-70E740481C1C}">
+                <a14:useLocalDpi xmlns:a14="http://schemas.microsoft.com/office/drawing/2010/main" val="0"/>
+              </a:ext>
+            </a:extLst>
+          </a:blip>
+          <a:stretch>
+            <a:fillRect/>
+          </a:stretch>
+        </p:blipFill>
+        <p:spPr>
+          <a:xfrm>
+            <a:off x="6464320" y="2503783"/>
+            <a:ext cx="5274310" cy="3956050"/>
+          </a:xfrm>
+          <a:prstGeom prst="rect">
+            <a:avLst/>
+          </a:prstGeom>
+        </p:spPr>
+      </p:pic>
+      <p:grpSp>
+        <p:nvGrpSpPr>
+          <p:cNvPr id="3" name="组合 2">
+            <a:extLst>
+              <a:ext uri="{FF2B5EF4-FFF2-40B4-BE49-F238E27FC236}">
+                <a16:creationId xmlns:a16="http://schemas.microsoft.com/office/drawing/2014/main" id="{A35DA0A1-16C5-4211-5C2E-A5C175751BA3}"/>
+              </a:ext>
+            </a:extLst>
+          </p:cNvPr>
+          <p:cNvGrpSpPr/>
+          <p:nvPr/>
+        </p:nvGrpSpPr>
+        <p:grpSpPr>
+          <a:xfrm>
+            <a:off x="193210" y="258030"/>
+            <a:ext cx="312473" cy="289950"/>
+            <a:chOff x="193210" y="258030"/>
+            <a:chExt cx="312473" cy="289950"/>
+          </a:xfrm>
+        </p:grpSpPr>
+        <p:sp>
+          <p:nvSpPr>
+            <p:cNvPr id="4" name="矩形 3">
+              <a:extLst>
+                <a:ext uri="{FF2B5EF4-FFF2-40B4-BE49-F238E27FC236}">
+                  <a16:creationId xmlns:a16="http://schemas.microsoft.com/office/drawing/2014/main" id="{C281A52C-2E3A-2C4E-523E-DFA912087ABF}"/>
+                </a:ext>
+              </a:extLst>
+            </p:cNvPr>
+            <p:cNvSpPr/>
+            <p:nvPr/>
+          </p:nvSpPr>
+          <p:spPr>
+            <a:xfrm>
+              <a:off x="329917" y="384883"/>
+              <a:ext cx="175766" cy="163097"/>
+            </a:xfrm>
+            <a:prstGeom prst="rect">
+              <a:avLst/>
+            </a:prstGeom>
+            <a:ln>
+              <a:noFill/>
+            </a:ln>
+          </p:spPr>
+          <p:style>
+            <a:lnRef idx="2">
+              <a:schemeClr val="accent1">
+                <a:shade val="50000"/>
+              </a:schemeClr>
+            </a:lnRef>
+            <a:fillRef idx="1">
+              <a:schemeClr val="accent1"/>
+            </a:fillRef>
+            <a:effectRef idx="0">
+              <a:schemeClr val="accent1"/>
+            </a:effectRef>
+            <a:fontRef idx="minor">
+              <a:schemeClr val="lt1"/>
+            </a:fontRef>
+          </p:style>
+          <p:txBody>
+            <a:bodyPr rtlCol="0" anchor="ctr"/>
+            <a:lstStyle/>
+            <a:p>
+              <a:pPr algn="ctr"/>
+              <a:endParaRPr lang="zh-CN" altLang="en-US"/>
+            </a:p>
+          </p:txBody>
+        </p:sp>
+        <p:sp>
+          <p:nvSpPr>
+            <p:cNvPr id="6" name="矩形 5">
+              <a:extLst>
+                <a:ext uri="{FF2B5EF4-FFF2-40B4-BE49-F238E27FC236}">
+                  <a16:creationId xmlns:a16="http://schemas.microsoft.com/office/drawing/2014/main" id="{A9736B5B-C626-8D0F-2845-DFB3ADB4C406}"/>
+                </a:ext>
+              </a:extLst>
+            </p:cNvPr>
+            <p:cNvSpPr/>
+            <p:nvPr/>
+          </p:nvSpPr>
+          <p:spPr>
+            <a:xfrm>
+              <a:off x="193210" y="258030"/>
+              <a:ext cx="136707" cy="126853"/>
+            </a:xfrm>
+            <a:prstGeom prst="rect">
+              <a:avLst/>
+            </a:prstGeom>
+            <a:solidFill>
+              <a:schemeClr val="accent1">
+                <a:lumMod val="75000"/>
+              </a:schemeClr>
+            </a:solidFill>
+            <a:ln>
+              <a:noFill/>
+            </a:ln>
+          </p:spPr>
+          <p:style>
+            <a:lnRef idx="2">
+              <a:schemeClr val="accent1">
+                <a:shade val="50000"/>
+              </a:schemeClr>
+            </a:lnRef>
+            <a:fillRef idx="1">
+              <a:schemeClr val="accent1"/>
+            </a:fillRef>
+            <a:effectRef idx="0">
+              <a:schemeClr val="accent1"/>
+            </a:effectRef>
+            <a:fontRef idx="minor">
+              <a:schemeClr val="lt1"/>
+            </a:fontRef>
+          </p:style>
+          <p:txBody>
+            <a:bodyPr rtlCol="0" anchor="ctr"/>
+            <a:lstStyle/>
+            <a:p>
+              <a:pPr algn="ctr"/>
+              <a:endParaRPr lang="zh-CN" altLang="en-US"/>
+            </a:p>
+          </p:txBody>
+        </p:sp>
+      </p:grpSp>
+    </p:spTree>
+    <p:extLst>
+      <p:ext uri="{BB962C8B-B14F-4D97-AF65-F5344CB8AC3E}">
+        <p14:creationId xmlns:p14="http://schemas.microsoft.com/office/powerpoint/2010/main" val="1639706757"/>
+      </p:ext>
+    </p:extLst>
+  </p:cSld>
+  <p:clrMapOvr>
+    <a:masterClrMapping/>
+  </p:clrMapOvr>
+</p:sld>
+</file>
+
+<file path=ppt/slides/slide6.xml><?xml version="1.0" encoding="utf-8"?>
+<p:sld xmlns:a="http://schemas.openxmlformats.org/drawingml/2006/main" xmlns:r="http://schemas.openxmlformats.org/officeDocument/2006/relationships" xmlns:p="http://schemas.openxmlformats.org/presentationml/2006/main">
+  <p:cSld>
+    <p:spTree>
+      <p:nvGrpSpPr>
+        <p:cNvPr id="1" name=""/>
+        <p:cNvGrpSpPr/>
+        <p:nvPr/>
+      </p:nvGrpSpPr>
+      <p:grpSpPr>
+        <a:xfrm>
+          <a:off x="0" y="0"/>
+          <a:ext cx="0" cy="0"/>
+          <a:chOff x="0" y="0"/>
+          <a:chExt cx="0" cy="0"/>
+        </a:xfrm>
+      </p:grpSpPr>
       <p:sp>
         <p:nvSpPr>
           <p:cNvPr id="7" name="文本框 6">
@@ -5108,7 +7313,7 @@
                 <a:latin typeface="微软雅黑" panose="020B0503020204020204" pitchFamily="34" charset="-122"/>
                 <a:ea typeface="微软雅黑" panose="020B0503020204020204" pitchFamily="34" charset="-122"/>
               </a:rPr>
-              <a:t>        同时，算法中使用了协同，根据</a:t>
+              <a:t>       同时，算法中使用了协同，根据</a:t>
             </a:r>
             <a:r>
               <a:rPr lang="en-US" altLang="zh-CN" sz="2400" dirty="0">
@@ -5466,326 +7671,134 @@
           </a:fontRef>
         </p:style>
       </p:cxnSp>
+      <p:grpSp>
+        <p:nvGrpSpPr>
+          <p:cNvPr id="2" name="组合 1">
+            <a:extLst>
+              <a:ext uri="{FF2B5EF4-FFF2-40B4-BE49-F238E27FC236}">
+                <a16:creationId xmlns:a16="http://schemas.microsoft.com/office/drawing/2014/main" id="{1A67A45E-F579-D5CF-14C6-8BB8CACCEF3D}"/>
+              </a:ext>
+            </a:extLst>
+          </p:cNvPr>
+          <p:cNvGrpSpPr/>
+          <p:nvPr/>
+        </p:nvGrpSpPr>
+        <p:grpSpPr>
+          <a:xfrm>
+            <a:off x="193210" y="258030"/>
+            <a:ext cx="312473" cy="289950"/>
+            <a:chOff x="193210" y="258030"/>
+            <a:chExt cx="312473" cy="289950"/>
+          </a:xfrm>
+        </p:grpSpPr>
+        <p:sp>
+          <p:nvSpPr>
+            <p:cNvPr id="3" name="矩形 2">
+              <a:extLst>
+                <a:ext uri="{FF2B5EF4-FFF2-40B4-BE49-F238E27FC236}">
+                  <a16:creationId xmlns:a16="http://schemas.microsoft.com/office/drawing/2014/main" id="{A4BEB853-E0D4-7DB0-EC2F-3179771F6923}"/>
+                </a:ext>
+              </a:extLst>
+            </p:cNvPr>
+            <p:cNvSpPr/>
+            <p:nvPr/>
+          </p:nvSpPr>
+          <p:spPr>
+            <a:xfrm>
+              <a:off x="329917" y="384883"/>
+              <a:ext cx="175766" cy="163097"/>
+            </a:xfrm>
+            <a:prstGeom prst="rect">
+              <a:avLst/>
+            </a:prstGeom>
+            <a:ln>
+              <a:noFill/>
+            </a:ln>
+          </p:spPr>
+          <p:style>
+            <a:lnRef idx="2">
+              <a:schemeClr val="accent1">
+                <a:shade val="50000"/>
+              </a:schemeClr>
+            </a:lnRef>
+            <a:fillRef idx="1">
+              <a:schemeClr val="accent1"/>
+            </a:fillRef>
+            <a:effectRef idx="0">
+              <a:schemeClr val="accent1"/>
+            </a:effectRef>
+            <a:fontRef idx="minor">
+              <a:schemeClr val="lt1"/>
+            </a:fontRef>
+          </p:style>
+          <p:txBody>
+            <a:bodyPr rtlCol="0" anchor="ctr"/>
+            <a:lstStyle/>
+            <a:p>
+              <a:pPr algn="ctr"/>
+              <a:endParaRPr lang="zh-CN" altLang="en-US"/>
+            </a:p>
+          </p:txBody>
+        </p:sp>
+        <p:sp>
+          <p:nvSpPr>
+            <p:cNvPr id="4" name="矩形 3">
+              <a:extLst>
+                <a:ext uri="{FF2B5EF4-FFF2-40B4-BE49-F238E27FC236}">
+                  <a16:creationId xmlns:a16="http://schemas.microsoft.com/office/drawing/2014/main" id="{5632FB8F-4BAC-3B45-C443-5CA174B1F243}"/>
+                </a:ext>
+              </a:extLst>
+            </p:cNvPr>
+            <p:cNvSpPr/>
+            <p:nvPr/>
+          </p:nvSpPr>
+          <p:spPr>
+            <a:xfrm>
+              <a:off x="193210" y="258030"/>
+              <a:ext cx="136707" cy="126853"/>
+            </a:xfrm>
+            <a:prstGeom prst="rect">
+              <a:avLst/>
+            </a:prstGeom>
+            <a:solidFill>
+              <a:schemeClr val="accent1">
+                <a:lumMod val="75000"/>
+              </a:schemeClr>
+            </a:solidFill>
+            <a:ln>
+              <a:noFill/>
+            </a:ln>
+          </p:spPr>
+          <p:style>
+            <a:lnRef idx="2">
+              <a:schemeClr val="accent1">
+                <a:shade val="50000"/>
+              </a:schemeClr>
+            </a:lnRef>
+            <a:fillRef idx="1">
+              <a:schemeClr val="accent1"/>
+            </a:fillRef>
+            <a:effectRef idx="0">
+              <a:schemeClr val="accent1"/>
+            </a:effectRef>
+            <a:fontRef idx="minor">
+              <a:schemeClr val="lt1"/>
+            </a:fontRef>
+          </p:style>
+          <p:txBody>
+            <a:bodyPr rtlCol="0" anchor="ctr"/>
+            <a:lstStyle/>
+            <a:p>
+              <a:pPr algn="ctr"/>
+              <a:endParaRPr lang="zh-CN" altLang="en-US"/>
+            </a:p>
+          </p:txBody>
+        </p:sp>
+      </p:grpSp>
     </p:spTree>
     <p:extLst>
       <p:ext uri="{BB962C8B-B14F-4D97-AF65-F5344CB8AC3E}">
         <p14:creationId xmlns:p14="http://schemas.microsoft.com/office/powerpoint/2010/main" val="530643625"/>
-      </p:ext>
-    </p:extLst>
-  </p:cSld>
-  <p:clrMapOvr>
-    <a:masterClrMapping/>
-  </p:clrMapOvr>
-</p:sld>
-</file>
-
-<file path=ppt/slides/slide6.xml><?xml version="1.0" encoding="utf-8"?>
-<p:sld xmlns:a="http://schemas.openxmlformats.org/drawingml/2006/main" xmlns:r="http://schemas.openxmlformats.org/officeDocument/2006/relationships" xmlns:p="http://schemas.openxmlformats.org/presentationml/2006/main">
-  <p:cSld>
-    <p:spTree>
-      <p:nvGrpSpPr>
-        <p:cNvPr id="1" name=""/>
-        <p:cNvGrpSpPr/>
-        <p:nvPr/>
-      </p:nvGrpSpPr>
-      <p:grpSpPr>
-        <a:xfrm>
-          <a:off x="0" y="0"/>
-          <a:ext cx="0" cy="0"/>
-          <a:chOff x="0" y="0"/>
-          <a:chExt cx="0" cy="0"/>
-        </a:xfrm>
-      </p:grpSpPr>
-      <p:pic>
-        <p:nvPicPr>
-          <p:cNvPr id="4" name="图片 3">
-            <a:extLst>
-              <a:ext uri="{FF2B5EF4-FFF2-40B4-BE49-F238E27FC236}">
-                <a16:creationId xmlns:a16="http://schemas.microsoft.com/office/drawing/2014/main" id="{88E7CE90-3BB9-F6E1-AAAF-29126FEC0DBF}"/>
-              </a:ext>
-            </a:extLst>
-          </p:cNvPr>
-          <p:cNvPicPr>
-            <a:picLocks noChangeAspect="1"/>
-          </p:cNvPicPr>
-          <p:nvPr/>
-        </p:nvPicPr>
-        <p:blipFill>
-          <a:blip r:embed="rId2"/>
-          <a:stretch>
-            <a:fillRect/>
-          </a:stretch>
-        </p:blipFill>
-        <p:spPr>
-          <a:xfrm>
-            <a:off x="1733106" y="793739"/>
-            <a:ext cx="2691956" cy="5894937"/>
-          </a:xfrm>
-          <a:prstGeom prst="rect">
-            <a:avLst/>
-          </a:prstGeom>
-        </p:spPr>
-      </p:pic>
-      <p:sp>
-        <p:nvSpPr>
-          <p:cNvPr id="7" name="文本框 6">
-            <a:extLst>
-              <a:ext uri="{FF2B5EF4-FFF2-40B4-BE49-F238E27FC236}">
-                <a16:creationId xmlns:a16="http://schemas.microsoft.com/office/drawing/2014/main" id="{BBAA8F04-04B2-A82E-EABB-EAB0F3582D80}"/>
-              </a:ext>
-            </a:extLst>
-          </p:cNvPr>
-          <p:cNvSpPr txBox="1"/>
-          <p:nvPr/>
-        </p:nvSpPr>
-        <p:spPr>
-          <a:xfrm>
-            <a:off x="5425372" y="1335788"/>
-            <a:ext cx="6097554" cy="5008230"/>
-          </a:xfrm>
-          <a:prstGeom prst="rect">
-            <a:avLst/>
-          </a:prstGeom>
-          <a:noFill/>
-        </p:spPr>
-        <p:txBody>
-          <a:bodyPr wrap="square">
-            <a:spAutoFit/>
-          </a:bodyPr>
-          <a:lstStyle/>
-          <a:p>
-            <a:pPr marL="342900" indent="-342900" algn="just">
-              <a:lnSpc>
-                <a:spcPct val="150000"/>
-              </a:lnSpc>
-              <a:buFont typeface="Arial" panose="020B0604020202020204" pitchFamily="34" charset="0"/>
-              <a:buChar char="•"/>
-            </a:pPr>
-            <a:r>
-              <a:rPr lang="en-US" altLang="zh-CN" sz="2400" kern="100" dirty="0">
-                <a:effectLst/>
-                <a:latin typeface="微软雅黑" panose="020B0503020204020204" pitchFamily="34" charset="-122"/>
-                <a:ea typeface="微软雅黑" panose="020B0503020204020204" pitchFamily="34" charset="-122"/>
-                <a:cs typeface="Times New Roman" panose="02020603050405020304" pitchFamily="18" charset="0"/>
-              </a:rPr>
-              <a:t>CCFR</a:t>
-            </a:r>
-            <a:r>
-              <a:rPr lang="zh-CN" altLang="zh-CN" sz="2400" kern="100" dirty="0">
-                <a:effectLst/>
-                <a:latin typeface="微软雅黑" panose="020B0503020204020204" pitchFamily="34" charset="-122"/>
-                <a:ea typeface="微软雅黑" panose="020B0503020204020204" pitchFamily="34" charset="-122"/>
-                <a:cs typeface="Times New Roman" panose="02020603050405020304" pitchFamily="18" charset="0"/>
-              </a:rPr>
-              <a:t>可以检测到停滞的子问题，并节省在这些停滞的子问题上的计算成本。</a:t>
-            </a:r>
-          </a:p>
-          <a:p>
-            <a:pPr marL="342900" indent="-342900" algn="just">
-              <a:lnSpc>
-                <a:spcPct val="150000"/>
-              </a:lnSpc>
-              <a:buFont typeface="Arial" panose="020B0604020202020204" pitchFamily="34" charset="0"/>
-              <a:buChar char="•"/>
-            </a:pPr>
-            <a:r>
-              <a:rPr lang="zh-CN" altLang="zh-CN" sz="2400" kern="100" dirty="0">
-                <a:effectLst/>
-                <a:latin typeface="微软雅黑" panose="020B0503020204020204" pitchFamily="34" charset="-122"/>
-                <a:ea typeface="微软雅黑" panose="020B0503020204020204" pitchFamily="34" charset="-122"/>
-                <a:cs typeface="Times New Roman" panose="02020603050405020304" pitchFamily="18" charset="0"/>
-              </a:rPr>
-              <a:t>根据不同子问题之前和当前对整体目标函数值的贡献，</a:t>
-            </a:r>
-            <a:r>
-              <a:rPr lang="en-US" altLang="zh-CN" sz="2400" kern="100" dirty="0">
-                <a:effectLst/>
-                <a:latin typeface="微软雅黑" panose="020B0503020204020204" pitchFamily="34" charset="-122"/>
-                <a:ea typeface="微软雅黑" panose="020B0503020204020204" pitchFamily="34" charset="-122"/>
-                <a:cs typeface="Times New Roman" panose="02020603050405020304" pitchFamily="18" charset="0"/>
-              </a:rPr>
-              <a:t>CCFR</a:t>
-            </a:r>
-            <a:r>
-              <a:rPr lang="zh-CN" altLang="zh-CN" sz="2400" kern="100" dirty="0">
-                <a:effectLst/>
-                <a:latin typeface="微软雅黑" panose="020B0503020204020204" pitchFamily="34" charset="-122"/>
-                <a:ea typeface="微软雅黑" panose="020B0503020204020204" pitchFamily="34" charset="-122"/>
-                <a:cs typeface="Times New Roman" panose="02020603050405020304" pitchFamily="18" charset="0"/>
-              </a:rPr>
-              <a:t>可以更加高效地分配计算资源到各个子问题，从而获得更优的解决方案。</a:t>
-            </a:r>
-          </a:p>
-          <a:p>
-            <a:pPr marL="342900" indent="-342900" algn="just">
-              <a:lnSpc>
-                <a:spcPct val="150000"/>
-              </a:lnSpc>
-              <a:buFont typeface="Arial" panose="020B0604020202020204" pitchFamily="34" charset="0"/>
-              <a:buChar char="•"/>
-            </a:pPr>
-            <a:r>
-              <a:rPr lang="en-US" altLang="zh-CN" sz="2400" kern="100" dirty="0">
-                <a:effectLst/>
-                <a:latin typeface="微软雅黑" panose="020B0503020204020204" pitchFamily="34" charset="-122"/>
-                <a:ea typeface="微软雅黑" panose="020B0503020204020204" pitchFamily="34" charset="-122"/>
-                <a:cs typeface="Times New Roman" panose="02020603050405020304" pitchFamily="18" charset="0"/>
-              </a:rPr>
-              <a:t>CCFR</a:t>
-            </a:r>
-            <a:r>
-              <a:rPr lang="zh-CN" altLang="zh-CN" sz="2400" kern="100" dirty="0">
-                <a:effectLst/>
-                <a:latin typeface="微软雅黑" panose="020B0503020204020204" pitchFamily="34" charset="-122"/>
-                <a:ea typeface="微软雅黑" panose="020B0503020204020204" pitchFamily="34" charset="-122"/>
-                <a:cs typeface="Times New Roman" panose="02020603050405020304" pitchFamily="18" charset="0"/>
-              </a:rPr>
-              <a:t>的性能取决于分组方法的性能</a:t>
-            </a:r>
-            <a:r>
-              <a:rPr lang="zh-CN" altLang="en-US" sz="2400" kern="100" dirty="0">
-                <a:effectLst/>
-                <a:latin typeface="微软雅黑" panose="020B0503020204020204" pitchFamily="34" charset="-122"/>
-                <a:ea typeface="微软雅黑" panose="020B0503020204020204" pitchFamily="34" charset="-122"/>
-                <a:cs typeface="Times New Roman" panose="02020603050405020304" pitchFamily="18" charset="0"/>
-              </a:rPr>
-              <a:t>，</a:t>
-            </a:r>
-            <a:r>
-              <a:rPr lang="zh-CN" altLang="zh-CN" sz="2400" kern="100" dirty="0">
-                <a:effectLst/>
-                <a:latin typeface="微软雅黑" panose="020B0503020204020204" pitchFamily="34" charset="-122"/>
-                <a:ea typeface="微软雅黑" panose="020B0503020204020204" pitchFamily="34" charset="-122"/>
-                <a:cs typeface="Times New Roman" panose="02020603050405020304" pitchFamily="18" charset="0"/>
-              </a:rPr>
-              <a:t>将相互依赖的决策变量准确聚集在一起可以提高</a:t>
-            </a:r>
-            <a:r>
-              <a:rPr lang="en-US" altLang="zh-CN" sz="2400" kern="100" dirty="0">
-                <a:effectLst/>
-                <a:latin typeface="微软雅黑" panose="020B0503020204020204" pitchFamily="34" charset="-122"/>
-                <a:ea typeface="微软雅黑" panose="020B0503020204020204" pitchFamily="34" charset="-122"/>
-                <a:cs typeface="Times New Roman" panose="02020603050405020304" pitchFamily="18" charset="0"/>
-              </a:rPr>
-              <a:t>CCFR</a:t>
-            </a:r>
-            <a:r>
-              <a:rPr lang="zh-CN" altLang="zh-CN" sz="2400" kern="100" dirty="0">
-                <a:effectLst/>
-                <a:latin typeface="微软雅黑" panose="020B0503020204020204" pitchFamily="34" charset="-122"/>
-                <a:ea typeface="微软雅黑" panose="020B0503020204020204" pitchFamily="34" charset="-122"/>
-                <a:cs typeface="Times New Roman" panose="02020603050405020304" pitchFamily="18" charset="0"/>
-              </a:rPr>
-              <a:t>的性能。</a:t>
-            </a:r>
-          </a:p>
-        </p:txBody>
-      </p:sp>
-      <p:sp>
-        <p:nvSpPr>
-          <p:cNvPr id="19" name="文本框 18">
-            <a:extLst>
-              <a:ext uri="{FF2B5EF4-FFF2-40B4-BE49-F238E27FC236}">
-                <a16:creationId xmlns:a16="http://schemas.microsoft.com/office/drawing/2014/main" id="{3C9FE210-67CD-C7A0-D3F7-91ED3A24559F}"/>
-              </a:ext>
-            </a:extLst>
-          </p:cNvPr>
-          <p:cNvSpPr txBox="1"/>
-          <p:nvPr/>
-        </p:nvSpPr>
-        <p:spPr>
-          <a:xfrm>
-            <a:off x="542259" y="174640"/>
-            <a:ext cx="6023343" cy="461665"/>
-          </a:xfrm>
-          <a:prstGeom prst="rect">
-            <a:avLst/>
-          </a:prstGeom>
-          <a:noFill/>
-        </p:spPr>
-        <p:txBody>
-          <a:bodyPr wrap="square">
-            <a:spAutoFit/>
-          </a:bodyPr>
-          <a:lstStyle/>
-          <a:p>
-            <a:r>
-              <a:rPr lang="zh-CN" altLang="en-US" sz="2400" dirty="0">
-                <a:latin typeface="微软雅黑" panose="020B0503020204020204" pitchFamily="34" charset="-122"/>
-                <a:ea typeface="微软雅黑" panose="020B0503020204020204" pitchFamily="34" charset="-122"/>
-              </a:rPr>
-              <a:t>基于贡献度的协同进化（</a:t>
-            </a:r>
-            <a:r>
-              <a:rPr lang="en-US" altLang="zh-CN" sz="2400" dirty="0">
-                <a:latin typeface="微软雅黑" panose="020B0503020204020204" pitchFamily="34" charset="-122"/>
-                <a:ea typeface="微软雅黑" panose="020B0503020204020204" pitchFamily="34" charset="-122"/>
-              </a:rPr>
-              <a:t>CCFR, ?</a:t>
-            </a:r>
-            <a:r>
-              <a:rPr lang="zh-CN" altLang="en-US" sz="2400" dirty="0">
-                <a:latin typeface="微软雅黑" panose="020B0503020204020204" pitchFamily="34" charset="-122"/>
-                <a:ea typeface="微软雅黑" panose="020B0503020204020204" pitchFamily="34" charset="-122"/>
-              </a:rPr>
-              <a:t>）</a:t>
-            </a:r>
-          </a:p>
-        </p:txBody>
-      </p:sp>
-      <p:sp>
-        <p:nvSpPr>
-          <p:cNvPr id="20" name="矩形 19">
-            <a:extLst>
-              <a:ext uri="{FF2B5EF4-FFF2-40B4-BE49-F238E27FC236}">
-                <a16:creationId xmlns:a16="http://schemas.microsoft.com/office/drawing/2014/main" id="{69B3779B-C826-7670-B0B8-AE8AC8FD0A14}"/>
-              </a:ext>
-            </a:extLst>
-          </p:cNvPr>
-          <p:cNvSpPr/>
-          <p:nvPr/>
-        </p:nvSpPr>
-        <p:spPr>
-          <a:xfrm>
-            <a:off x="542260" y="645546"/>
-            <a:ext cx="7931889" cy="74427"/>
-          </a:xfrm>
-          <a:prstGeom prst="rect">
-            <a:avLst/>
-          </a:prstGeom>
-        </p:spPr>
-        <p:style>
-          <a:lnRef idx="2">
-            <a:schemeClr val="accent1">
-              <a:shade val="50000"/>
-            </a:schemeClr>
-          </a:lnRef>
-          <a:fillRef idx="1">
-            <a:schemeClr val="accent1"/>
-          </a:fillRef>
-          <a:effectRef idx="0">
-            <a:schemeClr val="accent1"/>
-          </a:effectRef>
-          <a:fontRef idx="minor">
-            <a:schemeClr val="lt1"/>
-          </a:fontRef>
-        </p:style>
-        <p:txBody>
-          <a:bodyPr rtlCol="0" anchor="ctr"/>
-          <a:lstStyle/>
-          <a:p>
-            <a:pPr algn="ctr"/>
-            <a:endParaRPr lang="zh-CN" altLang="en-US">
-              <a:latin typeface="微软雅黑" panose="020B0503020204020204" pitchFamily="34" charset="-122"/>
-              <a:ea typeface="微软雅黑" panose="020B0503020204020204" pitchFamily="34" charset="-122"/>
-            </a:endParaRPr>
-          </a:p>
-        </p:txBody>
-      </p:sp>
-    </p:spTree>
-    <p:extLst>
-      <p:ext uri="{BB962C8B-B14F-4D97-AF65-F5344CB8AC3E}">
-        <p14:creationId xmlns:p14="http://schemas.microsoft.com/office/powerpoint/2010/main" val="488466554"/>
       </p:ext>
     </p:extLst>
   </p:cSld>
@@ -5812,10 +7825,3339 @@
           <a:chExt cx="0" cy="0"/>
         </a:xfrm>
       </p:grpSpPr>
+      <p:sp>
+        <p:nvSpPr>
+          <p:cNvPr id="17" name="文本框 16">
+            <a:extLst>
+              <a:ext uri="{FF2B5EF4-FFF2-40B4-BE49-F238E27FC236}">
+                <a16:creationId xmlns:a16="http://schemas.microsoft.com/office/drawing/2014/main" id="{5F6CC7AA-0584-7EA6-C21E-39B0CBCBD1A1}"/>
+              </a:ext>
+            </a:extLst>
+          </p:cNvPr>
+          <p:cNvSpPr txBox="1"/>
+          <p:nvPr/>
+        </p:nvSpPr>
+        <p:spPr>
+          <a:xfrm>
+            <a:off x="542259" y="174640"/>
+            <a:ext cx="6023343" cy="461665"/>
+          </a:xfrm>
+          <a:prstGeom prst="rect">
+            <a:avLst/>
+          </a:prstGeom>
+          <a:noFill/>
+        </p:spPr>
+        <p:txBody>
+          <a:bodyPr wrap="square">
+            <a:spAutoFit/>
+          </a:bodyPr>
+          <a:lstStyle/>
+          <a:p>
+            <a:r>
+              <a:rPr lang="en-US" altLang="zh-CN" sz="2400" dirty="0">
+                <a:latin typeface="微软雅黑" panose="020B0503020204020204" pitchFamily="34" charset="-122"/>
+                <a:ea typeface="微软雅黑" panose="020B0503020204020204" pitchFamily="34" charset="-122"/>
+              </a:rPr>
+              <a:t>DG2</a:t>
+            </a:r>
+            <a:r>
+              <a:rPr lang="zh-CN" altLang="en-US" sz="2400" dirty="0">
+                <a:latin typeface="微软雅黑" panose="020B0503020204020204" pitchFamily="34" charset="-122"/>
+                <a:ea typeface="微软雅黑" panose="020B0503020204020204" pitchFamily="34" charset="-122"/>
+              </a:rPr>
+              <a:t>（</a:t>
+            </a:r>
+            <a:r>
+              <a:rPr lang="en-US" altLang="zh-CN" sz="2400" dirty="0">
+                <a:latin typeface="微软雅黑" panose="020B0503020204020204" pitchFamily="34" charset="-122"/>
+                <a:ea typeface="微软雅黑" panose="020B0503020204020204" pitchFamily="34" charset="-122"/>
+              </a:rPr>
+              <a:t>Differential Grouping</a:t>
+            </a:r>
+            <a:r>
+              <a:rPr lang="zh-CN" altLang="en-US" sz="2400" dirty="0">
+                <a:latin typeface="微软雅黑" panose="020B0503020204020204" pitchFamily="34" charset="-122"/>
+                <a:ea typeface="微软雅黑" panose="020B0503020204020204" pitchFamily="34" charset="-122"/>
+              </a:rPr>
+              <a:t>）</a:t>
+            </a:r>
+          </a:p>
+        </p:txBody>
+      </p:sp>
+      <p:sp>
+        <p:nvSpPr>
+          <p:cNvPr id="18" name="矩形 17">
+            <a:extLst>
+              <a:ext uri="{FF2B5EF4-FFF2-40B4-BE49-F238E27FC236}">
+                <a16:creationId xmlns:a16="http://schemas.microsoft.com/office/drawing/2014/main" id="{9040B3CA-C74F-AF35-FE09-FBA47C41B23F}"/>
+              </a:ext>
+            </a:extLst>
+          </p:cNvPr>
+          <p:cNvSpPr/>
+          <p:nvPr/>
+        </p:nvSpPr>
+        <p:spPr>
+          <a:xfrm>
+            <a:off x="542260" y="645546"/>
+            <a:ext cx="7931889" cy="74427"/>
+          </a:xfrm>
+          <a:prstGeom prst="rect">
+            <a:avLst/>
+          </a:prstGeom>
+        </p:spPr>
+        <p:style>
+          <a:lnRef idx="2">
+            <a:schemeClr val="accent1">
+              <a:shade val="50000"/>
+            </a:schemeClr>
+          </a:lnRef>
+          <a:fillRef idx="1">
+            <a:schemeClr val="accent1"/>
+          </a:fillRef>
+          <a:effectRef idx="0">
+            <a:schemeClr val="accent1"/>
+          </a:effectRef>
+          <a:fontRef idx="minor">
+            <a:schemeClr val="lt1"/>
+          </a:fontRef>
+        </p:style>
+        <p:txBody>
+          <a:bodyPr rtlCol="0" anchor="ctr"/>
+          <a:lstStyle/>
+          <a:p>
+            <a:pPr algn="ctr"/>
+            <a:endParaRPr lang="zh-CN" altLang="en-US">
+              <a:latin typeface="微软雅黑" panose="020B0503020204020204" pitchFamily="34" charset="-122"/>
+              <a:ea typeface="微软雅黑" panose="020B0503020204020204" pitchFamily="34" charset="-122"/>
+            </a:endParaRPr>
+          </a:p>
+        </p:txBody>
+      </p:sp>
+      <p:sp>
+        <p:nvSpPr>
+          <p:cNvPr id="6" name="文本框 5">
+            <a:extLst>
+              <a:ext uri="{FF2B5EF4-FFF2-40B4-BE49-F238E27FC236}">
+                <a16:creationId xmlns:a16="http://schemas.microsoft.com/office/drawing/2014/main" id="{AE303345-FACA-F026-9602-A12793CB3D25}"/>
+              </a:ext>
+            </a:extLst>
+          </p:cNvPr>
+          <p:cNvSpPr txBox="1"/>
+          <p:nvPr/>
+        </p:nvSpPr>
+        <p:spPr>
+          <a:xfrm>
+            <a:off x="542258" y="1000312"/>
+            <a:ext cx="11111025" cy="830997"/>
+          </a:xfrm>
+          <a:prstGeom prst="rect">
+            <a:avLst/>
+          </a:prstGeom>
+          <a:noFill/>
+        </p:spPr>
+        <p:txBody>
+          <a:bodyPr wrap="square">
+            <a:spAutoFit/>
+          </a:bodyPr>
+          <a:lstStyle/>
+          <a:p>
+            <a:pPr algn="just"/>
+            <a:r>
+              <a:rPr lang="en-US" altLang="zh-CN" sz="2400" kern="100" dirty="0">
+                <a:effectLst/>
+                <a:latin typeface="微软雅黑" panose="020B0503020204020204" pitchFamily="34" charset="-122"/>
+                <a:ea typeface="微软雅黑" panose="020B0503020204020204" pitchFamily="34" charset="-122"/>
+                <a:cs typeface="Times New Roman" panose="02020603050405020304" pitchFamily="18" charset="0"/>
+              </a:rPr>
+              <a:t>DG2</a:t>
+            </a:r>
+            <a:r>
+              <a:rPr lang="zh-CN" altLang="zh-CN" sz="2400" kern="100" dirty="0">
+                <a:effectLst/>
+                <a:latin typeface="微软雅黑" panose="020B0503020204020204" pitchFamily="34" charset="-122"/>
+                <a:ea typeface="微软雅黑" panose="020B0503020204020204" pitchFamily="34" charset="-122"/>
+                <a:cs typeface="Times New Roman" panose="02020603050405020304" pitchFamily="18" charset="0"/>
+              </a:rPr>
+              <a:t>是从</a:t>
+            </a:r>
+            <a:r>
+              <a:rPr lang="en-US" altLang="zh-CN" sz="2400" kern="100" dirty="0">
+                <a:effectLst/>
+                <a:latin typeface="微软雅黑" panose="020B0503020204020204" pitchFamily="34" charset="-122"/>
+                <a:ea typeface="微软雅黑" panose="020B0503020204020204" pitchFamily="34" charset="-122"/>
+                <a:cs typeface="Times New Roman" panose="02020603050405020304" pitchFamily="18" charset="0"/>
+              </a:rPr>
+              <a:t>DG</a:t>
+            </a:r>
+            <a:r>
+              <a:rPr lang="zh-CN" altLang="zh-CN" sz="2400" kern="100" dirty="0">
+                <a:effectLst/>
+                <a:latin typeface="微软雅黑" panose="020B0503020204020204" pitchFamily="34" charset="-122"/>
+                <a:ea typeface="微软雅黑" panose="020B0503020204020204" pitchFamily="34" charset="-122"/>
+                <a:cs typeface="Times New Roman" panose="02020603050405020304" pitchFamily="18" charset="0"/>
+              </a:rPr>
+              <a:t>（</a:t>
+            </a:r>
+            <a:r>
+              <a:rPr lang="en-US" altLang="zh-CN" sz="2400" kern="100" dirty="0">
+                <a:effectLst/>
+                <a:latin typeface="微软雅黑" panose="020B0503020204020204" pitchFamily="34" charset="-122"/>
+                <a:ea typeface="微软雅黑" panose="020B0503020204020204" pitchFamily="34" charset="-122"/>
+                <a:cs typeface="Times New Roman" panose="02020603050405020304" pitchFamily="18" charset="0"/>
+              </a:rPr>
+              <a:t>Differential Grouping</a:t>
+            </a:r>
+            <a:r>
+              <a:rPr lang="zh-CN" altLang="zh-CN" sz="2400" kern="100" dirty="0">
+                <a:effectLst/>
+                <a:latin typeface="微软雅黑" panose="020B0503020204020204" pitchFamily="34" charset="-122"/>
+                <a:ea typeface="微软雅黑" panose="020B0503020204020204" pitchFamily="34" charset="-122"/>
+                <a:cs typeface="Times New Roman" panose="02020603050405020304" pitchFamily="18" charset="0"/>
+              </a:rPr>
+              <a:t>）改进而来的一种微分分组算法。</a:t>
+            </a:r>
+            <a:r>
+              <a:rPr lang="en-US" altLang="zh-CN" sz="2400" kern="100" dirty="0">
+                <a:effectLst/>
+                <a:latin typeface="微软雅黑" panose="020B0503020204020204" pitchFamily="34" charset="-122"/>
+                <a:ea typeface="微软雅黑" panose="020B0503020204020204" pitchFamily="34" charset="-122"/>
+                <a:cs typeface="Times New Roman" panose="02020603050405020304" pitchFamily="18" charset="0"/>
+              </a:rPr>
+              <a:t>DG</a:t>
+            </a:r>
+            <a:r>
+              <a:rPr lang="zh-CN" altLang="zh-CN" sz="2400" kern="100" dirty="0">
+                <a:effectLst/>
+                <a:latin typeface="微软雅黑" panose="020B0503020204020204" pitchFamily="34" charset="-122"/>
+                <a:ea typeface="微软雅黑" panose="020B0503020204020204" pitchFamily="34" charset="-122"/>
+                <a:cs typeface="Times New Roman" panose="02020603050405020304" pitchFamily="18" charset="0"/>
+              </a:rPr>
+              <a:t>算法的核心是依靠下面的公式来判断两个分量之间的相互关系：</a:t>
+            </a:r>
+          </a:p>
+        </p:txBody>
+      </p:sp>
+      <p:pic>
+        <p:nvPicPr>
+          <p:cNvPr id="7" name="图片 6">
+            <a:extLst>
+              <a:ext uri="{FF2B5EF4-FFF2-40B4-BE49-F238E27FC236}">
+                <a16:creationId xmlns:a16="http://schemas.microsoft.com/office/drawing/2014/main" id="{46749ED8-BDE1-DA4F-20DC-75511A26D619}"/>
+              </a:ext>
+            </a:extLst>
+          </p:cNvPr>
+          <p:cNvPicPr>
+            <a:picLocks noChangeAspect="1"/>
+          </p:cNvPicPr>
+          <p:nvPr/>
+        </p:nvPicPr>
+        <p:blipFill rotWithShape="1">
+          <a:blip r:embed="rId3">
+            <a:extLst>
+              <a:ext uri="{28A0092B-C50C-407E-A947-70E740481C1C}">
+                <a14:useLocalDpi xmlns:a14="http://schemas.microsoft.com/office/drawing/2010/main" val="0"/>
+              </a:ext>
+            </a:extLst>
+          </a:blip>
+          <a:srcRect l="9217" r="11871" b="62907"/>
+          <a:stretch/>
+        </p:blipFill>
+        <p:spPr>
+          <a:xfrm>
+            <a:off x="540487" y="1967455"/>
+            <a:ext cx="11111025" cy="1202883"/>
+          </a:xfrm>
+          <a:prstGeom prst="rect">
+            <a:avLst/>
+          </a:prstGeom>
+        </p:spPr>
+      </p:pic>
+      <p:pic>
+        <p:nvPicPr>
+          <p:cNvPr id="8" name="图片 7">
+            <a:extLst>
+              <a:ext uri="{FF2B5EF4-FFF2-40B4-BE49-F238E27FC236}">
+                <a16:creationId xmlns:a16="http://schemas.microsoft.com/office/drawing/2014/main" id="{ABB30538-D8B2-7F59-1987-7CDA5612B9C4}"/>
+              </a:ext>
+            </a:extLst>
+          </p:cNvPr>
+          <p:cNvPicPr>
+            <a:picLocks noChangeAspect="1"/>
+          </p:cNvPicPr>
+          <p:nvPr/>
+        </p:nvPicPr>
+        <p:blipFill rotWithShape="1">
+          <a:blip r:embed="rId3">
+            <a:extLst>
+              <a:ext uri="{28A0092B-C50C-407E-A947-70E740481C1C}">
+                <a14:useLocalDpi xmlns:a14="http://schemas.microsoft.com/office/drawing/2010/main" val="0"/>
+              </a:ext>
+            </a:extLst>
+          </a:blip>
+          <a:srcRect t="68301" r="12902"/>
+          <a:stretch/>
+        </p:blipFill>
+        <p:spPr>
+          <a:xfrm>
+            <a:off x="165089" y="3628171"/>
+            <a:ext cx="11381870" cy="954056"/>
+          </a:xfrm>
+          <a:prstGeom prst="rect">
+            <a:avLst/>
+          </a:prstGeom>
+        </p:spPr>
+      </p:pic>
+      <p:sp>
+        <p:nvSpPr>
+          <p:cNvPr id="11" name="文本框 10">
+            <a:extLst>
+              <a:ext uri="{FF2B5EF4-FFF2-40B4-BE49-F238E27FC236}">
+                <a16:creationId xmlns:a16="http://schemas.microsoft.com/office/drawing/2014/main" id="{919E4E33-EFC0-328A-6E18-2A678EE62A62}"/>
+              </a:ext>
+            </a:extLst>
+          </p:cNvPr>
+          <p:cNvSpPr txBox="1"/>
+          <p:nvPr/>
+        </p:nvSpPr>
+        <p:spPr>
+          <a:xfrm>
+            <a:off x="542257" y="4949459"/>
+            <a:ext cx="11111025" cy="830997"/>
+          </a:xfrm>
+          <a:prstGeom prst="rect">
+            <a:avLst/>
+          </a:prstGeom>
+          <a:noFill/>
+        </p:spPr>
+        <p:txBody>
+          <a:bodyPr wrap="square">
+            <a:spAutoFit/>
+          </a:bodyPr>
+          <a:lstStyle/>
+          <a:p>
+            <a:pPr algn="just"/>
+            <a:r>
+              <a:rPr lang="zh-CN" altLang="zh-CN" sz="2400" kern="100" dirty="0">
+                <a:effectLst/>
+                <a:latin typeface="微软雅黑" panose="020B0503020204020204" pitchFamily="34" charset="-122"/>
+                <a:ea typeface="微软雅黑" panose="020B0503020204020204" pitchFamily="34" charset="-122"/>
+                <a:cs typeface="Times New Roman" panose="02020603050405020304" pitchFamily="18" charset="0"/>
+              </a:rPr>
+              <a:t>如果两个分量</a:t>
+            </a:r>
+            <a:r>
+              <a:rPr lang="en-US" altLang="zh-CN" sz="2400" kern="100" dirty="0" err="1">
+                <a:effectLst/>
+                <a:latin typeface="微软雅黑" panose="020B0503020204020204" pitchFamily="34" charset="-122"/>
+                <a:ea typeface="微软雅黑" panose="020B0503020204020204" pitchFamily="34" charset="-122"/>
+                <a:cs typeface="Times New Roman" panose="02020603050405020304" pitchFamily="18" charset="0"/>
+              </a:rPr>
+              <a:t>X</a:t>
+            </a:r>
+            <a:r>
+              <a:rPr lang="en-US" altLang="zh-CN" sz="2400" kern="100" baseline="-25000" dirty="0" err="1">
+                <a:effectLst/>
+                <a:latin typeface="微软雅黑" panose="020B0503020204020204" pitchFamily="34" charset="-122"/>
+                <a:ea typeface="微软雅黑" panose="020B0503020204020204" pitchFamily="34" charset="-122"/>
+                <a:cs typeface="Times New Roman" panose="02020603050405020304" pitchFamily="18" charset="0"/>
+              </a:rPr>
+              <a:t>p</a:t>
+            </a:r>
+            <a:r>
+              <a:rPr lang="zh-CN" altLang="zh-CN" sz="2400" kern="100" dirty="0">
+                <a:effectLst/>
+                <a:latin typeface="微软雅黑" panose="020B0503020204020204" pitchFamily="34" charset="-122"/>
+                <a:ea typeface="微软雅黑" panose="020B0503020204020204" pitchFamily="34" charset="-122"/>
+                <a:cs typeface="Times New Roman" panose="02020603050405020304" pitchFamily="18" charset="0"/>
+              </a:rPr>
+              <a:t>和</a:t>
+            </a:r>
+            <a:r>
+              <a:rPr lang="en-US" altLang="zh-CN" sz="2400" kern="100" dirty="0" err="1">
+                <a:effectLst/>
+                <a:latin typeface="微软雅黑" panose="020B0503020204020204" pitchFamily="34" charset="-122"/>
+                <a:ea typeface="微软雅黑" panose="020B0503020204020204" pitchFamily="34" charset="-122"/>
+                <a:cs typeface="Times New Roman" panose="02020603050405020304" pitchFamily="18" charset="0"/>
+              </a:rPr>
+              <a:t>X</a:t>
+            </a:r>
+            <a:r>
+              <a:rPr lang="en-US" altLang="zh-CN" sz="2400" kern="100" baseline="-25000" dirty="0" err="1">
+                <a:effectLst/>
+                <a:latin typeface="微软雅黑" panose="020B0503020204020204" pitchFamily="34" charset="-122"/>
+                <a:ea typeface="微软雅黑" panose="020B0503020204020204" pitchFamily="34" charset="-122"/>
+                <a:cs typeface="Times New Roman" panose="02020603050405020304" pitchFamily="18" charset="0"/>
+              </a:rPr>
+              <a:t>q</a:t>
+            </a:r>
+            <a:r>
+              <a:rPr lang="zh-CN" altLang="zh-CN" sz="2400" kern="100" dirty="0">
+                <a:effectLst/>
+                <a:latin typeface="微软雅黑" panose="020B0503020204020204" pitchFamily="34" charset="-122"/>
+                <a:ea typeface="微软雅黑" panose="020B0503020204020204" pitchFamily="34" charset="-122"/>
+                <a:cs typeface="Times New Roman" panose="02020603050405020304" pitchFamily="18" charset="0"/>
+              </a:rPr>
+              <a:t>是没有关系的，函数对于</a:t>
+            </a:r>
+            <a:r>
+              <a:rPr lang="en-US" altLang="zh-CN" sz="2400" kern="100" dirty="0" err="1">
+                <a:effectLst/>
+                <a:latin typeface="微软雅黑" panose="020B0503020204020204" pitchFamily="34" charset="-122"/>
+                <a:ea typeface="微软雅黑" panose="020B0503020204020204" pitchFamily="34" charset="-122"/>
+                <a:cs typeface="Times New Roman" panose="02020603050405020304" pitchFamily="18" charset="0"/>
+              </a:rPr>
+              <a:t>X</a:t>
+            </a:r>
+            <a:r>
+              <a:rPr lang="en-US" altLang="zh-CN" sz="2400" kern="100" baseline="-25000" dirty="0" err="1">
+                <a:effectLst/>
+                <a:latin typeface="微软雅黑" panose="020B0503020204020204" pitchFamily="34" charset="-122"/>
+                <a:ea typeface="微软雅黑" panose="020B0503020204020204" pitchFamily="34" charset="-122"/>
+                <a:cs typeface="Times New Roman" panose="02020603050405020304" pitchFamily="18" charset="0"/>
+              </a:rPr>
+              <a:t>p</a:t>
+            </a:r>
+            <a:r>
+              <a:rPr lang="zh-CN" altLang="zh-CN" sz="2400" kern="100" dirty="0">
+                <a:effectLst/>
+                <a:latin typeface="微软雅黑" panose="020B0503020204020204" pitchFamily="34" charset="-122"/>
+                <a:ea typeface="微软雅黑" panose="020B0503020204020204" pitchFamily="34" charset="-122"/>
+                <a:cs typeface="Times New Roman" panose="02020603050405020304" pitchFamily="18" charset="0"/>
+              </a:rPr>
+              <a:t>求偏导数，</a:t>
+            </a:r>
+            <a:r>
+              <a:rPr lang="en-US" altLang="zh-CN" sz="2400" kern="100" dirty="0" err="1">
+                <a:effectLst/>
+                <a:latin typeface="微软雅黑" panose="020B0503020204020204" pitchFamily="34" charset="-122"/>
+                <a:ea typeface="微软雅黑" panose="020B0503020204020204" pitchFamily="34" charset="-122"/>
+                <a:cs typeface="Times New Roman" panose="02020603050405020304" pitchFamily="18" charset="0"/>
+              </a:rPr>
+              <a:t>X</a:t>
+            </a:r>
+            <a:r>
+              <a:rPr lang="en-US" altLang="zh-CN" sz="2400" kern="100" baseline="-25000" dirty="0" err="1">
+                <a:effectLst/>
+                <a:latin typeface="微软雅黑" panose="020B0503020204020204" pitchFamily="34" charset="-122"/>
+                <a:ea typeface="微软雅黑" panose="020B0503020204020204" pitchFamily="34" charset="-122"/>
+                <a:cs typeface="Times New Roman" panose="02020603050405020304" pitchFamily="18" charset="0"/>
+              </a:rPr>
+              <a:t>q</a:t>
+            </a:r>
+            <a:r>
+              <a:rPr lang="zh-CN" altLang="zh-CN" sz="2400" kern="100" dirty="0">
+                <a:effectLst/>
+                <a:latin typeface="微软雅黑" panose="020B0503020204020204" pitchFamily="34" charset="-122"/>
+                <a:ea typeface="微软雅黑" panose="020B0503020204020204" pitchFamily="34" charset="-122"/>
+                <a:cs typeface="Times New Roman" panose="02020603050405020304" pitchFamily="18" charset="0"/>
+              </a:rPr>
+              <a:t>对应的项为零，把偏导数公式化简可以得到上面的判别公式。</a:t>
+            </a:r>
+          </a:p>
+        </p:txBody>
+      </p:sp>
+      <p:grpSp>
+        <p:nvGrpSpPr>
+          <p:cNvPr id="2" name="组合 1">
+            <a:extLst>
+              <a:ext uri="{FF2B5EF4-FFF2-40B4-BE49-F238E27FC236}">
+                <a16:creationId xmlns:a16="http://schemas.microsoft.com/office/drawing/2014/main" id="{EFEAB95E-3310-B4C1-1B5A-B479F93E5F01}"/>
+              </a:ext>
+            </a:extLst>
+          </p:cNvPr>
+          <p:cNvGrpSpPr/>
+          <p:nvPr/>
+        </p:nvGrpSpPr>
+        <p:grpSpPr>
+          <a:xfrm>
+            <a:off x="193210" y="258030"/>
+            <a:ext cx="312473" cy="289950"/>
+            <a:chOff x="193210" y="258030"/>
+            <a:chExt cx="312473" cy="289950"/>
+          </a:xfrm>
+        </p:grpSpPr>
+        <p:sp>
+          <p:nvSpPr>
+            <p:cNvPr id="3" name="矩形 2">
+              <a:extLst>
+                <a:ext uri="{FF2B5EF4-FFF2-40B4-BE49-F238E27FC236}">
+                  <a16:creationId xmlns:a16="http://schemas.microsoft.com/office/drawing/2014/main" id="{D7DF50D4-65F0-9111-BE96-009C8930D7CD}"/>
+                </a:ext>
+              </a:extLst>
+            </p:cNvPr>
+            <p:cNvSpPr/>
+            <p:nvPr/>
+          </p:nvSpPr>
+          <p:spPr>
+            <a:xfrm>
+              <a:off x="329917" y="384883"/>
+              <a:ext cx="175766" cy="163097"/>
+            </a:xfrm>
+            <a:prstGeom prst="rect">
+              <a:avLst/>
+            </a:prstGeom>
+            <a:ln>
+              <a:noFill/>
+            </a:ln>
+          </p:spPr>
+          <p:style>
+            <a:lnRef idx="2">
+              <a:schemeClr val="accent1">
+                <a:shade val="50000"/>
+              </a:schemeClr>
+            </a:lnRef>
+            <a:fillRef idx="1">
+              <a:schemeClr val="accent1"/>
+            </a:fillRef>
+            <a:effectRef idx="0">
+              <a:schemeClr val="accent1"/>
+            </a:effectRef>
+            <a:fontRef idx="minor">
+              <a:schemeClr val="lt1"/>
+            </a:fontRef>
+          </p:style>
+          <p:txBody>
+            <a:bodyPr rtlCol="0" anchor="ctr"/>
+            <a:lstStyle/>
+            <a:p>
+              <a:pPr algn="ctr"/>
+              <a:endParaRPr lang="zh-CN" altLang="en-US"/>
+            </a:p>
+          </p:txBody>
+        </p:sp>
+        <p:sp>
+          <p:nvSpPr>
+            <p:cNvPr id="4" name="矩形 3">
+              <a:extLst>
+                <a:ext uri="{FF2B5EF4-FFF2-40B4-BE49-F238E27FC236}">
+                  <a16:creationId xmlns:a16="http://schemas.microsoft.com/office/drawing/2014/main" id="{57721732-5BBF-38DF-E334-AACE4DFE3F5B}"/>
+                </a:ext>
+              </a:extLst>
+            </p:cNvPr>
+            <p:cNvSpPr/>
+            <p:nvPr/>
+          </p:nvSpPr>
+          <p:spPr>
+            <a:xfrm>
+              <a:off x="193210" y="258030"/>
+              <a:ext cx="136707" cy="126853"/>
+            </a:xfrm>
+            <a:prstGeom prst="rect">
+              <a:avLst/>
+            </a:prstGeom>
+            <a:solidFill>
+              <a:schemeClr val="accent1">
+                <a:lumMod val="75000"/>
+              </a:schemeClr>
+            </a:solidFill>
+            <a:ln>
+              <a:noFill/>
+            </a:ln>
+          </p:spPr>
+          <p:style>
+            <a:lnRef idx="2">
+              <a:schemeClr val="accent1">
+                <a:shade val="50000"/>
+              </a:schemeClr>
+            </a:lnRef>
+            <a:fillRef idx="1">
+              <a:schemeClr val="accent1"/>
+            </a:fillRef>
+            <a:effectRef idx="0">
+              <a:schemeClr val="accent1"/>
+            </a:effectRef>
+            <a:fontRef idx="minor">
+              <a:schemeClr val="lt1"/>
+            </a:fontRef>
+          </p:style>
+          <p:txBody>
+            <a:bodyPr rtlCol="0" anchor="ctr"/>
+            <a:lstStyle/>
+            <a:p>
+              <a:pPr algn="ctr"/>
+              <a:endParaRPr lang="zh-CN" altLang="en-US"/>
+            </a:p>
+          </p:txBody>
+        </p:sp>
+      </p:grpSp>
     </p:spTree>
     <p:extLst>
       <p:ext uri="{BB962C8B-B14F-4D97-AF65-F5344CB8AC3E}">
-        <p14:creationId xmlns:p14="http://schemas.microsoft.com/office/powerpoint/2010/main" val="1310167881"/>
+        <p14:creationId xmlns:p14="http://schemas.microsoft.com/office/powerpoint/2010/main" val="144875679"/>
+      </p:ext>
+    </p:extLst>
+  </p:cSld>
+  <p:clrMapOvr>
+    <a:masterClrMapping/>
+  </p:clrMapOvr>
+</p:sld>
+</file>
+
+<file path=ppt/slides/slide8.xml><?xml version="1.0" encoding="utf-8"?>
+<p:sld xmlns:a="http://schemas.openxmlformats.org/drawingml/2006/main" xmlns:r="http://schemas.openxmlformats.org/officeDocument/2006/relationships" xmlns:p="http://schemas.openxmlformats.org/presentationml/2006/main">
+  <p:cSld>
+    <p:spTree>
+      <p:nvGrpSpPr>
+        <p:cNvPr id="1" name=""/>
+        <p:cNvGrpSpPr/>
+        <p:nvPr/>
+      </p:nvGrpSpPr>
+      <p:grpSpPr>
+        <a:xfrm>
+          <a:off x="0" y="0"/>
+          <a:ext cx="0" cy="0"/>
+          <a:chOff x="0" y="0"/>
+          <a:chExt cx="0" cy="0"/>
+        </a:xfrm>
+      </p:grpSpPr>
+      <p:sp>
+        <p:nvSpPr>
+          <p:cNvPr id="17" name="文本框 16">
+            <a:extLst>
+              <a:ext uri="{FF2B5EF4-FFF2-40B4-BE49-F238E27FC236}">
+                <a16:creationId xmlns:a16="http://schemas.microsoft.com/office/drawing/2014/main" id="{5F6CC7AA-0584-7EA6-C21E-39B0CBCBD1A1}"/>
+              </a:ext>
+            </a:extLst>
+          </p:cNvPr>
+          <p:cNvSpPr txBox="1"/>
+          <p:nvPr/>
+        </p:nvSpPr>
+        <p:spPr>
+          <a:xfrm>
+            <a:off x="542259" y="174640"/>
+            <a:ext cx="6023343" cy="461665"/>
+          </a:xfrm>
+          <a:prstGeom prst="rect">
+            <a:avLst/>
+          </a:prstGeom>
+          <a:noFill/>
+        </p:spPr>
+        <p:txBody>
+          <a:bodyPr wrap="square">
+            <a:spAutoFit/>
+          </a:bodyPr>
+          <a:lstStyle/>
+          <a:p>
+            <a:r>
+              <a:rPr lang="en-US" altLang="zh-CN" sz="2400" dirty="0">
+                <a:latin typeface="微软雅黑" panose="020B0503020204020204" pitchFamily="34" charset="-122"/>
+                <a:ea typeface="微软雅黑" panose="020B0503020204020204" pitchFamily="34" charset="-122"/>
+              </a:rPr>
+              <a:t>DG2</a:t>
+            </a:r>
+            <a:r>
+              <a:rPr lang="zh-CN" altLang="en-US" sz="2400" dirty="0">
+                <a:latin typeface="微软雅黑" panose="020B0503020204020204" pitchFamily="34" charset="-122"/>
+                <a:ea typeface="微软雅黑" panose="020B0503020204020204" pitchFamily="34" charset="-122"/>
+              </a:rPr>
+              <a:t>（</a:t>
+            </a:r>
+            <a:r>
+              <a:rPr lang="en-US" altLang="zh-CN" sz="2400" dirty="0">
+                <a:latin typeface="微软雅黑" panose="020B0503020204020204" pitchFamily="34" charset="-122"/>
+                <a:ea typeface="微软雅黑" panose="020B0503020204020204" pitchFamily="34" charset="-122"/>
+              </a:rPr>
+              <a:t>Differential Grouping</a:t>
+            </a:r>
+            <a:r>
+              <a:rPr lang="zh-CN" altLang="en-US" sz="2400" dirty="0">
+                <a:latin typeface="微软雅黑" panose="020B0503020204020204" pitchFamily="34" charset="-122"/>
+                <a:ea typeface="微软雅黑" panose="020B0503020204020204" pitchFamily="34" charset="-122"/>
+              </a:rPr>
+              <a:t>）</a:t>
+            </a:r>
+          </a:p>
+        </p:txBody>
+      </p:sp>
+      <p:sp>
+        <p:nvSpPr>
+          <p:cNvPr id="18" name="矩形 17">
+            <a:extLst>
+              <a:ext uri="{FF2B5EF4-FFF2-40B4-BE49-F238E27FC236}">
+                <a16:creationId xmlns:a16="http://schemas.microsoft.com/office/drawing/2014/main" id="{9040B3CA-C74F-AF35-FE09-FBA47C41B23F}"/>
+              </a:ext>
+            </a:extLst>
+          </p:cNvPr>
+          <p:cNvSpPr/>
+          <p:nvPr/>
+        </p:nvSpPr>
+        <p:spPr>
+          <a:xfrm>
+            <a:off x="542260" y="645546"/>
+            <a:ext cx="7931889" cy="74427"/>
+          </a:xfrm>
+          <a:prstGeom prst="rect">
+            <a:avLst/>
+          </a:prstGeom>
+        </p:spPr>
+        <p:style>
+          <a:lnRef idx="2">
+            <a:schemeClr val="accent1">
+              <a:shade val="50000"/>
+            </a:schemeClr>
+          </a:lnRef>
+          <a:fillRef idx="1">
+            <a:schemeClr val="accent1"/>
+          </a:fillRef>
+          <a:effectRef idx="0">
+            <a:schemeClr val="accent1"/>
+          </a:effectRef>
+          <a:fontRef idx="minor">
+            <a:schemeClr val="lt1"/>
+          </a:fontRef>
+        </p:style>
+        <p:txBody>
+          <a:bodyPr rtlCol="0" anchor="ctr"/>
+          <a:lstStyle/>
+          <a:p>
+            <a:pPr algn="ctr"/>
+            <a:endParaRPr lang="zh-CN" altLang="en-US">
+              <a:latin typeface="微软雅黑" panose="020B0503020204020204" pitchFamily="34" charset="-122"/>
+              <a:ea typeface="微软雅黑" panose="020B0503020204020204" pitchFamily="34" charset="-122"/>
+            </a:endParaRPr>
+          </a:p>
+        </p:txBody>
+      </p:sp>
+      <p:sp>
+        <p:nvSpPr>
+          <p:cNvPr id="9" name="文本框 8">
+            <a:extLst>
+              <a:ext uri="{FF2B5EF4-FFF2-40B4-BE49-F238E27FC236}">
+                <a16:creationId xmlns:a16="http://schemas.microsoft.com/office/drawing/2014/main" id="{D7ACECEA-BE58-9DFB-00D0-80805FB22451}"/>
+              </a:ext>
+            </a:extLst>
+          </p:cNvPr>
+          <p:cNvSpPr txBox="1"/>
+          <p:nvPr/>
+        </p:nvSpPr>
+        <p:spPr>
+          <a:xfrm>
+            <a:off x="5112710" y="6445489"/>
+            <a:ext cx="1966580" cy="369332"/>
+          </a:xfrm>
+          <a:prstGeom prst="rect">
+            <a:avLst/>
+          </a:prstGeom>
+          <a:noFill/>
+        </p:spPr>
+        <p:txBody>
+          <a:bodyPr wrap="square">
+            <a:spAutoFit/>
+          </a:bodyPr>
+          <a:lstStyle/>
+          <a:p>
+            <a:pPr algn="ctr"/>
+            <a:r>
+              <a:rPr lang="en-US" altLang="zh-CN" sz="1800" dirty="0">
+                <a:effectLst/>
+                <a:latin typeface="微软雅黑" panose="020B0503020204020204" pitchFamily="34" charset="-122"/>
+                <a:ea typeface="微软雅黑" panose="020B0503020204020204" pitchFamily="34" charset="-122"/>
+                <a:cs typeface="Times New Roman" panose="02020603050405020304" pitchFamily="18" charset="0"/>
+              </a:rPr>
+              <a:t>DG2</a:t>
+            </a:r>
+            <a:r>
+              <a:rPr lang="zh-CN" altLang="zh-CN" sz="1800" dirty="0">
+                <a:effectLst/>
+                <a:latin typeface="微软雅黑" panose="020B0503020204020204" pitchFamily="34" charset="-122"/>
+                <a:ea typeface="微软雅黑" panose="020B0503020204020204" pitchFamily="34" charset="-122"/>
+                <a:cs typeface="Times New Roman" panose="02020603050405020304" pitchFamily="18" charset="0"/>
+              </a:rPr>
+              <a:t>的</a:t>
+            </a:r>
+            <a:r>
+              <a:rPr lang="zh-CN" altLang="en-US" dirty="0">
+                <a:latin typeface="微软雅黑" panose="020B0503020204020204" pitchFamily="34" charset="-122"/>
+                <a:ea typeface="微软雅黑" panose="020B0503020204020204" pitchFamily="34" charset="-122"/>
+                <a:cs typeface="Times New Roman" panose="02020603050405020304" pitchFamily="18" charset="0"/>
+              </a:rPr>
+              <a:t>分组</a:t>
+            </a:r>
+            <a:r>
+              <a:rPr lang="zh-CN" altLang="zh-CN" sz="1800" dirty="0">
+                <a:effectLst/>
+                <a:latin typeface="微软雅黑" panose="020B0503020204020204" pitchFamily="34" charset="-122"/>
+                <a:ea typeface="微软雅黑" panose="020B0503020204020204" pitchFamily="34" charset="-122"/>
+                <a:cs typeface="Times New Roman" panose="02020603050405020304" pitchFamily="18" charset="0"/>
+              </a:rPr>
+              <a:t>结果</a:t>
+            </a:r>
+            <a:endParaRPr lang="zh-CN" altLang="en-US" dirty="0">
+              <a:latin typeface="微软雅黑" panose="020B0503020204020204" pitchFamily="34" charset="-122"/>
+              <a:ea typeface="微软雅黑" panose="020B0503020204020204" pitchFamily="34" charset="-122"/>
+            </a:endParaRPr>
+          </a:p>
+        </p:txBody>
+      </p:sp>
+      <p:sp>
+        <p:nvSpPr>
+          <p:cNvPr id="10" name="矩形: 圆角 9">
+            <a:extLst>
+              <a:ext uri="{FF2B5EF4-FFF2-40B4-BE49-F238E27FC236}">
+                <a16:creationId xmlns:a16="http://schemas.microsoft.com/office/drawing/2014/main" id="{6C5FD6BF-ED65-EB2B-9F0C-9B2E01FD708E}"/>
+              </a:ext>
+            </a:extLst>
+          </p:cNvPr>
+          <p:cNvSpPr/>
+          <p:nvPr/>
+        </p:nvSpPr>
+        <p:spPr>
+          <a:xfrm>
+            <a:off x="802758" y="1016162"/>
+            <a:ext cx="10586484" cy="5323872"/>
+          </a:xfrm>
+          <a:prstGeom prst="roundRect">
+            <a:avLst>
+              <a:gd name="adj" fmla="val 2887"/>
+            </a:avLst>
+          </a:prstGeom>
+        </p:spPr>
+        <p:style>
+          <a:lnRef idx="1">
+            <a:schemeClr val="accent5"/>
+          </a:lnRef>
+          <a:fillRef idx="2">
+            <a:schemeClr val="accent5"/>
+          </a:fillRef>
+          <a:effectRef idx="1">
+            <a:schemeClr val="accent5"/>
+          </a:effectRef>
+          <a:fontRef idx="minor">
+            <a:schemeClr val="dk1"/>
+          </a:fontRef>
+        </p:style>
+        <p:txBody>
+          <a:bodyPr rtlCol="0" anchor="ctr"/>
+          <a:lstStyle/>
+          <a:p>
+            <a:pPr>
+              <a:lnSpc>
+                <a:spcPct val="120000"/>
+              </a:lnSpc>
+            </a:pPr>
+            <a:r>
+              <a:rPr lang="en-US" altLang="zh-CN" sz="1800" kern="100" dirty="0">
+                <a:effectLst/>
+                <a:latin typeface="微软雅黑" panose="020B0503020204020204" pitchFamily="34" charset="-122"/>
+                <a:ea typeface="微软雅黑" panose="020B0503020204020204" pitchFamily="34" charset="-122"/>
+                <a:cs typeface="Times New Roman" panose="02020603050405020304" pitchFamily="18" charset="0"/>
+              </a:rPr>
+              <a:t>f1 </a:t>
+            </a:r>
+            <a:r>
+              <a:rPr lang="zh-CN" altLang="zh-CN" sz="1800" kern="100" dirty="0">
+                <a:effectLst/>
+                <a:latin typeface="微软雅黑" panose="020B0503020204020204" pitchFamily="34" charset="-122"/>
+                <a:ea typeface="微软雅黑" panose="020B0503020204020204" pitchFamily="34" charset="-122"/>
+                <a:cs typeface="Times New Roman" panose="02020603050405020304" pitchFamily="18" charset="0"/>
+              </a:rPr>
+              <a:t>分出</a:t>
+            </a:r>
+            <a:r>
+              <a:rPr lang="en-US" altLang="zh-CN" sz="1800" kern="100" dirty="0">
+                <a:effectLst/>
+                <a:latin typeface="微软雅黑" panose="020B0503020204020204" pitchFamily="34" charset="-122"/>
+                <a:ea typeface="微软雅黑" panose="020B0503020204020204" pitchFamily="34" charset="-122"/>
+                <a:cs typeface="Times New Roman" panose="02020603050405020304" pitchFamily="18" charset="0"/>
+              </a:rPr>
+              <a:t>1000</a:t>
+            </a:r>
+            <a:r>
+              <a:rPr lang="zh-CN" altLang="zh-CN" sz="1800" kern="100" dirty="0">
+                <a:effectLst/>
+                <a:latin typeface="微软雅黑" panose="020B0503020204020204" pitchFamily="34" charset="-122"/>
+                <a:ea typeface="微软雅黑" panose="020B0503020204020204" pitchFamily="34" charset="-122"/>
+                <a:cs typeface="Times New Roman" panose="02020603050405020304" pitchFamily="18" charset="0"/>
+              </a:rPr>
+              <a:t>组</a:t>
+            </a:r>
+          </a:p>
+          <a:p>
+            <a:pPr>
+              <a:lnSpc>
+                <a:spcPct val="120000"/>
+              </a:lnSpc>
+            </a:pPr>
+            <a:r>
+              <a:rPr lang="en-US" altLang="zh-CN" sz="1800" kern="100" dirty="0">
+                <a:effectLst/>
+                <a:latin typeface="微软雅黑" panose="020B0503020204020204" pitchFamily="34" charset="-122"/>
+                <a:ea typeface="微软雅黑" panose="020B0503020204020204" pitchFamily="34" charset="-122"/>
+                <a:cs typeface="Times New Roman" panose="02020603050405020304" pitchFamily="18" charset="0"/>
+              </a:rPr>
+              <a:t>f2 </a:t>
+            </a:r>
+            <a:r>
+              <a:rPr lang="zh-CN" altLang="zh-CN" sz="1800" kern="100" dirty="0">
+                <a:effectLst/>
+                <a:latin typeface="微软雅黑" panose="020B0503020204020204" pitchFamily="34" charset="-122"/>
+                <a:ea typeface="微软雅黑" panose="020B0503020204020204" pitchFamily="34" charset="-122"/>
+                <a:cs typeface="Times New Roman" panose="02020603050405020304" pitchFamily="18" charset="0"/>
+              </a:rPr>
+              <a:t>分出</a:t>
+            </a:r>
+            <a:r>
+              <a:rPr lang="en-US" altLang="zh-CN" sz="1800" kern="100" dirty="0">
+                <a:effectLst/>
+                <a:latin typeface="微软雅黑" panose="020B0503020204020204" pitchFamily="34" charset="-122"/>
+                <a:ea typeface="微软雅黑" panose="020B0503020204020204" pitchFamily="34" charset="-122"/>
+                <a:cs typeface="Times New Roman" panose="02020603050405020304" pitchFamily="18" charset="0"/>
+              </a:rPr>
+              <a:t>1000</a:t>
+            </a:r>
+            <a:r>
+              <a:rPr lang="zh-CN" altLang="zh-CN" sz="1800" kern="100" dirty="0">
+                <a:effectLst/>
+                <a:latin typeface="微软雅黑" panose="020B0503020204020204" pitchFamily="34" charset="-122"/>
+                <a:ea typeface="微软雅黑" panose="020B0503020204020204" pitchFamily="34" charset="-122"/>
+                <a:cs typeface="Times New Roman" panose="02020603050405020304" pitchFamily="18" charset="0"/>
+              </a:rPr>
+              <a:t>组</a:t>
+            </a:r>
+          </a:p>
+          <a:p>
+            <a:pPr>
+              <a:lnSpc>
+                <a:spcPct val="120000"/>
+              </a:lnSpc>
+            </a:pPr>
+            <a:r>
+              <a:rPr lang="en-US" altLang="zh-CN" sz="1800" kern="100" dirty="0">
+                <a:effectLst/>
+                <a:latin typeface="微软雅黑" panose="020B0503020204020204" pitchFamily="34" charset="-122"/>
+                <a:ea typeface="微软雅黑" panose="020B0503020204020204" pitchFamily="34" charset="-122"/>
+                <a:cs typeface="Times New Roman" panose="02020603050405020304" pitchFamily="18" charset="0"/>
+              </a:rPr>
+              <a:t>f3 </a:t>
+            </a:r>
+            <a:r>
+              <a:rPr lang="zh-CN" altLang="zh-CN" sz="1800" kern="100" dirty="0">
+                <a:effectLst/>
+                <a:latin typeface="微软雅黑" panose="020B0503020204020204" pitchFamily="34" charset="-122"/>
+                <a:ea typeface="微软雅黑" panose="020B0503020204020204" pitchFamily="34" charset="-122"/>
+                <a:cs typeface="Times New Roman" panose="02020603050405020304" pitchFamily="18" charset="0"/>
+              </a:rPr>
+              <a:t>分出</a:t>
+            </a:r>
+            <a:r>
+              <a:rPr lang="en-US" altLang="zh-CN" sz="1800" kern="100" dirty="0">
+                <a:effectLst/>
+                <a:latin typeface="微软雅黑" panose="020B0503020204020204" pitchFamily="34" charset="-122"/>
+                <a:ea typeface="微软雅黑" panose="020B0503020204020204" pitchFamily="34" charset="-122"/>
+                <a:cs typeface="Times New Roman" panose="02020603050405020304" pitchFamily="18" charset="0"/>
+              </a:rPr>
+              <a:t>1</a:t>
+            </a:r>
+            <a:r>
+              <a:rPr lang="zh-CN" altLang="zh-CN" sz="1800" kern="100" dirty="0">
+                <a:effectLst/>
+                <a:latin typeface="微软雅黑" panose="020B0503020204020204" pitchFamily="34" charset="-122"/>
+                <a:ea typeface="微软雅黑" panose="020B0503020204020204" pitchFamily="34" charset="-122"/>
+                <a:cs typeface="Times New Roman" panose="02020603050405020304" pitchFamily="18" charset="0"/>
+              </a:rPr>
+              <a:t>组</a:t>
+            </a:r>
+          </a:p>
+          <a:p>
+            <a:pPr>
+              <a:lnSpc>
+                <a:spcPct val="120000"/>
+              </a:lnSpc>
+            </a:pPr>
+            <a:r>
+              <a:rPr lang="en-US" altLang="zh-CN" sz="1800" kern="100" dirty="0">
+                <a:effectLst/>
+                <a:latin typeface="微软雅黑" panose="020B0503020204020204" pitchFamily="34" charset="-122"/>
+                <a:ea typeface="微软雅黑" panose="020B0503020204020204" pitchFamily="34" charset="-122"/>
+                <a:cs typeface="Times New Roman" panose="02020603050405020304" pitchFamily="18" charset="0"/>
+              </a:rPr>
+              <a:t>f4 </a:t>
+            </a:r>
+            <a:r>
+              <a:rPr lang="zh-CN" altLang="zh-CN" sz="1800" kern="100" dirty="0">
+                <a:effectLst/>
+                <a:latin typeface="微软雅黑" panose="020B0503020204020204" pitchFamily="34" charset="-122"/>
+                <a:ea typeface="微软雅黑" panose="020B0503020204020204" pitchFamily="34" charset="-122"/>
+                <a:cs typeface="Times New Roman" panose="02020603050405020304" pitchFamily="18" charset="0"/>
+              </a:rPr>
+              <a:t>分出</a:t>
+            </a:r>
+            <a:r>
+              <a:rPr lang="en-US" altLang="zh-CN" sz="1800" kern="100" dirty="0">
+                <a:effectLst/>
+                <a:latin typeface="微软雅黑" panose="020B0503020204020204" pitchFamily="34" charset="-122"/>
+                <a:ea typeface="微软雅黑" panose="020B0503020204020204" pitchFamily="34" charset="-122"/>
+                <a:cs typeface="Times New Roman" panose="02020603050405020304" pitchFamily="18" charset="0"/>
+              </a:rPr>
+              <a:t>707</a:t>
+            </a:r>
+            <a:r>
+              <a:rPr lang="zh-CN" altLang="zh-CN" sz="1800" kern="100" dirty="0">
+                <a:effectLst/>
+                <a:latin typeface="微软雅黑" panose="020B0503020204020204" pitchFamily="34" charset="-122"/>
+                <a:ea typeface="微软雅黑" panose="020B0503020204020204" pitchFamily="34" charset="-122"/>
+                <a:cs typeface="Times New Roman" panose="02020603050405020304" pitchFamily="18" charset="0"/>
+              </a:rPr>
+              <a:t>组：</a:t>
+            </a:r>
+            <a:r>
+              <a:rPr lang="en-US" altLang="zh-CN" sz="1800" kern="100" dirty="0">
+                <a:effectLst/>
+                <a:latin typeface="微软雅黑" panose="020B0503020204020204" pitchFamily="34" charset="-122"/>
+                <a:ea typeface="微软雅黑" panose="020B0503020204020204" pitchFamily="34" charset="-122"/>
+                <a:cs typeface="Times New Roman" panose="02020603050405020304" pitchFamily="18" charset="0"/>
+              </a:rPr>
+              <a:t>700</a:t>
+            </a:r>
+            <a:r>
+              <a:rPr lang="zh-CN" altLang="zh-CN" sz="1800" kern="100" dirty="0">
+                <a:effectLst/>
+                <a:latin typeface="微软雅黑" panose="020B0503020204020204" pitchFamily="34" charset="-122"/>
+                <a:ea typeface="微软雅黑" panose="020B0503020204020204" pitchFamily="34" charset="-122"/>
+                <a:cs typeface="Times New Roman" panose="02020603050405020304" pitchFamily="18" charset="0"/>
+              </a:rPr>
+              <a:t>组每组</a:t>
+            </a:r>
+            <a:r>
+              <a:rPr lang="en-US" altLang="zh-CN" sz="1800" kern="100" dirty="0">
+                <a:effectLst/>
+                <a:latin typeface="微软雅黑" panose="020B0503020204020204" pitchFamily="34" charset="-122"/>
+                <a:ea typeface="微软雅黑" panose="020B0503020204020204" pitchFamily="34" charset="-122"/>
+                <a:cs typeface="Times New Roman" panose="02020603050405020304" pitchFamily="18" charset="0"/>
+              </a:rPr>
+              <a:t>1</a:t>
+            </a:r>
+            <a:r>
+              <a:rPr lang="zh-CN" altLang="zh-CN" sz="1800" kern="100" dirty="0">
+                <a:effectLst/>
+                <a:latin typeface="微软雅黑" panose="020B0503020204020204" pitchFamily="34" charset="-122"/>
+                <a:ea typeface="微软雅黑" panose="020B0503020204020204" pitchFamily="34" charset="-122"/>
+                <a:cs typeface="Times New Roman" panose="02020603050405020304" pitchFamily="18" charset="0"/>
+              </a:rPr>
+              <a:t>维，</a:t>
+            </a:r>
+            <a:r>
+              <a:rPr lang="en-US" altLang="zh-CN" sz="1800" kern="100" dirty="0">
+                <a:effectLst/>
+                <a:latin typeface="微软雅黑" panose="020B0503020204020204" pitchFamily="34" charset="-122"/>
+                <a:ea typeface="微软雅黑" panose="020B0503020204020204" pitchFamily="34" charset="-122"/>
+                <a:cs typeface="Times New Roman" panose="02020603050405020304" pitchFamily="18" charset="0"/>
+              </a:rPr>
+              <a:t>1</a:t>
+            </a:r>
+            <a:r>
+              <a:rPr lang="zh-CN" altLang="zh-CN" sz="1800" kern="100" dirty="0">
+                <a:effectLst/>
+                <a:latin typeface="微软雅黑" panose="020B0503020204020204" pitchFamily="34" charset="-122"/>
+                <a:ea typeface="微软雅黑" panose="020B0503020204020204" pitchFamily="34" charset="-122"/>
+                <a:cs typeface="Times New Roman" panose="02020603050405020304" pitchFamily="18" charset="0"/>
+              </a:rPr>
+              <a:t>组</a:t>
+            </a:r>
+            <a:r>
+              <a:rPr lang="en-US" altLang="zh-CN" sz="1800" kern="100" dirty="0">
+                <a:effectLst/>
+                <a:latin typeface="微软雅黑" panose="020B0503020204020204" pitchFamily="34" charset="-122"/>
+                <a:ea typeface="微软雅黑" panose="020B0503020204020204" pitchFamily="34" charset="-122"/>
+                <a:cs typeface="Times New Roman" panose="02020603050405020304" pitchFamily="18" charset="0"/>
+              </a:rPr>
+              <a:t>100</a:t>
+            </a:r>
+            <a:r>
+              <a:rPr lang="zh-CN" altLang="zh-CN" sz="1800" kern="100" dirty="0">
+                <a:effectLst/>
+                <a:latin typeface="微软雅黑" panose="020B0503020204020204" pitchFamily="34" charset="-122"/>
+                <a:ea typeface="微软雅黑" panose="020B0503020204020204" pitchFamily="34" charset="-122"/>
+                <a:cs typeface="Times New Roman" panose="02020603050405020304" pitchFamily="18" charset="0"/>
+              </a:rPr>
+              <a:t>维，</a:t>
+            </a:r>
+            <a:r>
+              <a:rPr lang="en-US" altLang="zh-CN" sz="1800" kern="100" dirty="0">
+                <a:effectLst/>
+                <a:latin typeface="微软雅黑" panose="020B0503020204020204" pitchFamily="34" charset="-122"/>
+                <a:ea typeface="微软雅黑" panose="020B0503020204020204" pitchFamily="34" charset="-122"/>
+                <a:cs typeface="Times New Roman" panose="02020603050405020304" pitchFamily="18" charset="0"/>
+              </a:rPr>
+              <a:t>2</a:t>
+            </a:r>
+            <a:r>
+              <a:rPr lang="zh-CN" altLang="zh-CN" sz="1800" kern="100" dirty="0">
+                <a:effectLst/>
+                <a:latin typeface="微软雅黑" panose="020B0503020204020204" pitchFamily="34" charset="-122"/>
+                <a:ea typeface="微软雅黑" panose="020B0503020204020204" pitchFamily="34" charset="-122"/>
+                <a:cs typeface="Times New Roman" panose="02020603050405020304" pitchFamily="18" charset="0"/>
+              </a:rPr>
+              <a:t>组</a:t>
+            </a:r>
+            <a:r>
+              <a:rPr lang="en-US" altLang="zh-CN" sz="1800" kern="100" dirty="0">
+                <a:effectLst/>
+                <a:latin typeface="微软雅黑" panose="020B0503020204020204" pitchFamily="34" charset="-122"/>
+                <a:ea typeface="微软雅黑" panose="020B0503020204020204" pitchFamily="34" charset="-122"/>
+                <a:cs typeface="Times New Roman" panose="02020603050405020304" pitchFamily="18" charset="0"/>
+              </a:rPr>
+              <a:t>50</a:t>
+            </a:r>
+            <a:r>
+              <a:rPr lang="zh-CN" altLang="zh-CN" sz="1800" kern="100" dirty="0">
+                <a:effectLst/>
+                <a:latin typeface="微软雅黑" panose="020B0503020204020204" pitchFamily="34" charset="-122"/>
+                <a:ea typeface="微软雅黑" panose="020B0503020204020204" pitchFamily="34" charset="-122"/>
+                <a:cs typeface="Times New Roman" panose="02020603050405020304" pitchFamily="18" charset="0"/>
+              </a:rPr>
+              <a:t>维度，</a:t>
+            </a:r>
+            <a:r>
+              <a:rPr lang="en-US" altLang="zh-CN" sz="1800" kern="100" dirty="0">
+                <a:effectLst/>
+                <a:latin typeface="微软雅黑" panose="020B0503020204020204" pitchFamily="34" charset="-122"/>
+                <a:ea typeface="微软雅黑" panose="020B0503020204020204" pitchFamily="34" charset="-122"/>
+                <a:cs typeface="Times New Roman" panose="02020603050405020304" pitchFamily="18" charset="0"/>
+              </a:rPr>
+              <a:t>4</a:t>
+            </a:r>
+            <a:r>
+              <a:rPr lang="zh-CN" altLang="zh-CN" sz="1800" kern="100" dirty="0">
+                <a:effectLst/>
+                <a:latin typeface="微软雅黑" panose="020B0503020204020204" pitchFamily="34" charset="-122"/>
+                <a:ea typeface="微软雅黑" panose="020B0503020204020204" pitchFamily="34" charset="-122"/>
+                <a:cs typeface="Times New Roman" panose="02020603050405020304" pitchFamily="18" charset="0"/>
+              </a:rPr>
+              <a:t>组</a:t>
+            </a:r>
+            <a:r>
+              <a:rPr lang="en-US" altLang="zh-CN" sz="1800" kern="100" dirty="0">
+                <a:effectLst/>
+                <a:latin typeface="微软雅黑" panose="020B0503020204020204" pitchFamily="34" charset="-122"/>
+                <a:ea typeface="微软雅黑" panose="020B0503020204020204" pitchFamily="34" charset="-122"/>
+                <a:cs typeface="Times New Roman" panose="02020603050405020304" pitchFamily="18" charset="0"/>
+              </a:rPr>
+              <a:t>25</a:t>
+            </a:r>
+            <a:r>
+              <a:rPr lang="zh-CN" altLang="zh-CN" sz="1800" kern="100" dirty="0">
+                <a:effectLst/>
+                <a:latin typeface="微软雅黑" panose="020B0503020204020204" pitchFamily="34" charset="-122"/>
+                <a:ea typeface="微软雅黑" panose="020B0503020204020204" pitchFamily="34" charset="-122"/>
+                <a:cs typeface="Times New Roman" panose="02020603050405020304" pitchFamily="18" charset="0"/>
+              </a:rPr>
+              <a:t>维</a:t>
+            </a:r>
+          </a:p>
+          <a:p>
+            <a:pPr>
+              <a:lnSpc>
+                <a:spcPct val="120000"/>
+              </a:lnSpc>
+            </a:pPr>
+            <a:r>
+              <a:rPr lang="en-US" altLang="zh-CN" sz="1800" kern="100" dirty="0">
+                <a:effectLst/>
+                <a:latin typeface="微软雅黑" panose="020B0503020204020204" pitchFamily="34" charset="-122"/>
+                <a:ea typeface="微软雅黑" panose="020B0503020204020204" pitchFamily="34" charset="-122"/>
+                <a:cs typeface="Times New Roman" panose="02020603050405020304" pitchFamily="18" charset="0"/>
+              </a:rPr>
+              <a:t>f5 </a:t>
+            </a:r>
+            <a:r>
+              <a:rPr lang="zh-CN" altLang="zh-CN" sz="1800" kern="100" dirty="0">
+                <a:effectLst/>
+                <a:latin typeface="微软雅黑" panose="020B0503020204020204" pitchFamily="34" charset="-122"/>
+                <a:ea typeface="微软雅黑" panose="020B0503020204020204" pitchFamily="34" charset="-122"/>
+                <a:cs typeface="Times New Roman" panose="02020603050405020304" pitchFamily="18" charset="0"/>
+              </a:rPr>
+              <a:t>分出</a:t>
+            </a:r>
+            <a:r>
+              <a:rPr lang="en-US" altLang="zh-CN" sz="1800" kern="100" dirty="0">
+                <a:effectLst/>
+                <a:latin typeface="微软雅黑" panose="020B0503020204020204" pitchFamily="34" charset="-122"/>
+                <a:ea typeface="微软雅黑" panose="020B0503020204020204" pitchFamily="34" charset="-122"/>
+                <a:cs typeface="Times New Roman" panose="02020603050405020304" pitchFamily="18" charset="0"/>
+              </a:rPr>
+              <a:t>707</a:t>
+            </a:r>
+            <a:r>
+              <a:rPr lang="zh-CN" altLang="zh-CN" sz="1800" kern="100" dirty="0">
+                <a:effectLst/>
+                <a:latin typeface="微软雅黑" panose="020B0503020204020204" pitchFamily="34" charset="-122"/>
+                <a:ea typeface="微软雅黑" panose="020B0503020204020204" pitchFamily="34" charset="-122"/>
+                <a:cs typeface="Times New Roman" panose="02020603050405020304" pitchFamily="18" charset="0"/>
+              </a:rPr>
+              <a:t>组：</a:t>
+            </a:r>
+            <a:r>
+              <a:rPr lang="en-US" altLang="zh-CN" sz="1800" kern="100" dirty="0">
+                <a:effectLst/>
+                <a:latin typeface="微软雅黑" panose="020B0503020204020204" pitchFamily="34" charset="-122"/>
+                <a:ea typeface="微软雅黑" panose="020B0503020204020204" pitchFamily="34" charset="-122"/>
+                <a:cs typeface="Times New Roman" panose="02020603050405020304" pitchFamily="18" charset="0"/>
+              </a:rPr>
+              <a:t>700</a:t>
+            </a:r>
+            <a:r>
+              <a:rPr lang="zh-CN" altLang="zh-CN" sz="1800" kern="100" dirty="0">
+                <a:effectLst/>
+                <a:latin typeface="微软雅黑" panose="020B0503020204020204" pitchFamily="34" charset="-122"/>
+                <a:ea typeface="微软雅黑" panose="020B0503020204020204" pitchFamily="34" charset="-122"/>
+                <a:cs typeface="Times New Roman" panose="02020603050405020304" pitchFamily="18" charset="0"/>
+              </a:rPr>
+              <a:t>组每组</a:t>
+            </a:r>
+            <a:r>
+              <a:rPr lang="en-US" altLang="zh-CN" sz="1800" kern="100" dirty="0">
+                <a:effectLst/>
+                <a:latin typeface="微软雅黑" panose="020B0503020204020204" pitchFamily="34" charset="-122"/>
+                <a:ea typeface="微软雅黑" panose="020B0503020204020204" pitchFamily="34" charset="-122"/>
+                <a:cs typeface="Times New Roman" panose="02020603050405020304" pitchFamily="18" charset="0"/>
+              </a:rPr>
+              <a:t>1</a:t>
+            </a:r>
+            <a:r>
+              <a:rPr lang="zh-CN" altLang="zh-CN" sz="1800" kern="100" dirty="0">
+                <a:effectLst/>
+                <a:latin typeface="微软雅黑" panose="020B0503020204020204" pitchFamily="34" charset="-122"/>
+                <a:ea typeface="微软雅黑" panose="020B0503020204020204" pitchFamily="34" charset="-122"/>
+                <a:cs typeface="Times New Roman" panose="02020603050405020304" pitchFamily="18" charset="0"/>
+              </a:rPr>
+              <a:t>维，</a:t>
+            </a:r>
+            <a:r>
+              <a:rPr lang="en-US" altLang="zh-CN" sz="1800" kern="100" dirty="0">
+                <a:effectLst/>
+                <a:latin typeface="微软雅黑" panose="020B0503020204020204" pitchFamily="34" charset="-122"/>
+                <a:ea typeface="微软雅黑" panose="020B0503020204020204" pitchFamily="34" charset="-122"/>
+                <a:cs typeface="Times New Roman" panose="02020603050405020304" pitchFamily="18" charset="0"/>
+              </a:rPr>
+              <a:t>1</a:t>
+            </a:r>
+            <a:r>
+              <a:rPr lang="zh-CN" altLang="zh-CN" sz="1800" kern="100" dirty="0">
+                <a:effectLst/>
+                <a:latin typeface="微软雅黑" panose="020B0503020204020204" pitchFamily="34" charset="-122"/>
+                <a:ea typeface="微软雅黑" panose="020B0503020204020204" pitchFamily="34" charset="-122"/>
+                <a:cs typeface="Times New Roman" panose="02020603050405020304" pitchFamily="18" charset="0"/>
+              </a:rPr>
+              <a:t>组</a:t>
+            </a:r>
+            <a:r>
+              <a:rPr lang="en-US" altLang="zh-CN" sz="1800" kern="100" dirty="0">
+                <a:effectLst/>
+                <a:latin typeface="微软雅黑" panose="020B0503020204020204" pitchFamily="34" charset="-122"/>
+                <a:ea typeface="微软雅黑" panose="020B0503020204020204" pitchFamily="34" charset="-122"/>
+                <a:cs typeface="Times New Roman" panose="02020603050405020304" pitchFamily="18" charset="0"/>
+              </a:rPr>
+              <a:t>100</a:t>
+            </a:r>
+            <a:r>
+              <a:rPr lang="zh-CN" altLang="zh-CN" sz="1800" kern="100" dirty="0">
+                <a:effectLst/>
+                <a:latin typeface="微软雅黑" panose="020B0503020204020204" pitchFamily="34" charset="-122"/>
+                <a:ea typeface="微软雅黑" panose="020B0503020204020204" pitchFamily="34" charset="-122"/>
+                <a:cs typeface="Times New Roman" panose="02020603050405020304" pitchFamily="18" charset="0"/>
+              </a:rPr>
+              <a:t>维，</a:t>
+            </a:r>
+            <a:r>
+              <a:rPr lang="en-US" altLang="zh-CN" sz="1800" kern="100" dirty="0">
+                <a:effectLst/>
+                <a:latin typeface="微软雅黑" panose="020B0503020204020204" pitchFamily="34" charset="-122"/>
+                <a:ea typeface="微软雅黑" panose="020B0503020204020204" pitchFamily="34" charset="-122"/>
+                <a:cs typeface="Times New Roman" panose="02020603050405020304" pitchFamily="18" charset="0"/>
+              </a:rPr>
+              <a:t>2</a:t>
+            </a:r>
+            <a:r>
+              <a:rPr lang="zh-CN" altLang="zh-CN" sz="1800" kern="100" dirty="0">
+                <a:effectLst/>
+                <a:latin typeface="微软雅黑" panose="020B0503020204020204" pitchFamily="34" charset="-122"/>
+                <a:ea typeface="微软雅黑" panose="020B0503020204020204" pitchFamily="34" charset="-122"/>
+                <a:cs typeface="Times New Roman" panose="02020603050405020304" pitchFamily="18" charset="0"/>
+              </a:rPr>
+              <a:t>组</a:t>
+            </a:r>
+            <a:r>
+              <a:rPr lang="en-US" altLang="zh-CN" sz="1800" kern="100" dirty="0">
+                <a:effectLst/>
+                <a:latin typeface="微软雅黑" panose="020B0503020204020204" pitchFamily="34" charset="-122"/>
+                <a:ea typeface="微软雅黑" panose="020B0503020204020204" pitchFamily="34" charset="-122"/>
+                <a:cs typeface="Times New Roman" panose="02020603050405020304" pitchFamily="18" charset="0"/>
+              </a:rPr>
+              <a:t>50</a:t>
+            </a:r>
+            <a:r>
+              <a:rPr lang="zh-CN" altLang="zh-CN" sz="1800" kern="100" dirty="0">
+                <a:effectLst/>
+                <a:latin typeface="微软雅黑" panose="020B0503020204020204" pitchFamily="34" charset="-122"/>
+                <a:ea typeface="微软雅黑" panose="020B0503020204020204" pitchFamily="34" charset="-122"/>
+                <a:cs typeface="Times New Roman" panose="02020603050405020304" pitchFamily="18" charset="0"/>
+              </a:rPr>
+              <a:t>维度，</a:t>
+            </a:r>
+            <a:r>
+              <a:rPr lang="en-US" altLang="zh-CN" sz="1800" kern="100" dirty="0">
+                <a:effectLst/>
+                <a:latin typeface="微软雅黑" panose="020B0503020204020204" pitchFamily="34" charset="-122"/>
+                <a:ea typeface="微软雅黑" panose="020B0503020204020204" pitchFamily="34" charset="-122"/>
+                <a:cs typeface="Times New Roman" panose="02020603050405020304" pitchFamily="18" charset="0"/>
+              </a:rPr>
+              <a:t>4</a:t>
+            </a:r>
+            <a:r>
+              <a:rPr lang="zh-CN" altLang="zh-CN" sz="1800" kern="100" dirty="0">
+                <a:effectLst/>
+                <a:latin typeface="微软雅黑" panose="020B0503020204020204" pitchFamily="34" charset="-122"/>
+                <a:ea typeface="微软雅黑" panose="020B0503020204020204" pitchFamily="34" charset="-122"/>
+                <a:cs typeface="Times New Roman" panose="02020603050405020304" pitchFamily="18" charset="0"/>
+              </a:rPr>
+              <a:t>组</a:t>
+            </a:r>
+            <a:r>
+              <a:rPr lang="en-US" altLang="zh-CN" sz="1800" kern="100" dirty="0">
+                <a:effectLst/>
+                <a:latin typeface="微软雅黑" panose="020B0503020204020204" pitchFamily="34" charset="-122"/>
+                <a:ea typeface="微软雅黑" panose="020B0503020204020204" pitchFamily="34" charset="-122"/>
+                <a:cs typeface="Times New Roman" panose="02020603050405020304" pitchFamily="18" charset="0"/>
+              </a:rPr>
+              <a:t>25</a:t>
+            </a:r>
+            <a:r>
+              <a:rPr lang="zh-CN" altLang="zh-CN" sz="1800" kern="100" dirty="0">
+                <a:effectLst/>
+                <a:latin typeface="微软雅黑" panose="020B0503020204020204" pitchFamily="34" charset="-122"/>
+                <a:ea typeface="微软雅黑" panose="020B0503020204020204" pitchFamily="34" charset="-122"/>
+                <a:cs typeface="Times New Roman" panose="02020603050405020304" pitchFamily="18" charset="0"/>
+              </a:rPr>
+              <a:t>维</a:t>
+            </a:r>
+          </a:p>
+          <a:p>
+            <a:pPr>
+              <a:lnSpc>
+                <a:spcPct val="120000"/>
+              </a:lnSpc>
+            </a:pPr>
+            <a:r>
+              <a:rPr lang="en-US" altLang="zh-CN" sz="1800" kern="100" dirty="0">
+                <a:effectLst/>
+                <a:latin typeface="微软雅黑" panose="020B0503020204020204" pitchFamily="34" charset="-122"/>
+                <a:ea typeface="微软雅黑" panose="020B0503020204020204" pitchFamily="34" charset="-122"/>
+                <a:cs typeface="Times New Roman" panose="02020603050405020304" pitchFamily="18" charset="0"/>
+              </a:rPr>
+              <a:t>f6 </a:t>
+            </a:r>
+            <a:r>
+              <a:rPr lang="zh-CN" altLang="zh-CN" sz="1800" kern="100" dirty="0">
+                <a:effectLst/>
+                <a:latin typeface="微软雅黑" panose="020B0503020204020204" pitchFamily="34" charset="-122"/>
+                <a:ea typeface="微软雅黑" panose="020B0503020204020204" pitchFamily="34" charset="-122"/>
+                <a:cs typeface="Times New Roman" panose="02020603050405020304" pitchFamily="18" charset="0"/>
+              </a:rPr>
+              <a:t>分出</a:t>
+            </a:r>
+            <a:r>
+              <a:rPr lang="en-US" altLang="zh-CN" sz="1800" kern="100" dirty="0">
+                <a:effectLst/>
+                <a:latin typeface="微软雅黑" panose="020B0503020204020204" pitchFamily="34" charset="-122"/>
+                <a:ea typeface="微软雅黑" panose="020B0503020204020204" pitchFamily="34" charset="-122"/>
+                <a:cs typeface="Times New Roman" panose="02020603050405020304" pitchFamily="18" charset="0"/>
+              </a:rPr>
+              <a:t>8</a:t>
+            </a:r>
+            <a:r>
+              <a:rPr lang="zh-CN" altLang="zh-CN" sz="1800" kern="100" dirty="0">
+                <a:effectLst/>
+                <a:latin typeface="微软雅黑" panose="020B0503020204020204" pitchFamily="34" charset="-122"/>
+                <a:ea typeface="微软雅黑" panose="020B0503020204020204" pitchFamily="34" charset="-122"/>
+                <a:cs typeface="Times New Roman" panose="02020603050405020304" pitchFamily="18" charset="0"/>
+              </a:rPr>
+              <a:t>组：</a:t>
+            </a:r>
+            <a:r>
+              <a:rPr lang="en-US" altLang="zh-CN" sz="1800" kern="100" dirty="0">
+                <a:effectLst/>
+                <a:latin typeface="微软雅黑" panose="020B0503020204020204" pitchFamily="34" charset="-122"/>
+                <a:ea typeface="微软雅黑" panose="020B0503020204020204" pitchFamily="34" charset="-122"/>
+                <a:cs typeface="Times New Roman" panose="02020603050405020304" pitchFamily="18" charset="0"/>
+              </a:rPr>
+              <a:t>1</a:t>
+            </a:r>
+            <a:r>
+              <a:rPr lang="zh-CN" altLang="zh-CN" sz="1800" kern="100" dirty="0">
+                <a:effectLst/>
+                <a:latin typeface="微软雅黑" panose="020B0503020204020204" pitchFamily="34" charset="-122"/>
+                <a:ea typeface="微软雅黑" panose="020B0503020204020204" pitchFamily="34" charset="-122"/>
+                <a:cs typeface="Times New Roman" panose="02020603050405020304" pitchFamily="18" charset="0"/>
+              </a:rPr>
+              <a:t>组</a:t>
+            </a:r>
+            <a:r>
+              <a:rPr lang="en-US" altLang="zh-CN" sz="1800" kern="100" dirty="0">
+                <a:effectLst/>
+                <a:latin typeface="微软雅黑" panose="020B0503020204020204" pitchFamily="34" charset="-122"/>
+                <a:ea typeface="微软雅黑" panose="020B0503020204020204" pitchFamily="34" charset="-122"/>
+                <a:cs typeface="Times New Roman" panose="02020603050405020304" pitchFamily="18" charset="0"/>
+              </a:rPr>
+              <a:t>700</a:t>
+            </a:r>
+            <a:r>
+              <a:rPr lang="zh-CN" altLang="zh-CN" sz="1800" kern="100" dirty="0">
+                <a:effectLst/>
+                <a:latin typeface="微软雅黑" panose="020B0503020204020204" pitchFamily="34" charset="-122"/>
+                <a:ea typeface="微软雅黑" panose="020B0503020204020204" pitchFamily="34" charset="-122"/>
+                <a:cs typeface="Times New Roman" panose="02020603050405020304" pitchFamily="18" charset="0"/>
+              </a:rPr>
+              <a:t>维，</a:t>
+            </a:r>
+            <a:r>
+              <a:rPr lang="en-US" altLang="zh-CN" sz="1800" kern="100" dirty="0">
+                <a:effectLst/>
+                <a:latin typeface="微软雅黑" panose="020B0503020204020204" pitchFamily="34" charset="-122"/>
+                <a:ea typeface="微软雅黑" panose="020B0503020204020204" pitchFamily="34" charset="-122"/>
+                <a:cs typeface="Times New Roman" panose="02020603050405020304" pitchFamily="18" charset="0"/>
+              </a:rPr>
+              <a:t>1</a:t>
+            </a:r>
+            <a:r>
+              <a:rPr lang="zh-CN" altLang="zh-CN" sz="1800" kern="100" dirty="0">
+                <a:effectLst/>
+                <a:latin typeface="微软雅黑" panose="020B0503020204020204" pitchFamily="34" charset="-122"/>
+                <a:ea typeface="微软雅黑" panose="020B0503020204020204" pitchFamily="34" charset="-122"/>
+                <a:cs typeface="Times New Roman" panose="02020603050405020304" pitchFamily="18" charset="0"/>
+              </a:rPr>
+              <a:t>组</a:t>
+            </a:r>
+            <a:r>
+              <a:rPr lang="en-US" altLang="zh-CN" sz="1800" kern="100" dirty="0">
+                <a:effectLst/>
+                <a:latin typeface="微软雅黑" panose="020B0503020204020204" pitchFamily="34" charset="-122"/>
+                <a:ea typeface="微软雅黑" panose="020B0503020204020204" pitchFamily="34" charset="-122"/>
+                <a:cs typeface="Times New Roman" panose="02020603050405020304" pitchFamily="18" charset="0"/>
+              </a:rPr>
+              <a:t>100</a:t>
+            </a:r>
+            <a:r>
+              <a:rPr lang="zh-CN" altLang="zh-CN" sz="1800" kern="100" dirty="0">
+                <a:effectLst/>
+                <a:latin typeface="微软雅黑" panose="020B0503020204020204" pitchFamily="34" charset="-122"/>
+                <a:ea typeface="微软雅黑" panose="020B0503020204020204" pitchFamily="34" charset="-122"/>
+                <a:cs typeface="Times New Roman" panose="02020603050405020304" pitchFamily="18" charset="0"/>
+              </a:rPr>
+              <a:t>维，</a:t>
+            </a:r>
+            <a:r>
+              <a:rPr lang="en-US" altLang="zh-CN" sz="1800" kern="100" dirty="0">
+                <a:effectLst/>
+                <a:latin typeface="微软雅黑" panose="020B0503020204020204" pitchFamily="34" charset="-122"/>
+                <a:ea typeface="微软雅黑" panose="020B0503020204020204" pitchFamily="34" charset="-122"/>
+                <a:cs typeface="Times New Roman" panose="02020603050405020304" pitchFamily="18" charset="0"/>
+              </a:rPr>
+              <a:t>2</a:t>
+            </a:r>
+            <a:r>
+              <a:rPr lang="zh-CN" altLang="zh-CN" sz="1800" kern="100" dirty="0">
+                <a:effectLst/>
+                <a:latin typeface="微软雅黑" panose="020B0503020204020204" pitchFamily="34" charset="-122"/>
+                <a:ea typeface="微软雅黑" panose="020B0503020204020204" pitchFamily="34" charset="-122"/>
+                <a:cs typeface="Times New Roman" panose="02020603050405020304" pitchFamily="18" charset="0"/>
+              </a:rPr>
+              <a:t>组</a:t>
+            </a:r>
+            <a:r>
+              <a:rPr lang="en-US" altLang="zh-CN" sz="1800" kern="100" dirty="0">
+                <a:effectLst/>
+                <a:latin typeface="微软雅黑" panose="020B0503020204020204" pitchFamily="34" charset="-122"/>
+                <a:ea typeface="微软雅黑" panose="020B0503020204020204" pitchFamily="34" charset="-122"/>
+                <a:cs typeface="Times New Roman" panose="02020603050405020304" pitchFamily="18" charset="0"/>
+              </a:rPr>
+              <a:t>50</a:t>
+            </a:r>
+            <a:r>
+              <a:rPr lang="zh-CN" altLang="zh-CN" sz="1800" kern="100" dirty="0">
+                <a:effectLst/>
+                <a:latin typeface="微软雅黑" panose="020B0503020204020204" pitchFamily="34" charset="-122"/>
+                <a:ea typeface="微软雅黑" panose="020B0503020204020204" pitchFamily="34" charset="-122"/>
+                <a:cs typeface="Times New Roman" panose="02020603050405020304" pitchFamily="18" charset="0"/>
+              </a:rPr>
+              <a:t>维度，</a:t>
+            </a:r>
+            <a:r>
+              <a:rPr lang="en-US" altLang="zh-CN" sz="1800" kern="100" dirty="0">
+                <a:effectLst/>
+                <a:latin typeface="微软雅黑" panose="020B0503020204020204" pitchFamily="34" charset="-122"/>
+                <a:ea typeface="微软雅黑" panose="020B0503020204020204" pitchFamily="34" charset="-122"/>
+                <a:cs typeface="Times New Roman" panose="02020603050405020304" pitchFamily="18" charset="0"/>
+              </a:rPr>
+              <a:t>4</a:t>
+            </a:r>
+            <a:r>
+              <a:rPr lang="zh-CN" altLang="zh-CN" sz="1800" kern="100" dirty="0">
+                <a:effectLst/>
+                <a:latin typeface="微软雅黑" panose="020B0503020204020204" pitchFamily="34" charset="-122"/>
+                <a:ea typeface="微软雅黑" panose="020B0503020204020204" pitchFamily="34" charset="-122"/>
+                <a:cs typeface="Times New Roman" panose="02020603050405020304" pitchFamily="18" charset="0"/>
+              </a:rPr>
+              <a:t>组</a:t>
+            </a:r>
+            <a:r>
+              <a:rPr lang="en-US" altLang="zh-CN" sz="1800" kern="100" dirty="0">
+                <a:effectLst/>
+                <a:latin typeface="微软雅黑" panose="020B0503020204020204" pitchFamily="34" charset="-122"/>
+                <a:ea typeface="微软雅黑" panose="020B0503020204020204" pitchFamily="34" charset="-122"/>
+                <a:cs typeface="Times New Roman" panose="02020603050405020304" pitchFamily="18" charset="0"/>
+              </a:rPr>
+              <a:t>25</a:t>
+            </a:r>
+            <a:r>
+              <a:rPr lang="zh-CN" altLang="zh-CN" sz="1800" kern="100" dirty="0">
+                <a:effectLst/>
+                <a:latin typeface="微软雅黑" panose="020B0503020204020204" pitchFamily="34" charset="-122"/>
+                <a:ea typeface="微软雅黑" panose="020B0503020204020204" pitchFamily="34" charset="-122"/>
+                <a:cs typeface="Times New Roman" panose="02020603050405020304" pitchFamily="18" charset="0"/>
+              </a:rPr>
+              <a:t>维</a:t>
+            </a:r>
+          </a:p>
+          <a:p>
+            <a:pPr>
+              <a:lnSpc>
+                <a:spcPct val="120000"/>
+              </a:lnSpc>
+            </a:pPr>
+            <a:r>
+              <a:rPr lang="en-US" altLang="zh-CN" sz="1800" kern="100" dirty="0">
+                <a:effectLst/>
+                <a:latin typeface="微软雅黑" panose="020B0503020204020204" pitchFamily="34" charset="-122"/>
+                <a:ea typeface="微软雅黑" panose="020B0503020204020204" pitchFamily="34" charset="-122"/>
+                <a:cs typeface="Times New Roman" panose="02020603050405020304" pitchFamily="18" charset="0"/>
+              </a:rPr>
+              <a:t>f7 </a:t>
+            </a:r>
+            <a:r>
+              <a:rPr lang="zh-CN" altLang="zh-CN" sz="1800" kern="100" dirty="0">
+                <a:effectLst/>
+                <a:latin typeface="微软雅黑" panose="020B0503020204020204" pitchFamily="34" charset="-122"/>
+                <a:ea typeface="微软雅黑" panose="020B0503020204020204" pitchFamily="34" charset="-122"/>
+                <a:cs typeface="Times New Roman" panose="02020603050405020304" pitchFamily="18" charset="0"/>
+              </a:rPr>
+              <a:t>分出</a:t>
+            </a:r>
+            <a:r>
+              <a:rPr lang="en-US" altLang="zh-CN" sz="1800" kern="100" dirty="0">
+                <a:effectLst/>
+                <a:latin typeface="微软雅黑" panose="020B0503020204020204" pitchFamily="34" charset="-122"/>
+                <a:ea typeface="微软雅黑" panose="020B0503020204020204" pitchFamily="34" charset="-122"/>
+                <a:cs typeface="Times New Roman" panose="02020603050405020304" pitchFamily="18" charset="0"/>
+              </a:rPr>
+              <a:t>706</a:t>
+            </a:r>
+            <a:r>
+              <a:rPr lang="zh-CN" altLang="zh-CN" sz="1800" kern="100" dirty="0">
+                <a:effectLst/>
+                <a:latin typeface="微软雅黑" panose="020B0503020204020204" pitchFamily="34" charset="-122"/>
+                <a:ea typeface="微软雅黑" panose="020B0503020204020204" pitchFamily="34" charset="-122"/>
+                <a:cs typeface="Times New Roman" panose="02020603050405020304" pitchFamily="18" charset="0"/>
+              </a:rPr>
+              <a:t>组：</a:t>
+            </a:r>
+            <a:r>
+              <a:rPr lang="en-US" altLang="zh-CN" sz="1800" kern="100" dirty="0">
+                <a:effectLst/>
+                <a:latin typeface="微软雅黑" panose="020B0503020204020204" pitchFamily="34" charset="-122"/>
+                <a:ea typeface="微软雅黑" panose="020B0503020204020204" pitchFamily="34" charset="-122"/>
+                <a:cs typeface="Times New Roman" panose="02020603050405020304" pitchFamily="18" charset="0"/>
+              </a:rPr>
+              <a:t>700</a:t>
+            </a:r>
+            <a:r>
+              <a:rPr lang="zh-CN" altLang="zh-CN" sz="1800" kern="100" dirty="0">
+                <a:effectLst/>
+                <a:latin typeface="微软雅黑" panose="020B0503020204020204" pitchFamily="34" charset="-122"/>
+                <a:ea typeface="微软雅黑" panose="020B0503020204020204" pitchFamily="34" charset="-122"/>
+                <a:cs typeface="Times New Roman" panose="02020603050405020304" pitchFamily="18" charset="0"/>
+              </a:rPr>
+              <a:t>组每组</a:t>
+            </a:r>
+            <a:r>
+              <a:rPr lang="en-US" altLang="zh-CN" sz="1800" kern="100" dirty="0">
+                <a:effectLst/>
+                <a:latin typeface="微软雅黑" panose="020B0503020204020204" pitchFamily="34" charset="-122"/>
+                <a:ea typeface="微软雅黑" panose="020B0503020204020204" pitchFamily="34" charset="-122"/>
+                <a:cs typeface="Times New Roman" panose="02020603050405020304" pitchFamily="18" charset="0"/>
+              </a:rPr>
+              <a:t>1</a:t>
+            </a:r>
+            <a:r>
+              <a:rPr lang="zh-CN" altLang="zh-CN" sz="1800" kern="100" dirty="0">
+                <a:effectLst/>
+                <a:latin typeface="微软雅黑" panose="020B0503020204020204" pitchFamily="34" charset="-122"/>
+                <a:ea typeface="微软雅黑" panose="020B0503020204020204" pitchFamily="34" charset="-122"/>
+                <a:cs typeface="Times New Roman" panose="02020603050405020304" pitchFamily="18" charset="0"/>
+              </a:rPr>
+              <a:t>维，</a:t>
+            </a:r>
+            <a:r>
+              <a:rPr lang="en-US" altLang="zh-CN" sz="1800" kern="100" dirty="0">
+                <a:effectLst/>
+                <a:latin typeface="微软雅黑" panose="020B0503020204020204" pitchFamily="34" charset="-122"/>
+                <a:ea typeface="微软雅黑" panose="020B0503020204020204" pitchFamily="34" charset="-122"/>
+                <a:cs typeface="Times New Roman" panose="02020603050405020304" pitchFamily="18" charset="0"/>
+              </a:rPr>
+              <a:t>1</a:t>
+            </a:r>
+            <a:r>
+              <a:rPr lang="zh-CN" altLang="zh-CN" sz="1800" kern="100" dirty="0">
+                <a:effectLst/>
+                <a:latin typeface="微软雅黑" panose="020B0503020204020204" pitchFamily="34" charset="-122"/>
+                <a:ea typeface="微软雅黑" panose="020B0503020204020204" pitchFamily="34" charset="-122"/>
+                <a:cs typeface="Times New Roman" panose="02020603050405020304" pitchFamily="18" charset="0"/>
+              </a:rPr>
+              <a:t>组</a:t>
+            </a:r>
+            <a:r>
+              <a:rPr lang="en-US" altLang="zh-CN" sz="1800" kern="100" dirty="0">
+                <a:effectLst/>
+                <a:latin typeface="微软雅黑" panose="020B0503020204020204" pitchFamily="34" charset="-122"/>
+                <a:ea typeface="微软雅黑" panose="020B0503020204020204" pitchFamily="34" charset="-122"/>
+                <a:cs typeface="Times New Roman" panose="02020603050405020304" pitchFamily="18" charset="0"/>
+              </a:rPr>
+              <a:t>150</a:t>
+            </a:r>
+            <a:r>
+              <a:rPr lang="zh-CN" altLang="zh-CN" sz="1800" kern="100" dirty="0">
+                <a:effectLst/>
+                <a:latin typeface="微软雅黑" panose="020B0503020204020204" pitchFamily="34" charset="-122"/>
+                <a:ea typeface="微软雅黑" panose="020B0503020204020204" pitchFamily="34" charset="-122"/>
+                <a:cs typeface="Times New Roman" panose="02020603050405020304" pitchFamily="18" charset="0"/>
+              </a:rPr>
+              <a:t>维，</a:t>
+            </a:r>
+            <a:r>
+              <a:rPr lang="en-US" altLang="zh-CN" sz="1800" kern="100" dirty="0">
+                <a:effectLst/>
+                <a:latin typeface="微软雅黑" panose="020B0503020204020204" pitchFamily="34" charset="-122"/>
+                <a:ea typeface="微软雅黑" panose="020B0503020204020204" pitchFamily="34" charset="-122"/>
+                <a:cs typeface="Times New Roman" panose="02020603050405020304" pitchFamily="18" charset="0"/>
+              </a:rPr>
+              <a:t>1</a:t>
+            </a:r>
+            <a:r>
+              <a:rPr lang="zh-CN" altLang="zh-CN" sz="1800" kern="100" dirty="0">
+                <a:effectLst/>
+                <a:latin typeface="微软雅黑" panose="020B0503020204020204" pitchFamily="34" charset="-122"/>
+                <a:ea typeface="微软雅黑" panose="020B0503020204020204" pitchFamily="34" charset="-122"/>
+                <a:cs typeface="Times New Roman" panose="02020603050405020304" pitchFamily="18" charset="0"/>
+              </a:rPr>
+              <a:t>组</a:t>
+            </a:r>
+            <a:r>
+              <a:rPr lang="en-US" altLang="zh-CN" sz="1800" kern="100" dirty="0">
+                <a:effectLst/>
+                <a:latin typeface="微软雅黑" panose="020B0503020204020204" pitchFamily="34" charset="-122"/>
+                <a:ea typeface="微软雅黑" panose="020B0503020204020204" pitchFamily="34" charset="-122"/>
+                <a:cs typeface="Times New Roman" panose="02020603050405020304" pitchFamily="18" charset="0"/>
+              </a:rPr>
+              <a:t>50</a:t>
+            </a:r>
+            <a:r>
+              <a:rPr lang="zh-CN" altLang="zh-CN" sz="1800" kern="100" dirty="0">
+                <a:effectLst/>
+                <a:latin typeface="微软雅黑" panose="020B0503020204020204" pitchFamily="34" charset="-122"/>
+                <a:ea typeface="微软雅黑" panose="020B0503020204020204" pitchFamily="34" charset="-122"/>
+                <a:cs typeface="Times New Roman" panose="02020603050405020304" pitchFamily="18" charset="0"/>
+              </a:rPr>
+              <a:t>维度，</a:t>
+            </a:r>
+            <a:r>
+              <a:rPr lang="en-US" altLang="zh-CN" sz="1800" kern="100" dirty="0">
+                <a:effectLst/>
+                <a:latin typeface="微软雅黑" panose="020B0503020204020204" pitchFamily="34" charset="-122"/>
+                <a:ea typeface="微软雅黑" panose="020B0503020204020204" pitchFamily="34" charset="-122"/>
+                <a:cs typeface="Times New Roman" panose="02020603050405020304" pitchFamily="18" charset="0"/>
+              </a:rPr>
+              <a:t>4</a:t>
+            </a:r>
+            <a:r>
+              <a:rPr lang="zh-CN" altLang="zh-CN" sz="1800" kern="100" dirty="0">
+                <a:effectLst/>
+                <a:latin typeface="微软雅黑" panose="020B0503020204020204" pitchFamily="34" charset="-122"/>
+                <a:ea typeface="微软雅黑" panose="020B0503020204020204" pitchFamily="34" charset="-122"/>
+                <a:cs typeface="Times New Roman" panose="02020603050405020304" pitchFamily="18" charset="0"/>
+              </a:rPr>
+              <a:t>组每组</a:t>
+            </a:r>
+            <a:r>
+              <a:rPr lang="en-US" altLang="zh-CN" sz="1800" kern="100" dirty="0">
+                <a:effectLst/>
+                <a:latin typeface="微软雅黑" panose="020B0503020204020204" pitchFamily="34" charset="-122"/>
+                <a:ea typeface="微软雅黑" panose="020B0503020204020204" pitchFamily="34" charset="-122"/>
+                <a:cs typeface="Times New Roman" panose="02020603050405020304" pitchFamily="18" charset="0"/>
+              </a:rPr>
+              <a:t>25</a:t>
+            </a:r>
+            <a:r>
+              <a:rPr lang="zh-CN" altLang="zh-CN" sz="1800" kern="100" dirty="0">
+                <a:effectLst/>
+                <a:latin typeface="微软雅黑" panose="020B0503020204020204" pitchFamily="34" charset="-122"/>
+                <a:ea typeface="微软雅黑" panose="020B0503020204020204" pitchFamily="34" charset="-122"/>
+                <a:cs typeface="Times New Roman" panose="02020603050405020304" pitchFamily="18" charset="0"/>
+              </a:rPr>
+              <a:t>维</a:t>
+            </a:r>
+          </a:p>
+          <a:p>
+            <a:pPr>
+              <a:lnSpc>
+                <a:spcPct val="120000"/>
+              </a:lnSpc>
+            </a:pPr>
+            <a:r>
+              <a:rPr lang="en-US" altLang="zh-CN" sz="1800" kern="100" dirty="0">
+                <a:effectLst/>
+                <a:latin typeface="微软雅黑" panose="020B0503020204020204" pitchFamily="34" charset="-122"/>
+                <a:ea typeface="微软雅黑" panose="020B0503020204020204" pitchFamily="34" charset="-122"/>
+                <a:cs typeface="Times New Roman" panose="02020603050405020304" pitchFamily="18" charset="0"/>
+              </a:rPr>
+              <a:t>f8 </a:t>
+            </a:r>
+            <a:r>
+              <a:rPr lang="zh-CN" altLang="zh-CN" sz="1800" kern="100" dirty="0">
+                <a:effectLst/>
+                <a:latin typeface="微软雅黑" panose="020B0503020204020204" pitchFamily="34" charset="-122"/>
+                <a:ea typeface="微软雅黑" panose="020B0503020204020204" pitchFamily="34" charset="-122"/>
+                <a:cs typeface="Times New Roman" panose="02020603050405020304" pitchFamily="18" charset="0"/>
+              </a:rPr>
+              <a:t>分出</a:t>
+            </a:r>
+            <a:r>
+              <a:rPr lang="en-US" altLang="zh-CN" sz="1800" kern="100" dirty="0">
+                <a:effectLst/>
+                <a:latin typeface="微软雅黑" panose="020B0503020204020204" pitchFamily="34" charset="-122"/>
+                <a:ea typeface="微软雅黑" panose="020B0503020204020204" pitchFamily="34" charset="-122"/>
+                <a:cs typeface="Times New Roman" panose="02020603050405020304" pitchFamily="18" charset="0"/>
+              </a:rPr>
+              <a:t>208</a:t>
+            </a:r>
+            <a:r>
+              <a:rPr lang="zh-CN" altLang="zh-CN" sz="1800" kern="100" dirty="0">
+                <a:effectLst/>
+                <a:latin typeface="微软雅黑" panose="020B0503020204020204" pitchFamily="34" charset="-122"/>
+                <a:ea typeface="微软雅黑" panose="020B0503020204020204" pitchFamily="34" charset="-122"/>
+                <a:cs typeface="Times New Roman" panose="02020603050405020304" pitchFamily="18" charset="0"/>
+              </a:rPr>
+              <a:t>组：</a:t>
+            </a:r>
+            <a:r>
+              <a:rPr lang="en-US" altLang="zh-CN" sz="1800" kern="100" dirty="0">
+                <a:effectLst/>
+                <a:latin typeface="微软雅黑" panose="020B0503020204020204" pitchFamily="34" charset="-122"/>
+                <a:ea typeface="微软雅黑" panose="020B0503020204020204" pitchFamily="34" charset="-122"/>
+                <a:cs typeface="Times New Roman" panose="02020603050405020304" pitchFamily="18" charset="0"/>
+              </a:rPr>
+              <a:t>3</a:t>
+            </a:r>
+            <a:r>
+              <a:rPr lang="zh-CN" altLang="zh-CN" sz="1800" kern="100" dirty="0">
+                <a:effectLst/>
+                <a:latin typeface="微软雅黑" panose="020B0503020204020204" pitchFamily="34" charset="-122"/>
+                <a:ea typeface="微软雅黑" panose="020B0503020204020204" pitchFamily="34" charset="-122"/>
+                <a:cs typeface="Times New Roman" panose="02020603050405020304" pitchFamily="18" charset="0"/>
+              </a:rPr>
+              <a:t>组每组</a:t>
+            </a:r>
+            <a:r>
+              <a:rPr lang="en-US" altLang="zh-CN" sz="1800" kern="100" dirty="0">
+                <a:effectLst/>
+                <a:latin typeface="微软雅黑" panose="020B0503020204020204" pitchFamily="34" charset="-122"/>
+                <a:ea typeface="微软雅黑" panose="020B0503020204020204" pitchFamily="34" charset="-122"/>
+                <a:cs typeface="Times New Roman" panose="02020603050405020304" pitchFamily="18" charset="0"/>
+              </a:rPr>
+              <a:t>100</a:t>
+            </a:r>
+            <a:r>
+              <a:rPr lang="zh-CN" altLang="zh-CN" sz="1800" kern="100" dirty="0">
+                <a:effectLst/>
+                <a:latin typeface="微软雅黑" panose="020B0503020204020204" pitchFamily="34" charset="-122"/>
+                <a:ea typeface="微软雅黑" panose="020B0503020204020204" pitchFamily="34" charset="-122"/>
+                <a:cs typeface="Times New Roman" panose="02020603050405020304" pitchFamily="18" charset="0"/>
+              </a:rPr>
+              <a:t>维度，</a:t>
+            </a:r>
+            <a:r>
+              <a:rPr lang="en-US" altLang="zh-CN" sz="1800" kern="100" dirty="0">
+                <a:effectLst/>
+                <a:latin typeface="微软雅黑" panose="020B0503020204020204" pitchFamily="34" charset="-122"/>
+                <a:ea typeface="微软雅黑" panose="020B0503020204020204" pitchFamily="34" charset="-122"/>
+                <a:cs typeface="Times New Roman" panose="02020603050405020304" pitchFamily="18" charset="0"/>
+              </a:rPr>
+              <a:t>5</a:t>
+            </a:r>
+            <a:r>
+              <a:rPr lang="zh-CN" altLang="zh-CN" sz="1800" kern="100" dirty="0">
+                <a:effectLst/>
+                <a:latin typeface="微软雅黑" panose="020B0503020204020204" pitchFamily="34" charset="-122"/>
+                <a:ea typeface="微软雅黑" panose="020B0503020204020204" pitchFamily="34" charset="-122"/>
+                <a:cs typeface="Times New Roman" panose="02020603050405020304" pitchFamily="18" charset="0"/>
+              </a:rPr>
+              <a:t>组每组</a:t>
+            </a:r>
+            <a:r>
+              <a:rPr lang="en-US" altLang="zh-CN" sz="1800" kern="100" dirty="0">
+                <a:effectLst/>
+                <a:latin typeface="微软雅黑" panose="020B0503020204020204" pitchFamily="34" charset="-122"/>
+                <a:ea typeface="微软雅黑" panose="020B0503020204020204" pitchFamily="34" charset="-122"/>
+                <a:cs typeface="Times New Roman" panose="02020603050405020304" pitchFamily="18" charset="0"/>
+              </a:rPr>
+              <a:t>50</a:t>
+            </a:r>
+            <a:r>
+              <a:rPr lang="zh-CN" altLang="zh-CN" sz="1800" kern="100" dirty="0">
+                <a:effectLst/>
+                <a:latin typeface="微软雅黑" panose="020B0503020204020204" pitchFamily="34" charset="-122"/>
+                <a:ea typeface="微软雅黑" panose="020B0503020204020204" pitchFamily="34" charset="-122"/>
+                <a:cs typeface="Times New Roman" panose="02020603050405020304" pitchFamily="18" charset="0"/>
+              </a:rPr>
+              <a:t>维，</a:t>
+            </a:r>
+            <a:r>
+              <a:rPr lang="en-US" altLang="zh-CN" sz="1800" kern="100" dirty="0">
+                <a:effectLst/>
+                <a:latin typeface="微软雅黑" panose="020B0503020204020204" pitchFamily="34" charset="-122"/>
+                <a:ea typeface="微软雅黑" panose="020B0503020204020204" pitchFamily="34" charset="-122"/>
+                <a:cs typeface="Times New Roman" panose="02020603050405020304" pitchFamily="18" charset="0"/>
+              </a:rPr>
+              <a:t>10</a:t>
+            </a:r>
+            <a:r>
+              <a:rPr lang="zh-CN" altLang="zh-CN" sz="1800" kern="100" dirty="0">
+                <a:effectLst/>
+                <a:latin typeface="微软雅黑" panose="020B0503020204020204" pitchFamily="34" charset="-122"/>
+                <a:ea typeface="微软雅黑" panose="020B0503020204020204" pitchFamily="34" charset="-122"/>
+                <a:cs typeface="Times New Roman" panose="02020603050405020304" pitchFamily="18" charset="0"/>
+              </a:rPr>
+              <a:t>组每组</a:t>
+            </a:r>
+            <a:r>
+              <a:rPr lang="en-US" altLang="zh-CN" sz="1800" kern="100" dirty="0">
+                <a:effectLst/>
+                <a:latin typeface="微软雅黑" panose="020B0503020204020204" pitchFamily="34" charset="-122"/>
+                <a:ea typeface="微软雅黑" panose="020B0503020204020204" pitchFamily="34" charset="-122"/>
+                <a:cs typeface="Times New Roman" panose="02020603050405020304" pitchFamily="18" charset="0"/>
+              </a:rPr>
+              <a:t>25</a:t>
+            </a:r>
+            <a:r>
+              <a:rPr lang="zh-CN" altLang="zh-CN" sz="1800" kern="100" dirty="0">
+                <a:effectLst/>
+                <a:latin typeface="微软雅黑" panose="020B0503020204020204" pitchFamily="34" charset="-122"/>
+                <a:ea typeface="微软雅黑" panose="020B0503020204020204" pitchFamily="34" charset="-122"/>
+                <a:cs typeface="Times New Roman" panose="02020603050405020304" pitchFamily="18" charset="0"/>
+              </a:rPr>
+              <a:t>维，</a:t>
+            </a:r>
+            <a:r>
+              <a:rPr lang="en-US" altLang="zh-CN" sz="1800" kern="100" dirty="0">
+                <a:effectLst/>
+                <a:latin typeface="微软雅黑" panose="020B0503020204020204" pitchFamily="34" charset="-122"/>
+                <a:ea typeface="微软雅黑" panose="020B0503020204020204" pitchFamily="34" charset="-122"/>
+                <a:cs typeface="Times New Roman" panose="02020603050405020304" pitchFamily="18" charset="0"/>
+              </a:rPr>
+              <a:t>10</a:t>
+            </a:r>
+            <a:r>
+              <a:rPr lang="zh-CN" altLang="zh-CN" sz="1800" kern="100" dirty="0">
+                <a:effectLst/>
+                <a:latin typeface="微软雅黑" panose="020B0503020204020204" pitchFamily="34" charset="-122"/>
+                <a:ea typeface="微软雅黑" panose="020B0503020204020204" pitchFamily="34" charset="-122"/>
+                <a:cs typeface="Times New Roman" panose="02020603050405020304" pitchFamily="18" charset="0"/>
+              </a:rPr>
+              <a:t>组每组</a:t>
+            </a:r>
+            <a:r>
+              <a:rPr lang="en-US" altLang="zh-CN" sz="1800" kern="100" dirty="0">
+                <a:effectLst/>
+                <a:latin typeface="微软雅黑" panose="020B0503020204020204" pitchFamily="34" charset="-122"/>
+                <a:ea typeface="微软雅黑" panose="020B0503020204020204" pitchFamily="34" charset="-122"/>
+                <a:cs typeface="Times New Roman" panose="02020603050405020304" pitchFamily="18" charset="0"/>
+              </a:rPr>
+              <a:t>2</a:t>
+            </a:r>
+            <a:r>
+              <a:rPr lang="zh-CN" altLang="zh-CN" sz="1800" kern="100" dirty="0">
+                <a:effectLst/>
+                <a:latin typeface="微软雅黑" panose="020B0503020204020204" pitchFamily="34" charset="-122"/>
+                <a:ea typeface="微软雅黑" panose="020B0503020204020204" pitchFamily="34" charset="-122"/>
+                <a:cs typeface="Times New Roman" panose="02020603050405020304" pitchFamily="18" charset="0"/>
+              </a:rPr>
+              <a:t>维，</a:t>
+            </a:r>
+            <a:r>
+              <a:rPr lang="en-US" altLang="zh-CN" sz="1800" kern="100" dirty="0">
+                <a:effectLst/>
+                <a:latin typeface="微软雅黑" panose="020B0503020204020204" pitchFamily="34" charset="-122"/>
+                <a:ea typeface="微软雅黑" panose="020B0503020204020204" pitchFamily="34" charset="-122"/>
+                <a:cs typeface="Times New Roman" panose="02020603050405020304" pitchFamily="18" charset="0"/>
+              </a:rPr>
+              <a:t>180</a:t>
+            </a:r>
+            <a:r>
+              <a:rPr lang="zh-CN" altLang="zh-CN" sz="1800" kern="100" dirty="0">
+                <a:effectLst/>
+                <a:latin typeface="微软雅黑" panose="020B0503020204020204" pitchFamily="34" charset="-122"/>
+                <a:ea typeface="微软雅黑" panose="020B0503020204020204" pitchFamily="34" charset="-122"/>
+                <a:cs typeface="Times New Roman" panose="02020603050405020304" pitchFamily="18" charset="0"/>
+              </a:rPr>
+              <a:t>组每组</a:t>
+            </a:r>
+            <a:r>
+              <a:rPr lang="en-US" altLang="zh-CN" sz="1800" kern="100" dirty="0">
+                <a:effectLst/>
+                <a:latin typeface="微软雅黑" panose="020B0503020204020204" pitchFamily="34" charset="-122"/>
+                <a:ea typeface="微软雅黑" panose="020B0503020204020204" pitchFamily="34" charset="-122"/>
+                <a:cs typeface="Times New Roman" panose="02020603050405020304" pitchFamily="18" charset="0"/>
+              </a:rPr>
+              <a:t>1</a:t>
+            </a:r>
+            <a:r>
+              <a:rPr lang="zh-CN" altLang="zh-CN" sz="1800" kern="100" dirty="0">
+                <a:effectLst/>
+                <a:latin typeface="微软雅黑" panose="020B0503020204020204" pitchFamily="34" charset="-122"/>
+                <a:ea typeface="微软雅黑" panose="020B0503020204020204" pitchFamily="34" charset="-122"/>
+                <a:cs typeface="Times New Roman" panose="02020603050405020304" pitchFamily="18" charset="0"/>
+              </a:rPr>
+              <a:t>维</a:t>
+            </a:r>
+          </a:p>
+          <a:p>
+            <a:pPr>
+              <a:lnSpc>
+                <a:spcPct val="120000"/>
+              </a:lnSpc>
+            </a:pPr>
+            <a:r>
+              <a:rPr lang="en-US" altLang="zh-CN" sz="1800" kern="100" dirty="0">
+                <a:effectLst/>
+                <a:latin typeface="微软雅黑" panose="020B0503020204020204" pitchFamily="34" charset="-122"/>
+                <a:ea typeface="微软雅黑" panose="020B0503020204020204" pitchFamily="34" charset="-122"/>
+                <a:cs typeface="Times New Roman" panose="02020603050405020304" pitchFamily="18" charset="0"/>
+              </a:rPr>
+              <a:t>f9 </a:t>
+            </a:r>
+            <a:r>
+              <a:rPr lang="zh-CN" altLang="zh-CN" sz="1800" kern="100" dirty="0">
+                <a:effectLst/>
+                <a:latin typeface="微软雅黑" panose="020B0503020204020204" pitchFamily="34" charset="-122"/>
+                <a:ea typeface="微软雅黑" panose="020B0503020204020204" pitchFamily="34" charset="-122"/>
+                <a:cs typeface="Times New Roman" panose="02020603050405020304" pitchFamily="18" charset="0"/>
+              </a:rPr>
+              <a:t>分出</a:t>
+            </a:r>
+            <a:r>
+              <a:rPr lang="en-US" altLang="zh-CN" sz="1800" kern="100" dirty="0">
+                <a:effectLst/>
+                <a:latin typeface="微软雅黑" panose="020B0503020204020204" pitchFamily="34" charset="-122"/>
+                <a:ea typeface="微软雅黑" panose="020B0503020204020204" pitchFamily="34" charset="-122"/>
+                <a:cs typeface="Times New Roman" panose="02020603050405020304" pitchFamily="18" charset="0"/>
+              </a:rPr>
+              <a:t>19</a:t>
+            </a:r>
+            <a:r>
+              <a:rPr lang="zh-CN" altLang="zh-CN" sz="1800" kern="100" dirty="0">
+                <a:effectLst/>
+                <a:latin typeface="微软雅黑" panose="020B0503020204020204" pitchFamily="34" charset="-122"/>
+                <a:ea typeface="微软雅黑" panose="020B0503020204020204" pitchFamily="34" charset="-122"/>
+                <a:cs typeface="Times New Roman" panose="02020603050405020304" pitchFamily="18" charset="0"/>
+              </a:rPr>
+              <a:t>组：</a:t>
+            </a:r>
+            <a:r>
+              <a:rPr lang="en-US" altLang="zh-CN" sz="1800" kern="100" dirty="0">
+                <a:effectLst/>
+                <a:latin typeface="微软雅黑" panose="020B0503020204020204" pitchFamily="34" charset="-122"/>
+                <a:ea typeface="微软雅黑" panose="020B0503020204020204" pitchFamily="34" charset="-122"/>
+                <a:cs typeface="Times New Roman" panose="02020603050405020304" pitchFamily="18" charset="0"/>
+              </a:rPr>
+              <a:t>1</a:t>
+            </a:r>
+            <a:r>
+              <a:rPr lang="zh-CN" altLang="zh-CN" sz="1800" kern="100" dirty="0">
+                <a:effectLst/>
+                <a:latin typeface="微软雅黑" panose="020B0503020204020204" pitchFamily="34" charset="-122"/>
+                <a:ea typeface="微软雅黑" panose="020B0503020204020204" pitchFamily="34" charset="-122"/>
+                <a:cs typeface="Times New Roman" panose="02020603050405020304" pitchFamily="18" charset="0"/>
+              </a:rPr>
+              <a:t>组</a:t>
+            </a:r>
+            <a:r>
+              <a:rPr lang="en-US" altLang="zh-CN" sz="1800" kern="100" dirty="0">
+                <a:effectLst/>
+                <a:latin typeface="微软雅黑" panose="020B0503020204020204" pitchFamily="34" charset="-122"/>
+                <a:ea typeface="微软雅黑" panose="020B0503020204020204" pitchFamily="34" charset="-122"/>
+                <a:cs typeface="Times New Roman" panose="02020603050405020304" pitchFamily="18" charset="0"/>
+              </a:rPr>
+              <a:t>150</a:t>
+            </a:r>
+            <a:r>
+              <a:rPr lang="zh-CN" altLang="zh-CN" sz="1800" kern="100" dirty="0">
+                <a:effectLst/>
+                <a:latin typeface="微软雅黑" panose="020B0503020204020204" pitchFamily="34" charset="-122"/>
+                <a:ea typeface="微软雅黑" panose="020B0503020204020204" pitchFamily="34" charset="-122"/>
+                <a:cs typeface="Times New Roman" panose="02020603050405020304" pitchFamily="18" charset="0"/>
+              </a:rPr>
+              <a:t>维，</a:t>
+            </a:r>
+            <a:r>
+              <a:rPr lang="en-US" altLang="zh-CN" sz="1800" kern="100" dirty="0">
+                <a:effectLst/>
+                <a:latin typeface="微软雅黑" panose="020B0503020204020204" pitchFamily="34" charset="-122"/>
+                <a:ea typeface="微软雅黑" panose="020B0503020204020204" pitchFamily="34" charset="-122"/>
+                <a:cs typeface="Times New Roman" panose="02020603050405020304" pitchFamily="18" charset="0"/>
+              </a:rPr>
+              <a:t>4</a:t>
+            </a:r>
+            <a:r>
+              <a:rPr lang="zh-CN" altLang="zh-CN" sz="1800" kern="100" dirty="0">
+                <a:effectLst/>
+                <a:latin typeface="微软雅黑" panose="020B0503020204020204" pitchFamily="34" charset="-122"/>
+                <a:ea typeface="微软雅黑" panose="020B0503020204020204" pitchFamily="34" charset="-122"/>
+                <a:cs typeface="Times New Roman" panose="02020603050405020304" pitchFamily="18" charset="0"/>
+              </a:rPr>
+              <a:t>组每组</a:t>
+            </a:r>
+            <a:r>
+              <a:rPr lang="en-US" altLang="zh-CN" sz="1800" kern="100" dirty="0">
+                <a:effectLst/>
+                <a:latin typeface="微软雅黑" panose="020B0503020204020204" pitchFamily="34" charset="-122"/>
+                <a:ea typeface="微软雅黑" panose="020B0503020204020204" pitchFamily="34" charset="-122"/>
+                <a:cs typeface="Times New Roman" panose="02020603050405020304" pitchFamily="18" charset="0"/>
+              </a:rPr>
+              <a:t>100</a:t>
+            </a:r>
+            <a:r>
+              <a:rPr lang="zh-CN" altLang="zh-CN" sz="1800" kern="100" dirty="0">
+                <a:effectLst/>
+                <a:latin typeface="微软雅黑" panose="020B0503020204020204" pitchFamily="34" charset="-122"/>
+                <a:ea typeface="微软雅黑" panose="020B0503020204020204" pitchFamily="34" charset="-122"/>
+                <a:cs typeface="Times New Roman" panose="02020603050405020304" pitchFamily="18" charset="0"/>
+              </a:rPr>
+              <a:t>维，</a:t>
+            </a:r>
+            <a:r>
+              <a:rPr lang="en-US" altLang="zh-CN" sz="1800" kern="100" dirty="0">
+                <a:effectLst/>
+                <a:latin typeface="微软雅黑" panose="020B0503020204020204" pitchFamily="34" charset="-122"/>
+                <a:ea typeface="微软雅黑" panose="020B0503020204020204" pitchFamily="34" charset="-122"/>
+                <a:cs typeface="Times New Roman" panose="02020603050405020304" pitchFamily="18" charset="0"/>
+              </a:rPr>
+              <a:t>4</a:t>
+            </a:r>
+            <a:r>
+              <a:rPr lang="zh-CN" altLang="zh-CN" sz="1800" kern="100" dirty="0">
+                <a:effectLst/>
+                <a:latin typeface="微软雅黑" panose="020B0503020204020204" pitchFamily="34" charset="-122"/>
+                <a:ea typeface="微软雅黑" panose="020B0503020204020204" pitchFamily="34" charset="-122"/>
+                <a:cs typeface="Times New Roman" panose="02020603050405020304" pitchFamily="18" charset="0"/>
+              </a:rPr>
+              <a:t>组每组</a:t>
+            </a:r>
+            <a:r>
+              <a:rPr lang="en-US" altLang="zh-CN" sz="1800" kern="100" dirty="0">
+                <a:effectLst/>
+                <a:latin typeface="微软雅黑" panose="020B0503020204020204" pitchFamily="34" charset="-122"/>
+                <a:ea typeface="微软雅黑" panose="020B0503020204020204" pitchFamily="34" charset="-122"/>
+                <a:cs typeface="Times New Roman" panose="02020603050405020304" pitchFamily="18" charset="0"/>
+              </a:rPr>
+              <a:t>50</a:t>
+            </a:r>
+            <a:r>
+              <a:rPr lang="zh-CN" altLang="zh-CN" sz="1800" kern="100" dirty="0">
+                <a:effectLst/>
+                <a:latin typeface="微软雅黑" panose="020B0503020204020204" pitchFamily="34" charset="-122"/>
+                <a:ea typeface="微软雅黑" panose="020B0503020204020204" pitchFamily="34" charset="-122"/>
+                <a:cs typeface="Times New Roman" panose="02020603050405020304" pitchFamily="18" charset="0"/>
+              </a:rPr>
+              <a:t>维，</a:t>
+            </a:r>
+            <a:r>
+              <a:rPr lang="en-US" altLang="zh-CN" sz="1800" kern="100" dirty="0">
+                <a:effectLst/>
+                <a:latin typeface="微软雅黑" panose="020B0503020204020204" pitchFamily="34" charset="-122"/>
+                <a:ea typeface="微软雅黑" panose="020B0503020204020204" pitchFamily="34" charset="-122"/>
+                <a:cs typeface="Times New Roman" panose="02020603050405020304" pitchFamily="18" charset="0"/>
+              </a:rPr>
+              <a:t>10</a:t>
+            </a:r>
+            <a:r>
+              <a:rPr lang="zh-CN" altLang="zh-CN" sz="1800" kern="100" dirty="0">
+                <a:effectLst/>
+                <a:latin typeface="微软雅黑" panose="020B0503020204020204" pitchFamily="34" charset="-122"/>
+                <a:ea typeface="微软雅黑" panose="020B0503020204020204" pitchFamily="34" charset="-122"/>
+                <a:cs typeface="Times New Roman" panose="02020603050405020304" pitchFamily="18" charset="0"/>
+              </a:rPr>
+              <a:t>组每组</a:t>
+            </a:r>
+            <a:r>
+              <a:rPr lang="en-US" altLang="zh-CN" sz="1800" kern="100" dirty="0">
+                <a:effectLst/>
+                <a:latin typeface="微软雅黑" panose="020B0503020204020204" pitchFamily="34" charset="-122"/>
+                <a:ea typeface="微软雅黑" panose="020B0503020204020204" pitchFamily="34" charset="-122"/>
+                <a:cs typeface="Times New Roman" panose="02020603050405020304" pitchFamily="18" charset="0"/>
+              </a:rPr>
+              <a:t>25</a:t>
+            </a:r>
+            <a:r>
+              <a:rPr lang="zh-CN" altLang="zh-CN" sz="1800" kern="100" dirty="0">
+                <a:effectLst/>
+                <a:latin typeface="微软雅黑" panose="020B0503020204020204" pitchFamily="34" charset="-122"/>
+                <a:ea typeface="微软雅黑" panose="020B0503020204020204" pitchFamily="34" charset="-122"/>
+                <a:cs typeface="Times New Roman" panose="02020603050405020304" pitchFamily="18" charset="0"/>
+              </a:rPr>
+              <a:t>维度</a:t>
+            </a:r>
+          </a:p>
+          <a:p>
+            <a:pPr>
+              <a:lnSpc>
+                <a:spcPct val="120000"/>
+              </a:lnSpc>
+            </a:pPr>
+            <a:r>
+              <a:rPr lang="en-US" altLang="zh-CN" sz="1800" kern="100" dirty="0">
+                <a:effectLst/>
+                <a:latin typeface="微软雅黑" panose="020B0503020204020204" pitchFamily="34" charset="-122"/>
+                <a:ea typeface="微软雅黑" panose="020B0503020204020204" pitchFamily="34" charset="-122"/>
+                <a:cs typeface="Times New Roman" panose="02020603050405020304" pitchFamily="18" charset="0"/>
+              </a:rPr>
+              <a:t>f10</a:t>
+            </a:r>
+            <a:r>
+              <a:rPr lang="zh-CN" altLang="zh-CN" sz="1800" kern="100" dirty="0">
+                <a:effectLst/>
+                <a:latin typeface="微软雅黑" panose="020B0503020204020204" pitchFamily="34" charset="-122"/>
+                <a:ea typeface="微软雅黑" panose="020B0503020204020204" pitchFamily="34" charset="-122"/>
+                <a:cs typeface="Times New Roman" panose="02020603050405020304" pitchFamily="18" charset="0"/>
+              </a:rPr>
+              <a:t>分出</a:t>
+            </a:r>
+            <a:r>
+              <a:rPr lang="en-US" altLang="zh-CN" sz="1800" kern="100" dirty="0">
+                <a:effectLst/>
+                <a:latin typeface="微软雅黑" panose="020B0503020204020204" pitchFamily="34" charset="-122"/>
+                <a:ea typeface="微软雅黑" panose="020B0503020204020204" pitchFamily="34" charset="-122"/>
+                <a:cs typeface="Times New Roman" panose="02020603050405020304" pitchFamily="18" charset="0"/>
+              </a:rPr>
+              <a:t>20</a:t>
+            </a:r>
+            <a:r>
+              <a:rPr lang="zh-CN" altLang="zh-CN" sz="1800" kern="100" dirty="0">
+                <a:effectLst/>
+                <a:latin typeface="微软雅黑" panose="020B0503020204020204" pitchFamily="34" charset="-122"/>
+                <a:ea typeface="微软雅黑" panose="020B0503020204020204" pitchFamily="34" charset="-122"/>
+                <a:cs typeface="Times New Roman" panose="02020603050405020304" pitchFamily="18" charset="0"/>
+              </a:rPr>
+              <a:t>组：</a:t>
+            </a:r>
+            <a:r>
+              <a:rPr lang="en-US" altLang="zh-CN" sz="1800" kern="100" dirty="0">
+                <a:effectLst/>
+                <a:latin typeface="微软雅黑" panose="020B0503020204020204" pitchFamily="34" charset="-122"/>
+                <a:ea typeface="微软雅黑" panose="020B0503020204020204" pitchFamily="34" charset="-122"/>
+                <a:cs typeface="Times New Roman" panose="02020603050405020304" pitchFamily="18" charset="0"/>
+              </a:rPr>
+              <a:t>5</a:t>
+            </a:r>
+            <a:r>
+              <a:rPr lang="zh-CN" altLang="zh-CN" sz="1800" kern="100" dirty="0">
+                <a:effectLst/>
+                <a:latin typeface="微软雅黑" panose="020B0503020204020204" pitchFamily="34" charset="-122"/>
+                <a:ea typeface="微软雅黑" panose="020B0503020204020204" pitchFamily="34" charset="-122"/>
+                <a:cs typeface="Times New Roman" panose="02020603050405020304" pitchFamily="18" charset="0"/>
+              </a:rPr>
+              <a:t>组每组</a:t>
+            </a:r>
+            <a:r>
+              <a:rPr lang="en-US" altLang="zh-CN" sz="1800" kern="100" dirty="0">
+                <a:effectLst/>
+                <a:latin typeface="微软雅黑" panose="020B0503020204020204" pitchFamily="34" charset="-122"/>
+                <a:ea typeface="微软雅黑" panose="020B0503020204020204" pitchFamily="34" charset="-122"/>
+                <a:cs typeface="Times New Roman" panose="02020603050405020304" pitchFamily="18" charset="0"/>
+              </a:rPr>
+              <a:t>100</a:t>
+            </a:r>
+            <a:r>
+              <a:rPr lang="zh-CN" altLang="zh-CN" sz="1800" kern="100" dirty="0">
+                <a:effectLst/>
+                <a:latin typeface="微软雅黑" panose="020B0503020204020204" pitchFamily="34" charset="-122"/>
+                <a:ea typeface="微软雅黑" panose="020B0503020204020204" pitchFamily="34" charset="-122"/>
+                <a:cs typeface="Times New Roman" panose="02020603050405020304" pitchFamily="18" charset="0"/>
+              </a:rPr>
+              <a:t>维，</a:t>
+            </a:r>
+            <a:r>
+              <a:rPr lang="en-US" altLang="zh-CN" sz="1800" kern="100" dirty="0">
+                <a:effectLst/>
+                <a:latin typeface="微软雅黑" panose="020B0503020204020204" pitchFamily="34" charset="-122"/>
+                <a:ea typeface="微软雅黑" panose="020B0503020204020204" pitchFamily="34" charset="-122"/>
+                <a:cs typeface="Times New Roman" panose="02020603050405020304" pitchFamily="18" charset="0"/>
+              </a:rPr>
+              <a:t>5</a:t>
+            </a:r>
+            <a:r>
+              <a:rPr lang="zh-CN" altLang="zh-CN" sz="1800" kern="100" dirty="0">
+                <a:effectLst/>
+                <a:latin typeface="微软雅黑" panose="020B0503020204020204" pitchFamily="34" charset="-122"/>
+                <a:ea typeface="微软雅黑" panose="020B0503020204020204" pitchFamily="34" charset="-122"/>
+                <a:cs typeface="Times New Roman" panose="02020603050405020304" pitchFamily="18" charset="0"/>
+              </a:rPr>
+              <a:t>组每组</a:t>
+            </a:r>
+            <a:r>
+              <a:rPr lang="en-US" altLang="zh-CN" sz="1800" kern="100" dirty="0">
+                <a:effectLst/>
+                <a:latin typeface="微软雅黑" panose="020B0503020204020204" pitchFamily="34" charset="-122"/>
+                <a:ea typeface="微软雅黑" panose="020B0503020204020204" pitchFamily="34" charset="-122"/>
+                <a:cs typeface="Times New Roman" panose="02020603050405020304" pitchFamily="18" charset="0"/>
+              </a:rPr>
+              <a:t>50</a:t>
+            </a:r>
+            <a:r>
+              <a:rPr lang="zh-CN" altLang="zh-CN" sz="1800" kern="100" dirty="0">
+                <a:effectLst/>
+                <a:latin typeface="微软雅黑" panose="020B0503020204020204" pitchFamily="34" charset="-122"/>
+                <a:ea typeface="微软雅黑" panose="020B0503020204020204" pitchFamily="34" charset="-122"/>
+                <a:cs typeface="Times New Roman" panose="02020603050405020304" pitchFamily="18" charset="0"/>
+              </a:rPr>
+              <a:t>维，</a:t>
+            </a:r>
+            <a:r>
+              <a:rPr lang="en-US" altLang="zh-CN" sz="1800" kern="100" dirty="0">
+                <a:effectLst/>
+                <a:latin typeface="微软雅黑" panose="020B0503020204020204" pitchFamily="34" charset="-122"/>
+                <a:ea typeface="微软雅黑" panose="020B0503020204020204" pitchFamily="34" charset="-122"/>
+                <a:cs typeface="Times New Roman" panose="02020603050405020304" pitchFamily="18" charset="0"/>
+              </a:rPr>
+              <a:t>10</a:t>
+            </a:r>
+            <a:r>
+              <a:rPr lang="zh-CN" altLang="zh-CN" sz="1800" kern="100" dirty="0">
+                <a:effectLst/>
+                <a:latin typeface="微软雅黑" panose="020B0503020204020204" pitchFamily="34" charset="-122"/>
+                <a:ea typeface="微软雅黑" panose="020B0503020204020204" pitchFamily="34" charset="-122"/>
+                <a:cs typeface="Times New Roman" panose="02020603050405020304" pitchFamily="18" charset="0"/>
+              </a:rPr>
+              <a:t>组每组</a:t>
+            </a:r>
+            <a:r>
+              <a:rPr lang="en-US" altLang="zh-CN" sz="1800" kern="100" dirty="0">
+                <a:effectLst/>
+                <a:latin typeface="微软雅黑" panose="020B0503020204020204" pitchFamily="34" charset="-122"/>
+                <a:ea typeface="微软雅黑" panose="020B0503020204020204" pitchFamily="34" charset="-122"/>
+                <a:cs typeface="Times New Roman" panose="02020603050405020304" pitchFamily="18" charset="0"/>
+              </a:rPr>
+              <a:t>25</a:t>
+            </a:r>
+            <a:r>
+              <a:rPr lang="zh-CN" altLang="zh-CN" sz="1800" kern="100" dirty="0">
+                <a:effectLst/>
+                <a:latin typeface="微软雅黑" panose="020B0503020204020204" pitchFamily="34" charset="-122"/>
+                <a:ea typeface="微软雅黑" panose="020B0503020204020204" pitchFamily="34" charset="-122"/>
+                <a:cs typeface="Times New Roman" panose="02020603050405020304" pitchFamily="18" charset="0"/>
+              </a:rPr>
+              <a:t>维</a:t>
+            </a:r>
+          </a:p>
+          <a:p>
+            <a:pPr>
+              <a:lnSpc>
+                <a:spcPct val="120000"/>
+              </a:lnSpc>
+            </a:pPr>
+            <a:r>
+              <a:rPr lang="en-US" altLang="zh-CN" sz="1800" kern="100" dirty="0">
+                <a:effectLst/>
+                <a:latin typeface="微软雅黑" panose="020B0503020204020204" pitchFamily="34" charset="-122"/>
+                <a:ea typeface="微软雅黑" panose="020B0503020204020204" pitchFamily="34" charset="-122"/>
+                <a:cs typeface="Times New Roman" panose="02020603050405020304" pitchFamily="18" charset="0"/>
+              </a:rPr>
+              <a:t>f11</a:t>
+            </a:r>
+            <a:r>
+              <a:rPr lang="zh-CN" altLang="zh-CN" sz="1800" kern="100" dirty="0">
+                <a:effectLst/>
+                <a:latin typeface="微软雅黑" panose="020B0503020204020204" pitchFamily="34" charset="-122"/>
+                <a:ea typeface="微软雅黑" panose="020B0503020204020204" pitchFamily="34" charset="-122"/>
+                <a:cs typeface="Times New Roman" panose="02020603050405020304" pitchFamily="18" charset="0"/>
+              </a:rPr>
+              <a:t>分出</a:t>
+            </a:r>
+            <a:r>
+              <a:rPr lang="en-US" altLang="zh-CN" sz="1800" kern="100" dirty="0">
+                <a:effectLst/>
+                <a:latin typeface="微软雅黑" panose="020B0503020204020204" pitchFamily="34" charset="-122"/>
+                <a:ea typeface="微软雅黑" panose="020B0503020204020204" pitchFamily="34" charset="-122"/>
+                <a:cs typeface="Times New Roman" panose="02020603050405020304" pitchFamily="18" charset="0"/>
+              </a:rPr>
+              <a:t>19</a:t>
+            </a:r>
+            <a:r>
+              <a:rPr lang="zh-CN" altLang="zh-CN" sz="1800" kern="100" dirty="0">
+                <a:effectLst/>
+                <a:latin typeface="微软雅黑" panose="020B0503020204020204" pitchFamily="34" charset="-122"/>
+                <a:ea typeface="微软雅黑" panose="020B0503020204020204" pitchFamily="34" charset="-122"/>
+                <a:cs typeface="Times New Roman" panose="02020603050405020304" pitchFamily="18" charset="0"/>
+              </a:rPr>
+              <a:t>组：</a:t>
+            </a:r>
+            <a:r>
+              <a:rPr lang="en-US" altLang="zh-CN" sz="1800" kern="100" dirty="0">
+                <a:effectLst/>
+                <a:latin typeface="微软雅黑" panose="020B0503020204020204" pitchFamily="34" charset="-122"/>
+                <a:ea typeface="微软雅黑" panose="020B0503020204020204" pitchFamily="34" charset="-122"/>
+                <a:cs typeface="Times New Roman" panose="02020603050405020304" pitchFamily="18" charset="0"/>
+              </a:rPr>
+              <a:t>4</a:t>
+            </a:r>
+            <a:r>
+              <a:rPr lang="zh-CN" altLang="zh-CN" sz="1800" kern="100" dirty="0">
+                <a:effectLst/>
+                <a:latin typeface="微软雅黑" panose="020B0503020204020204" pitchFamily="34" charset="-122"/>
+                <a:ea typeface="微软雅黑" panose="020B0503020204020204" pitchFamily="34" charset="-122"/>
+                <a:cs typeface="Times New Roman" panose="02020603050405020304" pitchFamily="18" charset="0"/>
+              </a:rPr>
+              <a:t>组每组</a:t>
+            </a:r>
+            <a:r>
+              <a:rPr lang="en-US" altLang="zh-CN" sz="1800" kern="100" dirty="0">
+                <a:effectLst/>
+                <a:latin typeface="微软雅黑" panose="020B0503020204020204" pitchFamily="34" charset="-122"/>
+                <a:ea typeface="微软雅黑" panose="020B0503020204020204" pitchFamily="34" charset="-122"/>
+                <a:cs typeface="Times New Roman" panose="02020603050405020304" pitchFamily="18" charset="0"/>
+              </a:rPr>
+              <a:t>100</a:t>
+            </a:r>
+            <a:r>
+              <a:rPr lang="zh-CN" altLang="zh-CN" sz="1800" kern="100" dirty="0">
+                <a:effectLst/>
+                <a:latin typeface="微软雅黑" panose="020B0503020204020204" pitchFamily="34" charset="-122"/>
+                <a:ea typeface="微软雅黑" panose="020B0503020204020204" pitchFamily="34" charset="-122"/>
+                <a:cs typeface="Times New Roman" panose="02020603050405020304" pitchFamily="18" charset="0"/>
+              </a:rPr>
+              <a:t>维，</a:t>
+            </a:r>
+            <a:r>
+              <a:rPr lang="en-US" altLang="zh-CN" sz="1800" kern="100" dirty="0">
+                <a:effectLst/>
+                <a:latin typeface="微软雅黑" panose="020B0503020204020204" pitchFamily="34" charset="-122"/>
+                <a:ea typeface="微软雅黑" panose="020B0503020204020204" pitchFamily="34" charset="-122"/>
+                <a:cs typeface="Times New Roman" panose="02020603050405020304" pitchFamily="18" charset="0"/>
+              </a:rPr>
+              <a:t>1</a:t>
+            </a:r>
+            <a:r>
+              <a:rPr lang="zh-CN" altLang="zh-CN" sz="1800" kern="100" dirty="0">
+                <a:effectLst/>
+                <a:latin typeface="微软雅黑" panose="020B0503020204020204" pitchFamily="34" charset="-122"/>
+                <a:ea typeface="微软雅黑" panose="020B0503020204020204" pitchFamily="34" charset="-122"/>
+                <a:cs typeface="Times New Roman" panose="02020603050405020304" pitchFamily="18" charset="0"/>
+              </a:rPr>
+              <a:t>组</a:t>
+            </a:r>
+            <a:r>
+              <a:rPr lang="en-US" altLang="zh-CN" sz="1800" kern="100" dirty="0">
+                <a:effectLst/>
+                <a:latin typeface="微软雅黑" panose="020B0503020204020204" pitchFamily="34" charset="-122"/>
+                <a:ea typeface="微软雅黑" panose="020B0503020204020204" pitchFamily="34" charset="-122"/>
+                <a:cs typeface="Times New Roman" panose="02020603050405020304" pitchFamily="18" charset="0"/>
+              </a:rPr>
+              <a:t>125</a:t>
+            </a:r>
+            <a:r>
+              <a:rPr lang="zh-CN" altLang="zh-CN" sz="1800" kern="100" dirty="0">
+                <a:effectLst/>
+                <a:latin typeface="微软雅黑" panose="020B0503020204020204" pitchFamily="34" charset="-122"/>
+                <a:ea typeface="微软雅黑" panose="020B0503020204020204" pitchFamily="34" charset="-122"/>
+                <a:cs typeface="Times New Roman" panose="02020603050405020304" pitchFamily="18" charset="0"/>
+              </a:rPr>
+              <a:t>维，</a:t>
+            </a:r>
+            <a:r>
+              <a:rPr lang="en-US" altLang="zh-CN" sz="1800" kern="100" dirty="0">
+                <a:effectLst/>
+                <a:latin typeface="微软雅黑" panose="020B0503020204020204" pitchFamily="34" charset="-122"/>
+                <a:ea typeface="微软雅黑" panose="020B0503020204020204" pitchFamily="34" charset="-122"/>
+                <a:cs typeface="Times New Roman" panose="02020603050405020304" pitchFamily="18" charset="0"/>
+              </a:rPr>
+              <a:t>9</a:t>
+            </a:r>
+            <a:r>
+              <a:rPr lang="zh-CN" altLang="zh-CN" sz="1800" kern="100" dirty="0">
+                <a:effectLst/>
+                <a:latin typeface="微软雅黑" panose="020B0503020204020204" pitchFamily="34" charset="-122"/>
+                <a:ea typeface="微软雅黑" panose="020B0503020204020204" pitchFamily="34" charset="-122"/>
+                <a:cs typeface="Times New Roman" panose="02020603050405020304" pitchFamily="18" charset="0"/>
+              </a:rPr>
+              <a:t>组每组</a:t>
+            </a:r>
+            <a:r>
+              <a:rPr lang="en-US" altLang="zh-CN" sz="1800" kern="100" dirty="0">
+                <a:effectLst/>
+                <a:latin typeface="微软雅黑" panose="020B0503020204020204" pitchFamily="34" charset="-122"/>
+                <a:ea typeface="微软雅黑" panose="020B0503020204020204" pitchFamily="34" charset="-122"/>
+                <a:cs typeface="Times New Roman" panose="02020603050405020304" pitchFamily="18" charset="0"/>
+              </a:rPr>
+              <a:t>25</a:t>
+            </a:r>
+            <a:r>
+              <a:rPr lang="zh-CN" altLang="zh-CN" sz="1800" kern="100" dirty="0">
+                <a:effectLst/>
+                <a:latin typeface="微软雅黑" panose="020B0503020204020204" pitchFamily="34" charset="-122"/>
+                <a:ea typeface="微软雅黑" panose="020B0503020204020204" pitchFamily="34" charset="-122"/>
+                <a:cs typeface="Times New Roman" panose="02020603050405020304" pitchFamily="18" charset="0"/>
+              </a:rPr>
+              <a:t>维度，</a:t>
+            </a:r>
+            <a:r>
+              <a:rPr lang="en-US" altLang="zh-CN" sz="1800" kern="100" dirty="0">
+                <a:effectLst/>
+                <a:latin typeface="微软雅黑" panose="020B0503020204020204" pitchFamily="34" charset="-122"/>
+                <a:ea typeface="微软雅黑" panose="020B0503020204020204" pitchFamily="34" charset="-122"/>
+                <a:cs typeface="Times New Roman" panose="02020603050405020304" pitchFamily="18" charset="0"/>
+              </a:rPr>
+              <a:t>5</a:t>
+            </a:r>
+            <a:r>
+              <a:rPr lang="zh-CN" altLang="zh-CN" sz="1800" kern="100" dirty="0">
+                <a:effectLst/>
+                <a:latin typeface="微软雅黑" panose="020B0503020204020204" pitchFamily="34" charset="-122"/>
+                <a:ea typeface="微软雅黑" panose="020B0503020204020204" pitchFamily="34" charset="-122"/>
+                <a:cs typeface="Times New Roman" panose="02020603050405020304" pitchFamily="18" charset="0"/>
+              </a:rPr>
+              <a:t>组每组</a:t>
+            </a:r>
+            <a:r>
+              <a:rPr lang="en-US" altLang="zh-CN" sz="1800" kern="100" dirty="0">
+                <a:effectLst/>
+                <a:latin typeface="微软雅黑" panose="020B0503020204020204" pitchFamily="34" charset="-122"/>
+                <a:ea typeface="微软雅黑" panose="020B0503020204020204" pitchFamily="34" charset="-122"/>
+                <a:cs typeface="Times New Roman" panose="02020603050405020304" pitchFamily="18" charset="0"/>
+              </a:rPr>
+              <a:t>50</a:t>
+            </a:r>
+            <a:r>
+              <a:rPr lang="zh-CN" altLang="zh-CN" sz="1800" kern="100" dirty="0">
+                <a:effectLst/>
+                <a:latin typeface="微软雅黑" panose="020B0503020204020204" pitchFamily="34" charset="-122"/>
+                <a:ea typeface="微软雅黑" panose="020B0503020204020204" pitchFamily="34" charset="-122"/>
+                <a:cs typeface="Times New Roman" panose="02020603050405020304" pitchFamily="18" charset="0"/>
+              </a:rPr>
+              <a:t>维</a:t>
+            </a:r>
+          </a:p>
+          <a:p>
+            <a:pPr>
+              <a:lnSpc>
+                <a:spcPct val="120000"/>
+              </a:lnSpc>
+            </a:pPr>
+            <a:r>
+              <a:rPr lang="en-US" altLang="zh-CN" sz="1800" kern="100" dirty="0">
+                <a:effectLst/>
+                <a:latin typeface="微软雅黑" panose="020B0503020204020204" pitchFamily="34" charset="-122"/>
+                <a:ea typeface="微软雅黑" panose="020B0503020204020204" pitchFamily="34" charset="-122"/>
+                <a:cs typeface="Times New Roman" panose="02020603050405020304" pitchFamily="18" charset="0"/>
+              </a:rPr>
+              <a:t>f12</a:t>
+            </a:r>
+            <a:r>
+              <a:rPr lang="zh-CN" altLang="zh-CN" sz="1800" kern="100" dirty="0">
+                <a:effectLst/>
+                <a:latin typeface="微软雅黑" panose="020B0503020204020204" pitchFamily="34" charset="-122"/>
+                <a:ea typeface="微软雅黑" panose="020B0503020204020204" pitchFamily="34" charset="-122"/>
+                <a:cs typeface="Times New Roman" panose="02020603050405020304" pitchFamily="18" charset="0"/>
+              </a:rPr>
+              <a:t>分出</a:t>
+            </a:r>
+            <a:r>
+              <a:rPr lang="en-US" altLang="zh-CN" sz="1800" kern="100" dirty="0">
+                <a:effectLst/>
+                <a:latin typeface="微软雅黑" panose="020B0503020204020204" pitchFamily="34" charset="-122"/>
+                <a:ea typeface="微软雅黑" panose="020B0503020204020204" pitchFamily="34" charset="-122"/>
+                <a:cs typeface="Times New Roman" panose="02020603050405020304" pitchFamily="18" charset="0"/>
+              </a:rPr>
+              <a:t>1</a:t>
+            </a:r>
+            <a:r>
+              <a:rPr lang="zh-CN" altLang="zh-CN" sz="1800" kern="100" dirty="0">
+                <a:effectLst/>
+                <a:latin typeface="微软雅黑" panose="020B0503020204020204" pitchFamily="34" charset="-122"/>
+                <a:ea typeface="微软雅黑" panose="020B0503020204020204" pitchFamily="34" charset="-122"/>
+                <a:cs typeface="Times New Roman" panose="02020603050405020304" pitchFamily="18" charset="0"/>
+              </a:rPr>
+              <a:t>组 </a:t>
+            </a:r>
+          </a:p>
+          <a:p>
+            <a:pPr>
+              <a:lnSpc>
+                <a:spcPct val="120000"/>
+              </a:lnSpc>
+            </a:pPr>
+            <a:r>
+              <a:rPr lang="en-US" altLang="zh-CN" sz="1800" kern="100" dirty="0">
+                <a:effectLst/>
+                <a:latin typeface="微软雅黑" panose="020B0503020204020204" pitchFamily="34" charset="-122"/>
+                <a:ea typeface="微软雅黑" panose="020B0503020204020204" pitchFamily="34" charset="-122"/>
+                <a:cs typeface="Times New Roman" panose="02020603050405020304" pitchFamily="18" charset="0"/>
+              </a:rPr>
+              <a:t>f13</a:t>
+            </a:r>
+            <a:r>
+              <a:rPr lang="zh-CN" altLang="zh-CN" sz="1800" kern="100" dirty="0">
+                <a:effectLst/>
+                <a:latin typeface="微软雅黑" panose="020B0503020204020204" pitchFamily="34" charset="-122"/>
+                <a:ea typeface="微软雅黑" panose="020B0503020204020204" pitchFamily="34" charset="-122"/>
+                <a:cs typeface="Times New Roman" panose="02020603050405020304" pitchFamily="18" charset="0"/>
+              </a:rPr>
+              <a:t>分出</a:t>
+            </a:r>
+            <a:r>
+              <a:rPr lang="en-US" altLang="zh-CN" sz="1800" kern="100" dirty="0">
+                <a:effectLst/>
+                <a:latin typeface="微软雅黑" panose="020B0503020204020204" pitchFamily="34" charset="-122"/>
+                <a:ea typeface="微软雅黑" panose="020B0503020204020204" pitchFamily="34" charset="-122"/>
+                <a:cs typeface="Times New Roman" panose="02020603050405020304" pitchFamily="18" charset="0"/>
+              </a:rPr>
+              <a:t>96</a:t>
+            </a:r>
+            <a:r>
+              <a:rPr lang="zh-CN" altLang="zh-CN" sz="1800" kern="100" dirty="0">
+                <a:effectLst/>
+                <a:latin typeface="微软雅黑" panose="020B0503020204020204" pitchFamily="34" charset="-122"/>
+                <a:ea typeface="微软雅黑" panose="020B0503020204020204" pitchFamily="34" charset="-122"/>
+                <a:cs typeface="Times New Roman" panose="02020603050405020304" pitchFamily="18" charset="0"/>
+              </a:rPr>
+              <a:t>组：</a:t>
+            </a:r>
+            <a:r>
+              <a:rPr lang="en-US" altLang="zh-CN" sz="1800" kern="100" dirty="0">
+                <a:effectLst/>
+                <a:latin typeface="微软雅黑" panose="020B0503020204020204" pitchFamily="34" charset="-122"/>
+                <a:ea typeface="微软雅黑" panose="020B0503020204020204" pitchFamily="34" charset="-122"/>
+                <a:cs typeface="Times New Roman" panose="02020603050405020304" pitchFamily="18" charset="0"/>
+              </a:rPr>
+              <a:t>1</a:t>
+            </a:r>
+            <a:r>
+              <a:rPr lang="zh-CN" altLang="zh-CN" sz="1800" kern="100" dirty="0">
+                <a:effectLst/>
+                <a:latin typeface="微软雅黑" panose="020B0503020204020204" pitchFamily="34" charset="-122"/>
+                <a:ea typeface="微软雅黑" panose="020B0503020204020204" pitchFamily="34" charset="-122"/>
+                <a:cs typeface="Times New Roman" panose="02020603050405020304" pitchFamily="18" charset="0"/>
+              </a:rPr>
+              <a:t>组</a:t>
+            </a:r>
+            <a:r>
+              <a:rPr lang="en-US" altLang="zh-CN" sz="1800" kern="100" dirty="0">
+                <a:effectLst/>
+                <a:latin typeface="微软雅黑" panose="020B0503020204020204" pitchFamily="34" charset="-122"/>
+                <a:ea typeface="微软雅黑" panose="020B0503020204020204" pitchFamily="34" charset="-122"/>
+                <a:cs typeface="Times New Roman" panose="02020603050405020304" pitchFamily="18" charset="0"/>
+              </a:rPr>
+              <a:t>905</a:t>
+            </a:r>
+            <a:r>
+              <a:rPr lang="zh-CN" altLang="zh-CN" sz="1800" kern="100" dirty="0">
+                <a:effectLst/>
+                <a:latin typeface="微软雅黑" panose="020B0503020204020204" pitchFamily="34" charset="-122"/>
+                <a:ea typeface="微软雅黑" panose="020B0503020204020204" pitchFamily="34" charset="-122"/>
+                <a:cs typeface="Times New Roman" panose="02020603050405020304" pitchFamily="18" charset="0"/>
+              </a:rPr>
+              <a:t>维，</a:t>
+            </a:r>
+            <a:r>
+              <a:rPr lang="en-US" altLang="zh-CN" sz="1800" kern="100" dirty="0">
+                <a:effectLst/>
+                <a:latin typeface="微软雅黑" panose="020B0503020204020204" pitchFamily="34" charset="-122"/>
+                <a:ea typeface="微软雅黑" panose="020B0503020204020204" pitchFamily="34" charset="-122"/>
+                <a:cs typeface="Times New Roman" panose="02020603050405020304" pitchFamily="18" charset="0"/>
+              </a:rPr>
+              <a:t>95</a:t>
+            </a:r>
+            <a:r>
+              <a:rPr lang="zh-CN" altLang="zh-CN" sz="1800" kern="100" dirty="0">
+                <a:effectLst/>
+                <a:latin typeface="微软雅黑" panose="020B0503020204020204" pitchFamily="34" charset="-122"/>
+                <a:ea typeface="微软雅黑" panose="020B0503020204020204" pitchFamily="34" charset="-122"/>
+                <a:cs typeface="Times New Roman" panose="02020603050405020304" pitchFamily="18" charset="0"/>
+              </a:rPr>
+              <a:t>组每组</a:t>
+            </a:r>
+            <a:r>
+              <a:rPr lang="en-US" altLang="zh-CN" sz="1800" kern="100" dirty="0">
+                <a:effectLst/>
+                <a:latin typeface="微软雅黑" panose="020B0503020204020204" pitchFamily="34" charset="-122"/>
+                <a:ea typeface="微软雅黑" panose="020B0503020204020204" pitchFamily="34" charset="-122"/>
+                <a:cs typeface="Times New Roman" panose="02020603050405020304" pitchFamily="18" charset="0"/>
+              </a:rPr>
+              <a:t>1</a:t>
+            </a:r>
+            <a:r>
+              <a:rPr lang="zh-CN" altLang="zh-CN" sz="1800" kern="100" dirty="0">
+                <a:effectLst/>
+                <a:latin typeface="微软雅黑" panose="020B0503020204020204" pitchFamily="34" charset="-122"/>
+                <a:ea typeface="微软雅黑" panose="020B0503020204020204" pitchFamily="34" charset="-122"/>
+                <a:cs typeface="Times New Roman" panose="02020603050405020304" pitchFamily="18" charset="0"/>
+              </a:rPr>
+              <a:t>维</a:t>
+            </a:r>
+          </a:p>
+          <a:p>
+            <a:pPr>
+              <a:lnSpc>
+                <a:spcPct val="120000"/>
+              </a:lnSpc>
+            </a:pPr>
+            <a:r>
+              <a:rPr lang="en-US" altLang="zh-CN" sz="1800" kern="100" dirty="0">
+                <a:effectLst/>
+                <a:latin typeface="微软雅黑" panose="020B0503020204020204" pitchFamily="34" charset="-122"/>
+                <a:ea typeface="微软雅黑" panose="020B0503020204020204" pitchFamily="34" charset="-122"/>
+                <a:cs typeface="Times New Roman" panose="02020603050405020304" pitchFamily="18" charset="0"/>
+              </a:rPr>
+              <a:t>f14</a:t>
+            </a:r>
+            <a:r>
+              <a:rPr lang="zh-CN" altLang="zh-CN" sz="1800" kern="100" dirty="0">
+                <a:effectLst/>
+                <a:latin typeface="微软雅黑" panose="020B0503020204020204" pitchFamily="34" charset="-122"/>
+                <a:ea typeface="微软雅黑" panose="020B0503020204020204" pitchFamily="34" charset="-122"/>
+                <a:cs typeface="Times New Roman" panose="02020603050405020304" pitchFamily="18" charset="0"/>
+              </a:rPr>
+              <a:t>分出</a:t>
+            </a:r>
+            <a:r>
+              <a:rPr lang="en-US" altLang="zh-CN" sz="1800" kern="100" dirty="0">
+                <a:effectLst/>
+                <a:latin typeface="微软雅黑" panose="020B0503020204020204" pitchFamily="34" charset="-122"/>
+                <a:ea typeface="微软雅黑" panose="020B0503020204020204" pitchFamily="34" charset="-122"/>
+                <a:cs typeface="Times New Roman" panose="02020603050405020304" pitchFamily="18" charset="0"/>
+              </a:rPr>
+              <a:t>96</a:t>
+            </a:r>
+            <a:r>
+              <a:rPr lang="zh-CN" altLang="zh-CN" sz="1800" kern="100" dirty="0">
+                <a:effectLst/>
+                <a:latin typeface="微软雅黑" panose="020B0503020204020204" pitchFamily="34" charset="-122"/>
+                <a:ea typeface="微软雅黑" panose="020B0503020204020204" pitchFamily="34" charset="-122"/>
+                <a:cs typeface="Times New Roman" panose="02020603050405020304" pitchFamily="18" charset="0"/>
+              </a:rPr>
+              <a:t>组：</a:t>
+            </a:r>
+            <a:r>
+              <a:rPr lang="en-US" altLang="zh-CN" sz="1800" kern="100" dirty="0">
+                <a:effectLst/>
+                <a:latin typeface="微软雅黑" panose="020B0503020204020204" pitchFamily="34" charset="-122"/>
+                <a:ea typeface="微软雅黑" panose="020B0503020204020204" pitchFamily="34" charset="-122"/>
+                <a:cs typeface="Times New Roman" panose="02020603050405020304" pitchFamily="18" charset="0"/>
+              </a:rPr>
+              <a:t>1</a:t>
+            </a:r>
+            <a:r>
+              <a:rPr lang="zh-CN" altLang="zh-CN" sz="1800" kern="100" dirty="0">
+                <a:effectLst/>
+                <a:latin typeface="微软雅黑" panose="020B0503020204020204" pitchFamily="34" charset="-122"/>
+                <a:ea typeface="微软雅黑" panose="020B0503020204020204" pitchFamily="34" charset="-122"/>
+                <a:cs typeface="Times New Roman" panose="02020603050405020304" pitchFamily="18" charset="0"/>
+              </a:rPr>
+              <a:t>组</a:t>
+            </a:r>
+            <a:r>
+              <a:rPr lang="en-US" altLang="zh-CN" sz="1800" kern="100" dirty="0">
+                <a:effectLst/>
+                <a:latin typeface="微软雅黑" panose="020B0503020204020204" pitchFamily="34" charset="-122"/>
+                <a:ea typeface="微软雅黑" panose="020B0503020204020204" pitchFamily="34" charset="-122"/>
+                <a:cs typeface="Times New Roman" panose="02020603050405020304" pitchFamily="18" charset="0"/>
+              </a:rPr>
+              <a:t>905</a:t>
+            </a:r>
+            <a:r>
+              <a:rPr lang="zh-CN" altLang="zh-CN" sz="1800" kern="100" dirty="0">
+                <a:effectLst/>
+                <a:latin typeface="微软雅黑" panose="020B0503020204020204" pitchFamily="34" charset="-122"/>
+                <a:ea typeface="微软雅黑" panose="020B0503020204020204" pitchFamily="34" charset="-122"/>
+                <a:cs typeface="Times New Roman" panose="02020603050405020304" pitchFamily="18" charset="0"/>
+              </a:rPr>
+              <a:t>维，</a:t>
+            </a:r>
+            <a:r>
+              <a:rPr lang="en-US" altLang="zh-CN" sz="1800" kern="100" dirty="0">
+                <a:effectLst/>
+                <a:latin typeface="微软雅黑" panose="020B0503020204020204" pitchFamily="34" charset="-122"/>
+                <a:ea typeface="微软雅黑" panose="020B0503020204020204" pitchFamily="34" charset="-122"/>
+                <a:cs typeface="Times New Roman" panose="02020603050405020304" pitchFamily="18" charset="0"/>
+              </a:rPr>
+              <a:t>95</a:t>
+            </a:r>
+            <a:r>
+              <a:rPr lang="zh-CN" altLang="zh-CN" sz="1800" kern="100" dirty="0">
+                <a:effectLst/>
+                <a:latin typeface="微软雅黑" panose="020B0503020204020204" pitchFamily="34" charset="-122"/>
+                <a:ea typeface="微软雅黑" panose="020B0503020204020204" pitchFamily="34" charset="-122"/>
+                <a:cs typeface="Times New Roman" panose="02020603050405020304" pitchFamily="18" charset="0"/>
+              </a:rPr>
+              <a:t>组每组</a:t>
+            </a:r>
+            <a:r>
+              <a:rPr lang="en-US" altLang="zh-CN" sz="1800" kern="100" dirty="0">
+                <a:effectLst/>
+                <a:latin typeface="微软雅黑" panose="020B0503020204020204" pitchFamily="34" charset="-122"/>
+                <a:ea typeface="微软雅黑" panose="020B0503020204020204" pitchFamily="34" charset="-122"/>
+                <a:cs typeface="Times New Roman" panose="02020603050405020304" pitchFamily="18" charset="0"/>
+              </a:rPr>
+              <a:t>1</a:t>
+            </a:r>
+            <a:r>
+              <a:rPr lang="zh-CN" altLang="zh-CN" sz="1800" kern="100" dirty="0">
+                <a:effectLst/>
+                <a:latin typeface="微软雅黑" panose="020B0503020204020204" pitchFamily="34" charset="-122"/>
+                <a:ea typeface="微软雅黑" panose="020B0503020204020204" pitchFamily="34" charset="-122"/>
+                <a:cs typeface="Times New Roman" panose="02020603050405020304" pitchFamily="18" charset="0"/>
+              </a:rPr>
+              <a:t>维</a:t>
+            </a:r>
+          </a:p>
+          <a:p>
+            <a:pPr>
+              <a:lnSpc>
+                <a:spcPct val="120000"/>
+              </a:lnSpc>
+            </a:pPr>
+            <a:r>
+              <a:rPr lang="en-US" altLang="zh-CN" sz="1800" kern="100" dirty="0">
+                <a:effectLst/>
+                <a:latin typeface="微软雅黑" panose="020B0503020204020204" pitchFamily="34" charset="-122"/>
+                <a:ea typeface="微软雅黑" panose="020B0503020204020204" pitchFamily="34" charset="-122"/>
+                <a:cs typeface="Times New Roman" panose="02020603050405020304" pitchFamily="18" charset="0"/>
+              </a:rPr>
+              <a:t>f15</a:t>
+            </a:r>
+            <a:r>
+              <a:rPr lang="zh-CN" altLang="zh-CN" sz="1800" kern="100" dirty="0">
+                <a:effectLst/>
+                <a:latin typeface="微软雅黑" panose="020B0503020204020204" pitchFamily="34" charset="-122"/>
+                <a:ea typeface="微软雅黑" panose="020B0503020204020204" pitchFamily="34" charset="-122"/>
+                <a:cs typeface="Times New Roman" panose="02020603050405020304" pitchFamily="18" charset="0"/>
+              </a:rPr>
+              <a:t>分出</a:t>
+            </a:r>
+            <a:r>
+              <a:rPr lang="en-US" altLang="zh-CN" sz="1800" kern="100" dirty="0">
+                <a:effectLst/>
+                <a:latin typeface="微软雅黑" panose="020B0503020204020204" pitchFamily="34" charset="-122"/>
+                <a:ea typeface="微软雅黑" panose="020B0503020204020204" pitchFamily="34" charset="-122"/>
+                <a:cs typeface="Times New Roman" panose="02020603050405020304" pitchFamily="18" charset="0"/>
+              </a:rPr>
+              <a:t>1</a:t>
+            </a:r>
+            <a:r>
+              <a:rPr lang="zh-CN" altLang="zh-CN" sz="1800" kern="100" dirty="0">
+                <a:effectLst/>
+                <a:latin typeface="微软雅黑" panose="020B0503020204020204" pitchFamily="34" charset="-122"/>
+                <a:ea typeface="微软雅黑" panose="020B0503020204020204" pitchFamily="34" charset="-122"/>
+                <a:cs typeface="Times New Roman" panose="02020603050405020304" pitchFamily="18" charset="0"/>
+              </a:rPr>
+              <a:t>组</a:t>
+            </a:r>
+          </a:p>
+        </p:txBody>
+      </p:sp>
+      <p:grpSp>
+        <p:nvGrpSpPr>
+          <p:cNvPr id="2" name="组合 1">
+            <a:extLst>
+              <a:ext uri="{FF2B5EF4-FFF2-40B4-BE49-F238E27FC236}">
+                <a16:creationId xmlns:a16="http://schemas.microsoft.com/office/drawing/2014/main" id="{53535DFA-FC0F-7C14-A540-9312096EC7CB}"/>
+              </a:ext>
+            </a:extLst>
+          </p:cNvPr>
+          <p:cNvGrpSpPr/>
+          <p:nvPr/>
+        </p:nvGrpSpPr>
+        <p:grpSpPr>
+          <a:xfrm>
+            <a:off x="193210" y="258030"/>
+            <a:ext cx="312473" cy="289950"/>
+            <a:chOff x="193210" y="258030"/>
+            <a:chExt cx="312473" cy="289950"/>
+          </a:xfrm>
+        </p:grpSpPr>
+        <p:sp>
+          <p:nvSpPr>
+            <p:cNvPr id="3" name="矩形 2">
+              <a:extLst>
+                <a:ext uri="{FF2B5EF4-FFF2-40B4-BE49-F238E27FC236}">
+                  <a16:creationId xmlns:a16="http://schemas.microsoft.com/office/drawing/2014/main" id="{9730B52D-353E-12B3-09C7-511C7753A12C}"/>
+                </a:ext>
+              </a:extLst>
+            </p:cNvPr>
+            <p:cNvSpPr/>
+            <p:nvPr/>
+          </p:nvSpPr>
+          <p:spPr>
+            <a:xfrm>
+              <a:off x="329917" y="384883"/>
+              <a:ext cx="175766" cy="163097"/>
+            </a:xfrm>
+            <a:prstGeom prst="rect">
+              <a:avLst/>
+            </a:prstGeom>
+            <a:ln>
+              <a:noFill/>
+            </a:ln>
+          </p:spPr>
+          <p:style>
+            <a:lnRef idx="2">
+              <a:schemeClr val="accent1">
+                <a:shade val="50000"/>
+              </a:schemeClr>
+            </a:lnRef>
+            <a:fillRef idx="1">
+              <a:schemeClr val="accent1"/>
+            </a:fillRef>
+            <a:effectRef idx="0">
+              <a:schemeClr val="accent1"/>
+            </a:effectRef>
+            <a:fontRef idx="minor">
+              <a:schemeClr val="lt1"/>
+            </a:fontRef>
+          </p:style>
+          <p:txBody>
+            <a:bodyPr rtlCol="0" anchor="ctr"/>
+            <a:lstStyle/>
+            <a:p>
+              <a:pPr algn="ctr"/>
+              <a:endParaRPr lang="zh-CN" altLang="en-US"/>
+            </a:p>
+          </p:txBody>
+        </p:sp>
+        <p:sp>
+          <p:nvSpPr>
+            <p:cNvPr id="4" name="矩形 3">
+              <a:extLst>
+                <a:ext uri="{FF2B5EF4-FFF2-40B4-BE49-F238E27FC236}">
+                  <a16:creationId xmlns:a16="http://schemas.microsoft.com/office/drawing/2014/main" id="{601B1AC7-DBC1-4E40-2AC0-27FDCD99E565}"/>
+                </a:ext>
+              </a:extLst>
+            </p:cNvPr>
+            <p:cNvSpPr/>
+            <p:nvPr/>
+          </p:nvSpPr>
+          <p:spPr>
+            <a:xfrm>
+              <a:off x="193210" y="258030"/>
+              <a:ext cx="136707" cy="126853"/>
+            </a:xfrm>
+            <a:prstGeom prst="rect">
+              <a:avLst/>
+            </a:prstGeom>
+            <a:solidFill>
+              <a:schemeClr val="accent1">
+                <a:lumMod val="75000"/>
+              </a:schemeClr>
+            </a:solidFill>
+            <a:ln>
+              <a:noFill/>
+            </a:ln>
+          </p:spPr>
+          <p:style>
+            <a:lnRef idx="2">
+              <a:schemeClr val="accent1">
+                <a:shade val="50000"/>
+              </a:schemeClr>
+            </a:lnRef>
+            <a:fillRef idx="1">
+              <a:schemeClr val="accent1"/>
+            </a:fillRef>
+            <a:effectRef idx="0">
+              <a:schemeClr val="accent1"/>
+            </a:effectRef>
+            <a:fontRef idx="minor">
+              <a:schemeClr val="lt1"/>
+            </a:fontRef>
+          </p:style>
+          <p:txBody>
+            <a:bodyPr rtlCol="0" anchor="ctr"/>
+            <a:lstStyle/>
+            <a:p>
+              <a:pPr algn="ctr"/>
+              <a:endParaRPr lang="zh-CN" altLang="en-US"/>
+            </a:p>
+          </p:txBody>
+        </p:sp>
+      </p:grpSp>
+    </p:spTree>
+    <p:extLst>
+      <p:ext uri="{BB962C8B-B14F-4D97-AF65-F5344CB8AC3E}">
+        <p14:creationId xmlns:p14="http://schemas.microsoft.com/office/powerpoint/2010/main" val="1724098156"/>
+      </p:ext>
+    </p:extLst>
+  </p:cSld>
+  <p:clrMapOvr>
+    <a:masterClrMapping/>
+  </p:clrMapOvr>
+</p:sld>
+</file>
+
+<file path=ppt/slides/slide9.xml><?xml version="1.0" encoding="utf-8"?>
+<p:sld xmlns:a="http://schemas.openxmlformats.org/drawingml/2006/main" xmlns:r="http://schemas.openxmlformats.org/officeDocument/2006/relationships" xmlns:p="http://schemas.openxmlformats.org/presentationml/2006/main">
+  <p:cSld>
+    <p:spTree>
+      <p:nvGrpSpPr>
+        <p:cNvPr id="1" name=""/>
+        <p:cNvGrpSpPr/>
+        <p:nvPr/>
+      </p:nvGrpSpPr>
+      <p:grpSpPr>
+        <a:xfrm>
+          <a:off x="0" y="0"/>
+          <a:ext cx="0" cy="0"/>
+          <a:chOff x="0" y="0"/>
+          <a:chExt cx="0" cy="0"/>
+        </a:xfrm>
+      </p:grpSpPr>
+      <p:pic>
+        <p:nvPicPr>
+          <p:cNvPr id="4" name="图片 3">
+            <a:extLst>
+              <a:ext uri="{FF2B5EF4-FFF2-40B4-BE49-F238E27FC236}">
+                <a16:creationId xmlns:a16="http://schemas.microsoft.com/office/drawing/2014/main" id="{88E7CE90-3BB9-F6E1-AAAF-29126FEC0DBF}"/>
+              </a:ext>
+            </a:extLst>
+          </p:cNvPr>
+          <p:cNvPicPr>
+            <a:picLocks noChangeAspect="1"/>
+          </p:cNvPicPr>
+          <p:nvPr/>
+        </p:nvPicPr>
+        <p:blipFill>
+          <a:blip r:embed="rId3"/>
+          <a:stretch>
+            <a:fillRect/>
+          </a:stretch>
+        </p:blipFill>
+        <p:spPr>
+          <a:xfrm>
+            <a:off x="1733106" y="793739"/>
+            <a:ext cx="2691956" cy="5894937"/>
+          </a:xfrm>
+          <a:prstGeom prst="rect">
+            <a:avLst/>
+          </a:prstGeom>
+        </p:spPr>
+      </p:pic>
+      <p:sp>
+        <p:nvSpPr>
+          <p:cNvPr id="7" name="文本框 6">
+            <a:extLst>
+              <a:ext uri="{FF2B5EF4-FFF2-40B4-BE49-F238E27FC236}">
+                <a16:creationId xmlns:a16="http://schemas.microsoft.com/office/drawing/2014/main" id="{BBAA8F04-04B2-A82E-EABB-EAB0F3582D80}"/>
+              </a:ext>
+            </a:extLst>
+          </p:cNvPr>
+          <p:cNvSpPr txBox="1"/>
+          <p:nvPr/>
+        </p:nvSpPr>
+        <p:spPr>
+          <a:xfrm>
+            <a:off x="5425372" y="1335788"/>
+            <a:ext cx="6097554" cy="5008230"/>
+          </a:xfrm>
+          <a:prstGeom prst="rect">
+            <a:avLst/>
+          </a:prstGeom>
+          <a:noFill/>
+        </p:spPr>
+        <p:txBody>
+          <a:bodyPr wrap="square">
+            <a:spAutoFit/>
+          </a:bodyPr>
+          <a:lstStyle/>
+          <a:p>
+            <a:pPr marL="342900" indent="-342900" algn="just">
+              <a:lnSpc>
+                <a:spcPct val="150000"/>
+              </a:lnSpc>
+              <a:buFont typeface="Arial" panose="020B0604020202020204" pitchFamily="34" charset="0"/>
+              <a:buChar char="•"/>
+            </a:pPr>
+            <a:r>
+              <a:rPr lang="en-US" altLang="zh-CN" sz="2400" kern="100" dirty="0">
+                <a:effectLst/>
+                <a:latin typeface="微软雅黑" panose="020B0503020204020204" pitchFamily="34" charset="-122"/>
+                <a:ea typeface="微软雅黑" panose="020B0503020204020204" pitchFamily="34" charset="-122"/>
+                <a:cs typeface="Times New Roman" panose="02020603050405020304" pitchFamily="18" charset="0"/>
+              </a:rPr>
+              <a:t>CCFR</a:t>
+            </a:r>
+            <a:r>
+              <a:rPr lang="zh-CN" altLang="zh-CN" sz="2400" kern="100" dirty="0">
+                <a:effectLst/>
+                <a:latin typeface="微软雅黑" panose="020B0503020204020204" pitchFamily="34" charset="-122"/>
+                <a:ea typeface="微软雅黑" panose="020B0503020204020204" pitchFamily="34" charset="-122"/>
+                <a:cs typeface="Times New Roman" panose="02020603050405020304" pitchFamily="18" charset="0"/>
+              </a:rPr>
+              <a:t>可以检测到停滞的子问题，并节省在这些停滞的子问题上的计算成本。</a:t>
+            </a:r>
+          </a:p>
+          <a:p>
+            <a:pPr marL="342900" indent="-342900" algn="just">
+              <a:lnSpc>
+                <a:spcPct val="150000"/>
+              </a:lnSpc>
+              <a:buFont typeface="Arial" panose="020B0604020202020204" pitchFamily="34" charset="0"/>
+              <a:buChar char="•"/>
+            </a:pPr>
+            <a:r>
+              <a:rPr lang="zh-CN" altLang="zh-CN" sz="2400" kern="100" dirty="0">
+                <a:effectLst/>
+                <a:latin typeface="微软雅黑" panose="020B0503020204020204" pitchFamily="34" charset="-122"/>
+                <a:ea typeface="微软雅黑" panose="020B0503020204020204" pitchFamily="34" charset="-122"/>
+                <a:cs typeface="Times New Roman" panose="02020603050405020304" pitchFamily="18" charset="0"/>
+              </a:rPr>
+              <a:t>根据不同子问题之前和当前对整体目标函数值的贡献，</a:t>
+            </a:r>
+            <a:r>
+              <a:rPr lang="en-US" altLang="zh-CN" sz="2400" kern="100" dirty="0">
+                <a:effectLst/>
+                <a:latin typeface="微软雅黑" panose="020B0503020204020204" pitchFamily="34" charset="-122"/>
+                <a:ea typeface="微软雅黑" panose="020B0503020204020204" pitchFamily="34" charset="-122"/>
+                <a:cs typeface="Times New Roman" panose="02020603050405020304" pitchFamily="18" charset="0"/>
+              </a:rPr>
+              <a:t>CCFR</a:t>
+            </a:r>
+            <a:r>
+              <a:rPr lang="zh-CN" altLang="zh-CN" sz="2400" kern="100" dirty="0">
+                <a:effectLst/>
+                <a:latin typeface="微软雅黑" panose="020B0503020204020204" pitchFamily="34" charset="-122"/>
+                <a:ea typeface="微软雅黑" panose="020B0503020204020204" pitchFamily="34" charset="-122"/>
+                <a:cs typeface="Times New Roman" panose="02020603050405020304" pitchFamily="18" charset="0"/>
+              </a:rPr>
+              <a:t>可以更加</a:t>
+            </a:r>
+            <a:r>
+              <a:rPr lang="zh-CN" altLang="zh-CN" sz="2400" b="1" kern="100" dirty="0">
+                <a:effectLst/>
+                <a:latin typeface="微软雅黑" panose="020B0503020204020204" pitchFamily="34" charset="-122"/>
+                <a:ea typeface="微软雅黑" panose="020B0503020204020204" pitchFamily="34" charset="-122"/>
+                <a:cs typeface="Times New Roman" panose="02020603050405020304" pitchFamily="18" charset="0"/>
+              </a:rPr>
+              <a:t>高效地分配计算资源到各个子问题</a:t>
+            </a:r>
+            <a:r>
+              <a:rPr lang="zh-CN" altLang="zh-CN" sz="2400" kern="100" dirty="0">
+                <a:effectLst/>
+                <a:latin typeface="微软雅黑" panose="020B0503020204020204" pitchFamily="34" charset="-122"/>
+                <a:ea typeface="微软雅黑" panose="020B0503020204020204" pitchFamily="34" charset="-122"/>
+                <a:cs typeface="Times New Roman" panose="02020603050405020304" pitchFamily="18" charset="0"/>
+              </a:rPr>
+              <a:t>，从而获得更优的解决方案。</a:t>
+            </a:r>
+          </a:p>
+          <a:p>
+            <a:pPr marL="342900" indent="-342900" algn="just">
+              <a:lnSpc>
+                <a:spcPct val="150000"/>
+              </a:lnSpc>
+              <a:buFont typeface="Arial" panose="020B0604020202020204" pitchFamily="34" charset="0"/>
+              <a:buChar char="•"/>
+            </a:pPr>
+            <a:r>
+              <a:rPr lang="en-US" altLang="zh-CN" sz="2400" kern="100" dirty="0">
+                <a:effectLst/>
+                <a:latin typeface="微软雅黑" panose="020B0503020204020204" pitchFamily="34" charset="-122"/>
+                <a:ea typeface="微软雅黑" panose="020B0503020204020204" pitchFamily="34" charset="-122"/>
+                <a:cs typeface="Times New Roman" panose="02020603050405020304" pitchFamily="18" charset="0"/>
+              </a:rPr>
+              <a:t>CCFR</a:t>
+            </a:r>
+            <a:r>
+              <a:rPr lang="zh-CN" altLang="zh-CN" sz="2400" kern="100" dirty="0">
+                <a:effectLst/>
+                <a:latin typeface="微软雅黑" panose="020B0503020204020204" pitchFamily="34" charset="-122"/>
+                <a:ea typeface="微软雅黑" panose="020B0503020204020204" pitchFamily="34" charset="-122"/>
+                <a:cs typeface="Times New Roman" panose="02020603050405020304" pitchFamily="18" charset="0"/>
+              </a:rPr>
+              <a:t>的性能取决于分组方法的性能</a:t>
+            </a:r>
+            <a:r>
+              <a:rPr lang="zh-CN" altLang="en-US" sz="2400" kern="100" dirty="0">
+                <a:effectLst/>
+                <a:latin typeface="微软雅黑" panose="020B0503020204020204" pitchFamily="34" charset="-122"/>
+                <a:ea typeface="微软雅黑" panose="020B0503020204020204" pitchFamily="34" charset="-122"/>
+                <a:cs typeface="Times New Roman" panose="02020603050405020304" pitchFamily="18" charset="0"/>
+              </a:rPr>
+              <a:t>，</a:t>
+            </a:r>
+            <a:r>
+              <a:rPr lang="zh-CN" altLang="zh-CN" sz="2400" kern="100" dirty="0">
+                <a:effectLst/>
+                <a:latin typeface="微软雅黑" panose="020B0503020204020204" pitchFamily="34" charset="-122"/>
+                <a:ea typeface="微软雅黑" panose="020B0503020204020204" pitchFamily="34" charset="-122"/>
+                <a:cs typeface="Times New Roman" panose="02020603050405020304" pitchFamily="18" charset="0"/>
+              </a:rPr>
+              <a:t>将相互依赖的决策变量准确聚集在一起可以提高</a:t>
+            </a:r>
+            <a:r>
+              <a:rPr lang="en-US" altLang="zh-CN" sz="2400" kern="100" dirty="0">
+                <a:effectLst/>
+                <a:latin typeface="微软雅黑" panose="020B0503020204020204" pitchFamily="34" charset="-122"/>
+                <a:ea typeface="微软雅黑" panose="020B0503020204020204" pitchFamily="34" charset="-122"/>
+                <a:cs typeface="Times New Roman" panose="02020603050405020304" pitchFamily="18" charset="0"/>
+              </a:rPr>
+              <a:t>CCFR</a:t>
+            </a:r>
+            <a:r>
+              <a:rPr lang="zh-CN" altLang="zh-CN" sz="2400" kern="100" dirty="0">
+                <a:effectLst/>
+                <a:latin typeface="微软雅黑" panose="020B0503020204020204" pitchFamily="34" charset="-122"/>
+                <a:ea typeface="微软雅黑" panose="020B0503020204020204" pitchFamily="34" charset="-122"/>
+                <a:cs typeface="Times New Roman" panose="02020603050405020304" pitchFamily="18" charset="0"/>
+              </a:rPr>
+              <a:t>的性能。</a:t>
+            </a:r>
+          </a:p>
+        </p:txBody>
+      </p:sp>
+      <p:sp>
+        <p:nvSpPr>
+          <p:cNvPr id="19" name="文本框 18">
+            <a:extLst>
+              <a:ext uri="{FF2B5EF4-FFF2-40B4-BE49-F238E27FC236}">
+                <a16:creationId xmlns:a16="http://schemas.microsoft.com/office/drawing/2014/main" id="{3C9FE210-67CD-C7A0-D3F7-91ED3A24559F}"/>
+              </a:ext>
+            </a:extLst>
+          </p:cNvPr>
+          <p:cNvSpPr txBox="1"/>
+          <p:nvPr/>
+        </p:nvSpPr>
+        <p:spPr>
+          <a:xfrm>
+            <a:off x="542259" y="174640"/>
+            <a:ext cx="6023343" cy="461665"/>
+          </a:xfrm>
+          <a:prstGeom prst="rect">
+            <a:avLst/>
+          </a:prstGeom>
+          <a:noFill/>
+        </p:spPr>
+        <p:txBody>
+          <a:bodyPr wrap="square">
+            <a:spAutoFit/>
+          </a:bodyPr>
+          <a:lstStyle/>
+          <a:p>
+            <a:r>
+              <a:rPr lang="zh-CN" altLang="en-US" sz="2400" dirty="0">
+                <a:latin typeface="微软雅黑" panose="020B0503020204020204" pitchFamily="34" charset="-122"/>
+                <a:ea typeface="微软雅黑" panose="020B0503020204020204" pitchFamily="34" charset="-122"/>
+              </a:rPr>
+              <a:t>基于贡献度的协同进化（</a:t>
+            </a:r>
+            <a:r>
+              <a:rPr lang="en-US" altLang="zh-CN" sz="2400" dirty="0">
+                <a:latin typeface="微软雅黑" panose="020B0503020204020204" pitchFamily="34" charset="-122"/>
+                <a:ea typeface="微软雅黑" panose="020B0503020204020204" pitchFamily="34" charset="-122"/>
+              </a:rPr>
+              <a:t>CCFR</a:t>
+            </a:r>
+            <a:r>
+              <a:rPr lang="zh-CN" altLang="en-US" sz="2400" dirty="0">
+                <a:latin typeface="微软雅黑" panose="020B0503020204020204" pitchFamily="34" charset="-122"/>
+                <a:ea typeface="微软雅黑" panose="020B0503020204020204" pitchFamily="34" charset="-122"/>
+              </a:rPr>
+              <a:t>）</a:t>
+            </a:r>
+          </a:p>
+        </p:txBody>
+      </p:sp>
+      <p:sp>
+        <p:nvSpPr>
+          <p:cNvPr id="20" name="矩形 19">
+            <a:extLst>
+              <a:ext uri="{FF2B5EF4-FFF2-40B4-BE49-F238E27FC236}">
+                <a16:creationId xmlns:a16="http://schemas.microsoft.com/office/drawing/2014/main" id="{69B3779B-C826-7670-B0B8-AE8AC8FD0A14}"/>
+              </a:ext>
+            </a:extLst>
+          </p:cNvPr>
+          <p:cNvSpPr/>
+          <p:nvPr/>
+        </p:nvSpPr>
+        <p:spPr>
+          <a:xfrm>
+            <a:off x="542260" y="645546"/>
+            <a:ext cx="7931889" cy="74427"/>
+          </a:xfrm>
+          <a:prstGeom prst="rect">
+            <a:avLst/>
+          </a:prstGeom>
+        </p:spPr>
+        <p:style>
+          <a:lnRef idx="2">
+            <a:schemeClr val="accent1">
+              <a:shade val="50000"/>
+            </a:schemeClr>
+          </a:lnRef>
+          <a:fillRef idx="1">
+            <a:schemeClr val="accent1"/>
+          </a:fillRef>
+          <a:effectRef idx="0">
+            <a:schemeClr val="accent1"/>
+          </a:effectRef>
+          <a:fontRef idx="minor">
+            <a:schemeClr val="lt1"/>
+          </a:fontRef>
+        </p:style>
+        <p:txBody>
+          <a:bodyPr rtlCol="0" anchor="ctr"/>
+          <a:lstStyle/>
+          <a:p>
+            <a:pPr algn="ctr"/>
+            <a:endParaRPr lang="zh-CN" altLang="en-US">
+              <a:latin typeface="微软雅黑" panose="020B0503020204020204" pitchFamily="34" charset="-122"/>
+              <a:ea typeface="微软雅黑" panose="020B0503020204020204" pitchFamily="34" charset="-122"/>
+            </a:endParaRPr>
+          </a:p>
+        </p:txBody>
+      </p:sp>
+      <p:grpSp>
+        <p:nvGrpSpPr>
+          <p:cNvPr id="2" name="组合 1">
+            <a:extLst>
+              <a:ext uri="{FF2B5EF4-FFF2-40B4-BE49-F238E27FC236}">
+                <a16:creationId xmlns:a16="http://schemas.microsoft.com/office/drawing/2014/main" id="{46A652CD-0BF5-F4CE-FE7A-8D02BAD4464E}"/>
+              </a:ext>
+            </a:extLst>
+          </p:cNvPr>
+          <p:cNvGrpSpPr/>
+          <p:nvPr/>
+        </p:nvGrpSpPr>
+        <p:grpSpPr>
+          <a:xfrm>
+            <a:off x="193210" y="258030"/>
+            <a:ext cx="312473" cy="289950"/>
+            <a:chOff x="193210" y="258030"/>
+            <a:chExt cx="312473" cy="289950"/>
+          </a:xfrm>
+        </p:grpSpPr>
+        <p:sp>
+          <p:nvSpPr>
+            <p:cNvPr id="3" name="矩形 2">
+              <a:extLst>
+                <a:ext uri="{FF2B5EF4-FFF2-40B4-BE49-F238E27FC236}">
+                  <a16:creationId xmlns:a16="http://schemas.microsoft.com/office/drawing/2014/main" id="{529F11A0-257B-7B5D-D4E6-7251A9F9B22A}"/>
+                </a:ext>
+              </a:extLst>
+            </p:cNvPr>
+            <p:cNvSpPr/>
+            <p:nvPr/>
+          </p:nvSpPr>
+          <p:spPr>
+            <a:xfrm>
+              <a:off x="329917" y="384883"/>
+              <a:ext cx="175766" cy="163097"/>
+            </a:xfrm>
+            <a:prstGeom prst="rect">
+              <a:avLst/>
+            </a:prstGeom>
+            <a:ln>
+              <a:noFill/>
+            </a:ln>
+          </p:spPr>
+          <p:style>
+            <a:lnRef idx="2">
+              <a:schemeClr val="accent1">
+                <a:shade val="50000"/>
+              </a:schemeClr>
+            </a:lnRef>
+            <a:fillRef idx="1">
+              <a:schemeClr val="accent1"/>
+            </a:fillRef>
+            <a:effectRef idx="0">
+              <a:schemeClr val="accent1"/>
+            </a:effectRef>
+            <a:fontRef idx="minor">
+              <a:schemeClr val="lt1"/>
+            </a:fontRef>
+          </p:style>
+          <p:txBody>
+            <a:bodyPr rtlCol="0" anchor="ctr"/>
+            <a:lstStyle/>
+            <a:p>
+              <a:pPr algn="ctr"/>
+              <a:endParaRPr lang="zh-CN" altLang="en-US"/>
+            </a:p>
+          </p:txBody>
+        </p:sp>
+        <p:sp>
+          <p:nvSpPr>
+            <p:cNvPr id="5" name="矩形 4">
+              <a:extLst>
+                <a:ext uri="{FF2B5EF4-FFF2-40B4-BE49-F238E27FC236}">
+                  <a16:creationId xmlns:a16="http://schemas.microsoft.com/office/drawing/2014/main" id="{873B6D0E-EF9E-568A-36C2-814D0798BDA7}"/>
+                </a:ext>
+              </a:extLst>
+            </p:cNvPr>
+            <p:cNvSpPr/>
+            <p:nvPr/>
+          </p:nvSpPr>
+          <p:spPr>
+            <a:xfrm>
+              <a:off x="193210" y="258030"/>
+              <a:ext cx="136707" cy="126853"/>
+            </a:xfrm>
+            <a:prstGeom prst="rect">
+              <a:avLst/>
+            </a:prstGeom>
+            <a:solidFill>
+              <a:schemeClr val="accent1">
+                <a:lumMod val="75000"/>
+              </a:schemeClr>
+            </a:solidFill>
+            <a:ln>
+              <a:noFill/>
+            </a:ln>
+          </p:spPr>
+          <p:style>
+            <a:lnRef idx="2">
+              <a:schemeClr val="accent1">
+                <a:shade val="50000"/>
+              </a:schemeClr>
+            </a:lnRef>
+            <a:fillRef idx="1">
+              <a:schemeClr val="accent1"/>
+            </a:fillRef>
+            <a:effectRef idx="0">
+              <a:schemeClr val="accent1"/>
+            </a:effectRef>
+            <a:fontRef idx="minor">
+              <a:schemeClr val="lt1"/>
+            </a:fontRef>
+          </p:style>
+          <p:txBody>
+            <a:bodyPr rtlCol="0" anchor="ctr"/>
+            <a:lstStyle/>
+            <a:p>
+              <a:pPr algn="ctr"/>
+              <a:endParaRPr lang="zh-CN" altLang="en-US"/>
+            </a:p>
+          </p:txBody>
+        </p:sp>
+      </p:grpSp>
+    </p:spTree>
+    <p:extLst>
+      <p:ext uri="{BB962C8B-B14F-4D97-AF65-F5344CB8AC3E}">
+        <p14:creationId xmlns:p14="http://schemas.microsoft.com/office/powerpoint/2010/main" val="488466554"/>
       </p:ext>
     </p:extLst>
   </p:cSld>
